--- a/04_jupyter_and_python_intro/04_git_intro.pptx
+++ b/04_jupyter_and_python_intro/04_git_intro.pptx
@@ -6,35 +6,34 @@
     <p:sldMasterId id="2147486026" r:id="rId2"/>
   </p:sldMasterIdLst>
   <p:notesMasterIdLst>
-    <p:notesMasterId r:id="rId26"/>
+    <p:notesMasterId r:id="rId25"/>
   </p:notesMasterIdLst>
   <p:handoutMasterIdLst>
-    <p:handoutMasterId r:id="rId27"/>
+    <p:handoutMasterId r:id="rId26"/>
   </p:handoutMasterIdLst>
   <p:sldIdLst>
-    <p:sldId id="571" r:id="rId3"/>
+    <p:sldId id="256" r:id="rId3"/>
     <p:sldId id="257" r:id="rId4"/>
-    <p:sldId id="278" r:id="rId5"/>
-    <p:sldId id="258" r:id="rId6"/>
-    <p:sldId id="259" r:id="rId7"/>
-    <p:sldId id="260" r:id="rId8"/>
-    <p:sldId id="277" r:id="rId9"/>
-    <p:sldId id="261" r:id="rId10"/>
-    <p:sldId id="262" r:id="rId11"/>
-    <p:sldId id="263" r:id="rId12"/>
-    <p:sldId id="264" r:id="rId13"/>
-    <p:sldId id="266" r:id="rId14"/>
-    <p:sldId id="273" r:id="rId15"/>
-    <p:sldId id="576" r:id="rId16"/>
-    <p:sldId id="268" r:id="rId17"/>
-    <p:sldId id="267" r:id="rId18"/>
-    <p:sldId id="269" r:id="rId19"/>
-    <p:sldId id="270" r:id="rId20"/>
-    <p:sldId id="271" r:id="rId21"/>
-    <p:sldId id="272" r:id="rId22"/>
-    <p:sldId id="274" r:id="rId23"/>
-    <p:sldId id="275" r:id="rId24"/>
-    <p:sldId id="276" r:id="rId25"/>
+    <p:sldId id="258" r:id="rId5"/>
+    <p:sldId id="259" r:id="rId6"/>
+    <p:sldId id="260" r:id="rId7"/>
+    <p:sldId id="277" r:id="rId8"/>
+    <p:sldId id="261" r:id="rId9"/>
+    <p:sldId id="262" r:id="rId10"/>
+    <p:sldId id="263" r:id="rId11"/>
+    <p:sldId id="264" r:id="rId12"/>
+    <p:sldId id="266" r:id="rId13"/>
+    <p:sldId id="273" r:id="rId14"/>
+    <p:sldId id="576" r:id="rId15"/>
+    <p:sldId id="268" r:id="rId16"/>
+    <p:sldId id="267" r:id="rId17"/>
+    <p:sldId id="269" r:id="rId18"/>
+    <p:sldId id="270" r:id="rId19"/>
+    <p:sldId id="271" r:id="rId20"/>
+    <p:sldId id="272" r:id="rId21"/>
+    <p:sldId id="274" r:id="rId22"/>
+    <p:sldId id="275" r:id="rId23"/>
+    <p:sldId id="276" r:id="rId24"/>
   </p:sldIdLst>
   <p:sldSz cx="9144000" cy="6858000" type="screen4x3"/>
   <p:notesSz cx="6858000" cy="9144000"/>
@@ -318,7 +317,7 @@
               <a:pPr>
                 <a:defRPr/>
               </a:pPr>
-              <a:t>10/8/24</a:t>
+              <a:t>10/6/25</a:t>
             </a:fld>
             <a:endParaRPr lang="en-US" altLang="x-none"/>
           </a:p>
@@ -589,7 +588,7 @@
           <a:effectLst/>
           <a:extLst>
             <a:ext uri="{FAA26D3D-D897-4be2-8F04-BA451C77F1D7}">
-              <ma14:placeholderFlag xmlns:ma14="http://schemas.microsoft.com/office/mac/drawingml/2011/main" xmlns="" val="1"/>
+              <ma14:placeholderFlag xmlns="" xmlns:ma14="http://schemas.microsoft.com/office/mac/drawingml/2011/main" val="1"/>
             </a:ext>
             <a:ext uri="{909E8E84-426E-40dd-AFC4-6F175D3DCCD1}"/>
             <a:ext uri="{91240B29-F687-4f45-9708-019B960494DF}"/>
@@ -670,7 +669,7 @@
               </a14:hiddenFill>
             </a:ext>
             <a:ext uri="{FAA26D3D-D897-4be2-8F04-BA451C77F1D7}">
-              <ma14:placeholderFlag xmlns:ma14="http://schemas.microsoft.com/office/mac/drawingml/2011/main" xmlns="" val="1"/>
+              <ma14:placeholderFlag xmlns="" xmlns:ma14="http://schemas.microsoft.com/office/mac/drawingml/2011/main" val="1"/>
             </a:ext>
           </a:extLst>
         </p:spPr>
@@ -700,7 +699,7 @@
           <a:effectLst/>
           <a:extLst>
             <a:ext uri="{FAA26D3D-D897-4be2-8F04-BA451C77F1D7}">
-              <ma14:placeholderFlag xmlns:ma14="http://schemas.microsoft.com/office/mac/drawingml/2011/main" xmlns="" val="1"/>
+              <ma14:placeholderFlag xmlns="" xmlns:ma14="http://schemas.microsoft.com/office/mac/drawingml/2011/main" val="1"/>
             </a:ext>
             <a:ext uri="{909E8E84-426E-40dd-AFC4-6F175D3DCCD1}"/>
             <a:ext uri="{91240B29-F687-4f45-9708-019B960494DF}"/>
@@ -801,7 +800,7 @@
           <a:effectLst/>
           <a:extLst>
             <a:ext uri="{FAA26D3D-D897-4be2-8F04-BA451C77F1D7}">
-              <ma14:placeholderFlag xmlns:ma14="http://schemas.microsoft.com/office/mac/drawingml/2011/main" xmlns="" val="1"/>
+              <ma14:placeholderFlag xmlns="" xmlns:ma14="http://schemas.microsoft.com/office/mac/drawingml/2011/main" val="1"/>
             </a:ext>
             <a:ext uri="{909E8E84-426E-40dd-AFC4-6F175D3DCCD1}"/>
             <a:ext uri="{91240B29-F687-4f45-9708-019B960494DF}"/>
@@ -1734,26 +1733,30 @@
           <a:lstStyle/>
           <a:p>
             <a:r>
+              <a:rPr dirty="0"/>
               <a:t>git repos save the full history, but only the “deltas” — lightweight compared to multiple full copies</a:t>
             </a:r>
           </a:p>
           <a:p>
             <a:r>
+              <a:rPr dirty="0"/>
               <a:t>preserves full, fine-grained history (depending on user behavior) — not just copies of major revisions</a:t>
             </a:r>
           </a:p>
           <a:p>
             <a:r>
+              <a:rPr dirty="0"/>
               <a:t>with a little work (to capture the git information when code is run) you can always know exactly what code was run for any analysis</a:t>
             </a:r>
           </a:p>
           <a:p>
             <a:r>
+              <a:rPr dirty="0"/>
               <a:t>branching &amp; merging: makes it easy to develop new features off the main stable branch and merge them in when ready, supports parallel development</a:t>
             </a:r>
           </a:p>
           <a:p>
-            <a:endParaRPr/>
+            <a:endParaRPr dirty="0"/>
           </a:p>
         </p:txBody>
       </p:sp>
@@ -1903,16 +1906,19 @@
           <a:lstStyle/>
           <a:p>
             <a:r>
+              <a:rPr dirty="0"/>
               <a:t>public vs open source</a:t>
             </a:r>
           </a:p>
           <a:p>
             <a:r>
+              <a:rPr dirty="0"/>
               <a:t>No license means no one can use your code (or even write new code based on your code)</a:t>
             </a:r>
           </a:p>
           <a:p>
             <a:r>
+              <a:rPr dirty="0"/>
               <a:t>spectrum of reproducibility</a:t>
             </a:r>
           </a:p>
@@ -2366,6 +2372,10 @@
             <a:pPr>
               <a:defRPr/>
             </a:pPr>
+            <a:r>
+              <a:rPr lang="en-US"/>
+              <a:t>Beck, Hazelton, Beres, Quah, 2025</a:t>
+            </a:r>
             <a:endParaRPr lang="en-US" dirty="0"/>
           </a:p>
         </p:txBody>
@@ -2548,6 +2558,10 @@
             <a:pPr>
               <a:defRPr/>
             </a:pPr>
+            <a:r>
+              <a:rPr lang="en-US"/>
+              <a:t>Beck, Hazelton, Beres, Quah, 2025</a:t>
+            </a:r>
             <a:endParaRPr lang="en-US" dirty="0"/>
           </a:p>
         </p:txBody>
@@ -2730,6 +2744,10 @@
             <a:pPr>
               <a:defRPr/>
             </a:pPr>
+            <a:r>
+              <a:rPr lang="en-US"/>
+              <a:t>Beck, Hazelton, Beres, Quah, 2025</a:t>
+            </a:r>
             <a:endParaRPr lang="en-US" dirty="0"/>
           </a:p>
         </p:txBody>
@@ -4484,6 +4502,10 @@
             <a:pPr>
               <a:defRPr/>
             </a:pPr>
+            <a:r>
+              <a:rPr lang="en-US"/>
+              <a:t>Beck, Hazelton, Beres, Quah, 2025</a:t>
+            </a:r>
             <a:endParaRPr lang="en-US" dirty="0"/>
           </a:p>
         </p:txBody>
@@ -5294,6 +5316,10 @@
             <a:pPr>
               <a:defRPr/>
             </a:pPr>
+            <a:r>
+              <a:rPr lang="en-US"/>
+              <a:t>Beck, Hazelton, Beres, Quah, 2025</a:t>
+            </a:r>
             <a:endParaRPr lang="en-US" dirty="0"/>
           </a:p>
         </p:txBody>
@@ -5591,6 +5617,10 @@
             <a:pPr>
               <a:defRPr/>
             </a:pPr>
+            <a:r>
+              <a:rPr lang="en-US"/>
+              <a:t>Beck, Hazelton, Beres, Quah, 2025</a:t>
+            </a:r>
             <a:endParaRPr lang="en-US" dirty="0"/>
           </a:p>
         </p:txBody>
@@ -6028,6 +6058,10 @@
             <a:pPr>
               <a:defRPr/>
             </a:pPr>
+            <a:r>
+              <a:rPr lang="en-US"/>
+              <a:t>Beck, Hazelton, Beres, Quah, 2025</a:t>
+            </a:r>
             <a:endParaRPr lang="en-US" dirty="0"/>
           </a:p>
         </p:txBody>
@@ -6151,6 +6185,10 @@
             <a:pPr>
               <a:defRPr/>
             </a:pPr>
+            <a:r>
+              <a:rPr lang="en-US"/>
+              <a:t>Beck, Hazelton, Beres, Quah, 2025</a:t>
+            </a:r>
             <a:endParaRPr lang="en-US" dirty="0"/>
           </a:p>
         </p:txBody>
@@ -6244,6 +6282,10 @@
             <a:pPr>
               <a:defRPr/>
             </a:pPr>
+            <a:r>
+              <a:rPr lang="en-US"/>
+              <a:t>Beck, Hazelton, Beres, Quah, 2025</a:t>
+            </a:r>
             <a:endParaRPr lang="en-US" dirty="0"/>
           </a:p>
         </p:txBody>
@@ -6526,6 +6568,10 @@
             <a:pPr>
               <a:defRPr/>
             </a:pPr>
+            <a:r>
+              <a:rPr lang="en-US"/>
+              <a:t>Beck, Hazelton, Beres, Quah, 2025</a:t>
+            </a:r>
             <a:endParaRPr lang="en-US" dirty="0"/>
           </a:p>
         </p:txBody>
@@ -6786,6 +6832,10 @@
             <a:pPr>
               <a:defRPr/>
             </a:pPr>
+            <a:r>
+              <a:rPr lang="en-US"/>
+              <a:t>Beck, Hazelton, Beres, Quah, 2025</a:t>
+            </a:r>
             <a:endParaRPr lang="en-US" dirty="0"/>
           </a:p>
         </p:txBody>
@@ -7633,7 +7683,7 @@
           <a:effectLst/>
           <a:extLst>
             <a:ext uri="{FAA26D3D-D897-4be2-8F04-BA451C77F1D7}">
-              <ma14:placeholderFlag xmlns:ma14="http://schemas.microsoft.com/office/mac/drawingml/2011/main" xmlns="" val="1"/>
+              <ma14:placeholderFlag xmlns="" xmlns:ma14="http://schemas.microsoft.com/office/mac/drawingml/2011/main" val="1"/>
             </a:ext>
             <a:ext uri="{909E8E84-426E-40dd-AFC4-6F175D3DCCD1}"/>
             <a:ext uri="{91240B29-F687-4f45-9708-019B960494DF}"/>
@@ -7672,6 +7722,10 @@
             <a:pPr>
               <a:defRPr/>
             </a:pPr>
+            <a:r>
+              <a:rPr lang="en-US"/>
+              <a:t>Beck, Hazelton, Beres, Quah, 2025</a:t>
+            </a:r>
             <a:endParaRPr lang="en-US" dirty="0"/>
           </a:p>
         </p:txBody>
@@ -7701,7 +7755,7 @@
           <a:effectLst/>
           <a:extLst>
             <a:ext uri="{FAA26D3D-D897-4be2-8F04-BA451C77F1D7}">
-              <ma14:placeholderFlag xmlns:ma14="http://schemas.microsoft.com/office/mac/drawingml/2011/main" xmlns="" val="1"/>
+              <ma14:placeholderFlag xmlns="" xmlns:ma14="http://schemas.microsoft.com/office/mac/drawingml/2011/main" val="1"/>
             </a:ext>
             <a:ext uri="{909E8E84-426E-40dd-AFC4-6F175D3DCCD1}"/>
             <a:ext uri="{91240B29-F687-4f45-9708-019B960494DF}"/>
@@ -7763,7 +7817,7 @@
     <p:sldLayoutId id="2147485957" r:id="rId10"/>
     <p:sldLayoutId id="2147485958" r:id="rId11"/>
   </p:sldLayoutIdLst>
-  <p:hf hdr="0" ftr="0" dt="0"/>
+  <p:hf hdr="0" dt="0"/>
   <p:txStyles>
     <p:titleStyle>
       <a:lvl1pPr algn="ctr" defTabSz="457200" rtl="0" eaLnBrk="0" fontAlgn="base" hangingPunct="0">
@@ -8331,7 +8385,7 @@
           </a:ln>
           <a:extLst>
             <a:ext uri="{C572A759-6A51-4108-AA02-DFA0A04FC94B}">
-              <ma14:wrappingTextBoxFlag xmlns="" xmlns:m="http://schemas.openxmlformats.org/officeDocument/2006/math" xmlns:a14="http://schemas.microsoft.com/office/drawing/2010/main" xmlns:ma14="http://schemas.microsoft.com/office/mac/drawingml/2011/main" val="1"/>
+              <ma14:wrappingTextBoxFlag xmlns:ma14="http://schemas.microsoft.com/office/mac/drawingml/2011/main" xmlns:a14="http://schemas.microsoft.com/office/drawing/2010/main" xmlns:m="http://schemas.openxmlformats.org/officeDocument/2006/math" xmlns="" val="1"/>
             </a:ext>
           </a:extLst>
         </p:spPr>
@@ -8370,7 +8424,7 @@
           </a:ln>
           <a:extLst>
             <a:ext uri="{C572A759-6A51-4108-AA02-DFA0A04FC94B}">
-              <ma14:wrappingTextBoxFlag xmlns="" xmlns:m="http://schemas.openxmlformats.org/officeDocument/2006/math" xmlns:a14="http://schemas.microsoft.com/office/drawing/2010/main" xmlns:ma14="http://schemas.microsoft.com/office/mac/drawingml/2011/main" val="1"/>
+              <ma14:wrappingTextBoxFlag xmlns:ma14="http://schemas.microsoft.com/office/mac/drawingml/2011/main" xmlns:a14="http://schemas.microsoft.com/office/drawing/2010/main" xmlns:m="http://schemas.openxmlformats.org/officeDocument/2006/math" xmlns="" val="1"/>
             </a:ext>
           </a:extLst>
         </p:spPr>
@@ -8479,6 +8533,7 @@
     <p:sldLayoutId id="2147486041" r:id="rId14"/>
   </p:sldLayoutIdLst>
   <p:transition spd="med"/>
+  <p:hf hdr="0" dt="0"/>
   <p:txStyles>
     <p:titleStyle>
       <a:lvl1pPr marL="0" marR="0" indent="0" algn="l" defTabSz="410751" rtl="0" latinLnBrk="0">
@@ -9968,7 +10023,25 @@
                 </a:solidFill>
                 <a:latin typeface="Calibri" charset="0"/>
               </a:rPr>
-              <a:t>David Beck</a:t>
+              <a:t>Bryna Hazelton</a:t>
+            </a:r>
+            <a:r>
+              <a:rPr lang="en-US" altLang="x-none" sz="2800" baseline="30000" dirty="0">
+                <a:solidFill>
+                  <a:srgbClr val="FFFFFF"/>
+                </a:solidFill>
+                <a:latin typeface="Calibri" charset="0"/>
+              </a:rPr>
+              <a:t>1,5</a:t>
+            </a:r>
+            <a:r>
+              <a:rPr lang="en-US" altLang="x-none" sz="2800" dirty="0">
+                <a:solidFill>
+                  <a:srgbClr val="FFFFFF"/>
+                </a:solidFill>
+                <a:latin typeface="Calibri" charset="0"/>
+              </a:rPr>
+              <a:t>, David Beck</a:t>
             </a:r>
             <a:r>
               <a:rPr lang="en-US" altLang="x-none" sz="2800" baseline="30000" dirty="0">
@@ -9986,16 +10059,28 @@
                 </a:solidFill>
                 <a:latin typeface="Calibri" charset="0"/>
               </a:rPr>
-              <a:t>, </a:t>
-            </a:r>
-            <a:r>
-              <a:rPr lang="en-US" altLang="x-none" sz="2800" dirty="0" err="1">
+              <a:t>,</a:t>
+            </a:r>
+          </a:p>
+          <a:p>
+            <a:pPr algn="ctr" eaLnBrk="1" hangingPunct="1">
+              <a:spcBef>
+                <a:spcPts val="800"/>
+              </a:spcBef>
+              <a:buSzPct val="100000"/>
+            </a:pPr>
+            <a:r>
+              <a:rPr lang="en-US" dirty="0"/>
+              <a:t>Elli Beres</a:t>
+            </a:r>
+            <a:r>
+              <a:rPr lang="en-US" sz="2800" baseline="30000" dirty="0">
                 <a:solidFill>
                   <a:srgbClr val="FFFFFF"/>
                 </a:solidFill>
                 <a:latin typeface="Calibri" charset="0"/>
               </a:rPr>
-              <a:t>Bryna</a:t>
+              <a:t>3,6</a:t>
             </a:r>
             <a:r>
               <a:rPr lang="en-US" altLang="x-none" sz="2800" dirty="0">
@@ -10004,7 +10089,7 @@
                 </a:solidFill>
                 <a:latin typeface="Calibri" charset="0"/>
               </a:rPr>
-              <a:t> Hazelton</a:t>
+              <a:t>, Ian Quah</a:t>
             </a:r>
             <a:r>
               <a:rPr lang="en-US" altLang="x-none" sz="2800" baseline="30000" dirty="0">
@@ -10013,10 +10098,166 @@
                 </a:solidFill>
                 <a:latin typeface="Calibri" charset="0"/>
               </a:rPr>
-              <a:t>1,5</a:t>
-            </a:r>
-            <a:r>
-              <a:rPr lang="en-US" altLang="x-none" sz="2800" dirty="0">
+              <a:t>7</a:t>
+            </a:r>
+          </a:p>
+          <a:p>
+            <a:pPr algn="ctr" eaLnBrk="1" hangingPunct="1">
+              <a:spcBef>
+                <a:spcPts val="0"/>
+              </a:spcBef>
+              <a:buSzPct val="100000"/>
+            </a:pPr>
+            <a:r>
+              <a:rPr lang="en-US" altLang="x-none" sz="2000" baseline="30000" dirty="0">
+                <a:solidFill>
+                  <a:srgbClr val="FFFFFF"/>
+                </a:solidFill>
+                <a:latin typeface="Calibri" charset="0"/>
+              </a:rPr>
+              <a:t>1</a:t>
+            </a:r>
+            <a:r>
+              <a:rPr lang="en-US" altLang="x-none" sz="2000" dirty="0">
+                <a:solidFill>
+                  <a:srgbClr val="FFFFFF"/>
+                </a:solidFill>
+                <a:latin typeface="Calibri" charset="0"/>
+              </a:rPr>
+              <a:t>eScience Institute</a:t>
+            </a:r>
+          </a:p>
+          <a:p>
+            <a:pPr algn="ctr" eaLnBrk="1" hangingPunct="1">
+              <a:spcBef>
+                <a:spcPts val="0"/>
+              </a:spcBef>
+              <a:buSzPct val="100000"/>
+            </a:pPr>
+            <a:r>
+              <a:rPr lang="en-US" altLang="x-none" sz="2000" baseline="30000" dirty="0">
+                <a:solidFill>
+                  <a:srgbClr val="FFFFFF"/>
+                </a:solidFill>
+                <a:latin typeface="Calibri" charset="0"/>
+              </a:rPr>
+              <a:t>2</a:t>
+            </a:r>
+            <a:r>
+              <a:rPr lang="en-US" altLang="x-none" sz="2000" dirty="0">
+                <a:solidFill>
+                  <a:srgbClr val="FFFFFF"/>
+                </a:solidFill>
+                <a:latin typeface="Calibri" charset="0"/>
+              </a:rPr>
+              <a:t>Chemical Engineering</a:t>
+            </a:r>
+          </a:p>
+          <a:p>
+            <a:pPr algn="ctr" eaLnBrk="1" hangingPunct="1">
+              <a:spcBef>
+                <a:spcPts val="0"/>
+              </a:spcBef>
+              <a:buSzPct val="100000"/>
+            </a:pPr>
+            <a:r>
+              <a:rPr lang="en-US" altLang="x-none" sz="2000" baseline="30000" dirty="0">
+                <a:solidFill>
+                  <a:srgbClr val="FFFFFF"/>
+                </a:solidFill>
+                <a:latin typeface="Calibri" charset="0"/>
+              </a:rPr>
+              <a:t>3</a:t>
+            </a:r>
+            <a:r>
+              <a:rPr lang="en-US" altLang="x-none" sz="2000" dirty="0">
+                <a:solidFill>
+                  <a:srgbClr val="FFFFFF"/>
+                </a:solidFill>
+                <a:latin typeface="Calibri" charset="0"/>
+              </a:rPr>
+              <a:t>Computer Science</a:t>
+            </a:r>
+          </a:p>
+          <a:p>
+            <a:pPr algn="ctr" eaLnBrk="1" hangingPunct="1">
+              <a:spcBef>
+                <a:spcPts val="0"/>
+              </a:spcBef>
+              <a:buSzPct val="100000"/>
+            </a:pPr>
+            <a:r>
+              <a:rPr lang="en-US" altLang="x-none" sz="2000" baseline="30000" dirty="0">
+                <a:solidFill>
+                  <a:srgbClr val="FFFFFF"/>
+                </a:solidFill>
+                <a:latin typeface="Calibri" charset="0"/>
+              </a:rPr>
+              <a:t>4</a:t>
+            </a:r>
+            <a:r>
+              <a:rPr lang="en-US" altLang="x-none" sz="2000" dirty="0">
+                <a:solidFill>
+                  <a:srgbClr val="FFFFFF"/>
+                </a:solidFill>
+                <a:latin typeface="Calibri" charset="0"/>
+              </a:rPr>
+              <a:t>Environmental &amp; Occupational Health Sciences</a:t>
+            </a:r>
+          </a:p>
+          <a:p>
+            <a:pPr algn="ctr" eaLnBrk="1" hangingPunct="1">
+              <a:spcBef>
+                <a:spcPts val="0"/>
+              </a:spcBef>
+              <a:buSzPct val="100000"/>
+            </a:pPr>
+            <a:r>
+              <a:rPr lang="en-US" altLang="x-none" sz="2000" baseline="30000" dirty="0">
+                <a:solidFill>
+                  <a:srgbClr val="FFFFFF"/>
+                </a:solidFill>
+                <a:latin typeface="Calibri" charset="0"/>
+              </a:rPr>
+              <a:t>5</a:t>
+            </a:r>
+            <a:r>
+              <a:rPr lang="en-US" altLang="x-none" sz="2000" dirty="0">
+                <a:solidFill>
+                  <a:srgbClr val="FFFFFF"/>
+                </a:solidFill>
+                <a:latin typeface="Calibri" charset="0"/>
+              </a:rPr>
+              <a:t>Physics</a:t>
+            </a:r>
+          </a:p>
+          <a:p>
+            <a:pPr algn="ctr" eaLnBrk="1" hangingPunct="1">
+              <a:spcBef>
+                <a:spcPts val="0"/>
+              </a:spcBef>
+              <a:buSzPct val="100000"/>
+            </a:pPr>
+            <a:r>
+              <a:rPr lang="en-US" altLang="x-none" sz="2000" baseline="30000" dirty="0">
+                <a:solidFill>
+                  <a:srgbClr val="FFFFFF"/>
+                </a:solidFill>
+                <a:latin typeface="Calibri" charset="0"/>
+              </a:rPr>
+              <a:t>6</a:t>
+            </a:r>
+            <a:r>
+              <a:rPr lang="en-US" altLang="x-none" sz="2000" dirty="0">
+                <a:solidFill>
+                  <a:srgbClr val="FFFFFF"/>
+                </a:solidFill>
+                <a:latin typeface="Calibri" charset="0"/>
+              </a:rPr>
+              <a:t>Seattle Hub for Synthetic Biology</a:t>
+            </a:r>
+            <a:r>
+              <a:rPr lang="en-US" altLang="x-none" sz="2000" baseline="30000" dirty="0">
                 <a:solidFill>
                   <a:srgbClr val="FFFFFF"/>
                 </a:solidFill>
@@ -10028,208 +10269,28 @@
           <a:p>
             <a:pPr algn="ctr" eaLnBrk="1" hangingPunct="1">
               <a:spcBef>
-                <a:spcPts val="800"/>
+                <a:spcPts val="0"/>
               </a:spcBef>
               <a:buSzPct val="100000"/>
             </a:pPr>
             <a:r>
-              <a:rPr lang="en-US" altLang="x-none" sz="2800" dirty="0">
+              <a:rPr lang="en-US" altLang="x-none" sz="2000" baseline="30000" dirty="0">
                 <a:solidFill>
                   <a:srgbClr val="FFFFFF"/>
                 </a:solidFill>
                 <a:latin typeface="Calibri" charset="0"/>
               </a:rPr>
-              <a:t>Natalie Robbins</a:t>
-            </a:r>
-            <a:r>
-              <a:rPr lang="en-US" altLang="x-none" sz="2800" baseline="30000" dirty="0">
+              <a:t>7</a:t>
+            </a:r>
+            <a:r>
+              <a:rPr lang="en-US" altLang="x-none" sz="2000" dirty="0">
                 <a:solidFill>
                   <a:srgbClr val="FFFFFF"/>
                 </a:solidFill>
                 <a:latin typeface="Calibri" charset="0"/>
               </a:rPr>
-              <a:t>6</a:t>
-            </a:r>
-            <a:r>
-              <a:rPr lang="en-US" altLang="x-none" sz="2800" dirty="0">
-                <a:solidFill>
-                  <a:srgbClr val="FFFFFF"/>
-                </a:solidFill>
-                <a:latin typeface="Calibri" charset="0"/>
-              </a:rPr>
-              <a:t>, Nels Schimek</a:t>
-            </a:r>
-            <a:r>
-              <a:rPr lang="en-US" altLang="x-none" sz="2800" baseline="30000" dirty="0">
-                <a:solidFill>
-                  <a:srgbClr val="FFFFFF"/>
-                </a:solidFill>
-                <a:latin typeface="Calibri" charset="0"/>
-              </a:rPr>
-              <a:t>2</a:t>
-            </a:r>
-          </a:p>
-          <a:p>
-            <a:pPr algn="ctr" eaLnBrk="1" hangingPunct="1">
-              <a:spcBef>
-                <a:spcPts val="0"/>
-              </a:spcBef>
-              <a:buSzPct val="100000"/>
-            </a:pPr>
-            <a:r>
-              <a:rPr lang="en-US" altLang="x-none" sz="2000" baseline="30000" dirty="0">
-                <a:solidFill>
-                  <a:srgbClr val="FFFFFF"/>
-                </a:solidFill>
-                <a:latin typeface="Calibri" charset="0"/>
-              </a:rPr>
-              <a:t>1</a:t>
-            </a:r>
-            <a:r>
-              <a:rPr lang="en-US" altLang="x-none" sz="2000" dirty="0">
-                <a:solidFill>
-                  <a:srgbClr val="FFFFFF"/>
-                </a:solidFill>
-                <a:latin typeface="Calibri" charset="0"/>
-              </a:rPr>
-              <a:t>eScience Institute</a:t>
-            </a:r>
-          </a:p>
-          <a:p>
-            <a:pPr algn="ctr" eaLnBrk="1" hangingPunct="1">
-              <a:spcBef>
-                <a:spcPts val="0"/>
-              </a:spcBef>
-              <a:buSzPct val="100000"/>
-            </a:pPr>
-            <a:r>
-              <a:rPr lang="en-US" altLang="x-none" sz="2000" baseline="30000" dirty="0">
-                <a:solidFill>
-                  <a:srgbClr val="FFFFFF"/>
-                </a:solidFill>
-                <a:latin typeface="Calibri" charset="0"/>
-              </a:rPr>
-              <a:t>2</a:t>
-            </a:r>
-            <a:r>
-              <a:rPr lang="en-US" altLang="x-none" sz="2000" dirty="0">
-                <a:solidFill>
-                  <a:srgbClr val="FFFFFF"/>
-                </a:solidFill>
-                <a:latin typeface="Calibri" charset="0"/>
-              </a:rPr>
-              <a:t>Chemical Engineering</a:t>
-            </a:r>
-          </a:p>
-          <a:p>
-            <a:pPr algn="ctr" eaLnBrk="1" hangingPunct="1">
-              <a:spcBef>
-                <a:spcPts val="0"/>
-              </a:spcBef>
-              <a:buSzPct val="100000"/>
-            </a:pPr>
-            <a:r>
-              <a:rPr lang="en-US" altLang="x-none" sz="2000" baseline="30000" dirty="0">
-                <a:solidFill>
-                  <a:srgbClr val="FFFFFF"/>
-                </a:solidFill>
-                <a:latin typeface="Calibri" charset="0"/>
-              </a:rPr>
-              <a:t>3</a:t>
-            </a:r>
-            <a:r>
-              <a:rPr lang="en-US" altLang="x-none" sz="2000" dirty="0">
-                <a:solidFill>
-                  <a:srgbClr val="FFFFFF"/>
-                </a:solidFill>
-                <a:latin typeface="Calibri" charset="0"/>
-              </a:rPr>
-              <a:t>Computer Science</a:t>
-            </a:r>
-          </a:p>
-          <a:p>
-            <a:pPr algn="ctr" eaLnBrk="1" hangingPunct="1">
-              <a:spcBef>
-                <a:spcPts val="0"/>
-              </a:spcBef>
-              <a:buSzPct val="100000"/>
-            </a:pPr>
-            <a:r>
-              <a:rPr lang="en-US" altLang="x-none" sz="2000" baseline="30000" dirty="0">
-                <a:solidFill>
-                  <a:srgbClr val="FFFFFF"/>
-                </a:solidFill>
-                <a:latin typeface="Calibri" charset="0"/>
-              </a:rPr>
-              <a:t>4</a:t>
-            </a:r>
-            <a:r>
-              <a:rPr lang="en-US" altLang="x-none" sz="2000" dirty="0">
-                <a:solidFill>
-                  <a:srgbClr val="FFFFFF"/>
-                </a:solidFill>
-                <a:latin typeface="Calibri" charset="0"/>
-              </a:rPr>
-              <a:t>Environmental &amp; Occupational Health Sciences</a:t>
-            </a:r>
-          </a:p>
-          <a:p>
-            <a:pPr algn="ctr" eaLnBrk="1" hangingPunct="1">
-              <a:spcBef>
-                <a:spcPts val="0"/>
-              </a:spcBef>
-              <a:buSzPct val="100000"/>
-            </a:pPr>
-            <a:r>
-              <a:rPr lang="en-US" altLang="x-none" sz="2000" baseline="30000" dirty="0">
-                <a:solidFill>
-                  <a:srgbClr val="FFFFFF"/>
-                </a:solidFill>
-                <a:latin typeface="Calibri" charset="0"/>
-              </a:rPr>
-              <a:t>5</a:t>
-            </a:r>
-            <a:r>
-              <a:rPr lang="en-US" altLang="x-none" sz="2000" dirty="0">
-                <a:solidFill>
-                  <a:srgbClr val="FFFFFF"/>
-                </a:solidFill>
-                <a:latin typeface="Calibri" charset="0"/>
-              </a:rPr>
-              <a:t>Physics</a:t>
-            </a:r>
-          </a:p>
-          <a:p>
-            <a:pPr algn="ctr" eaLnBrk="1" hangingPunct="1">
-              <a:spcBef>
-                <a:spcPts val="0"/>
-              </a:spcBef>
-              <a:buSzPct val="100000"/>
-            </a:pPr>
-            <a:r>
-              <a:rPr lang="en-US" altLang="x-none" sz="2000" baseline="30000" dirty="0">
-                <a:solidFill>
-                  <a:srgbClr val="FFFFFF"/>
-                </a:solidFill>
-                <a:latin typeface="Calibri" charset="0"/>
-              </a:rPr>
-              <a:t>6</a:t>
-            </a:r>
-            <a:r>
-              <a:rPr lang="en-US" altLang="x-none" sz="2000" dirty="0">
-                <a:solidFill>
-                  <a:srgbClr val="FFFFFF"/>
-                </a:solidFill>
-                <a:latin typeface="Calibri" charset="0"/>
-              </a:rPr>
-              <a:t>Linguistics</a:t>
-            </a:r>
-            <a:endParaRPr lang="en-US" altLang="x-none" dirty="0">
-              <a:solidFill>
-                <a:srgbClr val="FFFFFF"/>
-              </a:solidFill>
-              <a:latin typeface="Calibri" charset="0"/>
-            </a:endParaRPr>
+              <a:t>Psychology</a:t>
+            </a:r>
           </a:p>
           <a:p>
             <a:pPr algn="ctr" eaLnBrk="1" hangingPunct="1">
@@ -10262,7 +10323,7 @@
                 </a:solidFill>
                 <a:latin typeface="Calibri" charset="0"/>
               </a:rPr>
-              <a:t>October 3, 2024</a:t>
+              <a:t>October 7, 2025</a:t>
             </a:r>
           </a:p>
         </p:txBody>
@@ -10701,6 +10762,41 @@
               </a:solidFill>
               <a:latin typeface="Calibri" charset="0"/>
             </a:endParaRPr>
+          </a:p>
+        </p:txBody>
+      </p:sp>
+      <p:sp>
+        <p:nvSpPr>
+          <p:cNvPr id="3" name="Slide Number Placeholder 2">
+            <a:extLst>
+              <a:ext uri="{FF2B5EF4-FFF2-40B4-BE49-F238E27FC236}">
+                <a16:creationId xmlns:a16="http://schemas.microsoft.com/office/drawing/2014/main" id="{E7B7B95F-1416-B0D4-891C-8A5F85075E35}"/>
+              </a:ext>
+            </a:extLst>
+          </p:cNvPr>
+          <p:cNvSpPr>
+            <a:spLocks noGrp="1"/>
+          </p:cNvSpPr>
+          <p:nvPr>
+            <p:ph type="sldNum" idx="11"/>
+          </p:nvPr>
+        </p:nvSpPr>
+        <p:spPr/>
+        <p:txBody>
+          <a:bodyPr/>
+          <a:lstStyle/>
+          <a:p>
+            <a:pPr>
+              <a:defRPr/>
+            </a:pPr>
+            <a:fld id="{435BF5D3-DDD5-5E48-967C-78E2F6B606F8}" type="slidenum">
+              <a:rPr lang="en-US" altLang="x-none" smtClean="0"/>
+              <a:pPr>
+                <a:defRPr/>
+              </a:pPr>
+              <a:t>1</a:t>
+            </a:fld>
+            <a:endParaRPr lang="en-US" altLang="x-none"/>
           </a:p>
         </p:txBody>
       </p:sp>
@@ -10759,7 +10855,7 @@
       </p:grpSpPr>
       <p:sp>
         <p:nvSpPr>
-          <p:cNvPr id="180" name="Working directory"/>
+          <p:cNvPr id="194" name="Working directory"/>
           <p:cNvSpPr/>
           <p:nvPr/>
         </p:nvSpPr>
@@ -10781,7 +10877,7 @@
           </a:ln>
           <a:extLst>
             <a:ext uri="{C572A759-6A51-4108-AA02-DFA0A04FC94B}">
-              <ma14:wrappingTextBoxFlag xmlns="" xmlns:m="http://schemas.openxmlformats.org/officeDocument/2006/math" xmlns:a14="http://schemas.microsoft.com/office/drawing/2010/main" xmlns:ma14="http://schemas.microsoft.com/office/mac/drawingml/2011/main" val="1"/>
+              <ma14:wrappingTextBoxFlag xmlns:ma14="http://schemas.microsoft.com/office/mac/drawingml/2011/main" xmlns:a14="http://schemas.microsoft.com/office/drawing/2010/main" xmlns:m="http://schemas.openxmlformats.org/officeDocument/2006/math" xmlns="" val="1"/>
             </a:ext>
           </a:extLst>
         </p:spPr>
@@ -10828,7 +10924,7 @@
       </p:sp>
       <p:sp>
         <p:nvSpPr>
-          <p:cNvPr id="181" name="staging area (index)"/>
+          <p:cNvPr id="195" name="staging area (index)"/>
           <p:cNvSpPr/>
           <p:nvPr/>
         </p:nvSpPr>
@@ -10850,7 +10946,7 @@
           </a:ln>
           <a:extLst>
             <a:ext uri="{C572A759-6A51-4108-AA02-DFA0A04FC94B}">
-              <ma14:wrappingTextBoxFlag xmlns="" xmlns:m="http://schemas.openxmlformats.org/officeDocument/2006/math" xmlns:a14="http://schemas.microsoft.com/office/drawing/2010/main" xmlns:ma14="http://schemas.microsoft.com/office/mac/drawingml/2011/main" val="1"/>
+              <ma14:wrappingTextBoxFlag xmlns:ma14="http://schemas.microsoft.com/office/mac/drawingml/2011/main" xmlns:a14="http://schemas.microsoft.com/office/drawing/2010/main" xmlns:m="http://schemas.openxmlformats.org/officeDocument/2006/math" xmlns="" val="1"/>
             </a:ext>
           </a:extLst>
         </p:spPr>
@@ -10897,7 +10993,7 @@
       </p:sp>
       <p:sp>
         <p:nvSpPr>
-          <p:cNvPr id="182" name="local repository:…"/>
+          <p:cNvPr id="196" name="local repository:…"/>
           <p:cNvSpPr/>
           <p:nvPr/>
         </p:nvSpPr>
@@ -10919,7 +11015,7 @@
           </a:ln>
           <a:extLst>
             <a:ext uri="{C572A759-6A51-4108-AA02-DFA0A04FC94B}">
-              <ma14:wrappingTextBoxFlag xmlns="" xmlns:m="http://schemas.openxmlformats.org/officeDocument/2006/math" xmlns:a14="http://schemas.microsoft.com/office/drawing/2010/main" xmlns:ma14="http://schemas.microsoft.com/office/mac/drawingml/2011/main" val="1"/>
+              <ma14:wrappingTextBoxFlag xmlns:ma14="http://schemas.microsoft.com/office/mac/drawingml/2011/main" xmlns:a14="http://schemas.microsoft.com/office/drawing/2010/main" xmlns:m="http://schemas.openxmlformats.org/officeDocument/2006/math" xmlns="" val="1"/>
             </a:ext>
           </a:extLst>
         </p:spPr>
@@ -10996,7 +11092,7 @@
       </p:sp>
       <p:sp>
         <p:nvSpPr>
-          <p:cNvPr id="183" name="remote repository:…"/>
+          <p:cNvPr id="197" name="remote repository:…"/>
           <p:cNvSpPr/>
           <p:nvPr/>
         </p:nvSpPr>
@@ -11018,7 +11114,7 @@
           </a:ln>
           <a:extLst>
             <a:ext uri="{C572A759-6A51-4108-AA02-DFA0A04FC94B}">
-              <ma14:wrappingTextBoxFlag xmlns="" xmlns:m="http://schemas.openxmlformats.org/officeDocument/2006/math" xmlns:a14="http://schemas.microsoft.com/office/drawing/2010/main" xmlns:ma14="http://schemas.microsoft.com/office/mac/drawingml/2011/main" val="1"/>
+              <ma14:wrappingTextBoxFlag xmlns:ma14="http://schemas.microsoft.com/office/mac/drawingml/2011/main" xmlns:a14="http://schemas.microsoft.com/office/drawing/2010/main" xmlns:m="http://schemas.openxmlformats.org/officeDocument/2006/math" xmlns="" val="1"/>
             </a:ext>
           </a:extLst>
         </p:spPr>
@@ -11095,7 +11191,7 @@
       </p:sp>
       <p:sp>
         <p:nvSpPr>
-          <p:cNvPr id="189" name="Connection Line"/>
+          <p:cNvPr id="211" name="Connection Line"/>
           <p:cNvSpPr/>
           <p:nvPr/>
         </p:nvSpPr>
@@ -11168,7 +11264,7 @@
       </p:sp>
       <p:sp>
         <p:nvSpPr>
-          <p:cNvPr id="185" name="git add"/>
+          <p:cNvPr id="199" name="git add"/>
           <p:cNvSpPr txBox="1"/>
           <p:nvPr/>
         </p:nvSpPr>
@@ -11185,7 +11281,7 @@
           </a:ln>
           <a:extLst>
             <a:ext uri="{C572A759-6A51-4108-AA02-DFA0A04FC94B}">
-              <ma14:wrappingTextBoxFlag xmlns="" xmlns:m="http://schemas.openxmlformats.org/officeDocument/2006/math" xmlns:a14="http://schemas.microsoft.com/office/drawing/2010/main" xmlns:ma14="http://schemas.microsoft.com/office/mac/drawingml/2011/main" val="1"/>
+              <ma14:wrappingTextBoxFlag xmlns:ma14="http://schemas.microsoft.com/office/mac/drawingml/2011/main" xmlns:a14="http://schemas.microsoft.com/office/drawing/2010/main" xmlns:m="http://schemas.openxmlformats.org/officeDocument/2006/math" xmlns="" val="1"/>
             </a:ext>
           </a:extLst>
         </p:spPr>
@@ -11236,7 +11332,7 @@
       </p:sp>
       <p:sp>
         <p:nvSpPr>
-          <p:cNvPr id="186" name="git commit"/>
+          <p:cNvPr id="200" name="git commit"/>
           <p:cNvSpPr txBox="1"/>
           <p:nvPr/>
         </p:nvSpPr>
@@ -11253,7 +11349,7 @@
           </a:ln>
           <a:extLst>
             <a:ext uri="{C572A759-6A51-4108-AA02-DFA0A04FC94B}">
-              <ma14:wrappingTextBoxFlag xmlns="" xmlns:m="http://schemas.openxmlformats.org/officeDocument/2006/math" xmlns:a14="http://schemas.microsoft.com/office/drawing/2010/main" xmlns:ma14="http://schemas.microsoft.com/office/mac/drawingml/2011/main" val="1"/>
+              <ma14:wrappingTextBoxFlag xmlns:ma14="http://schemas.microsoft.com/office/mac/drawingml/2011/main" xmlns:a14="http://schemas.microsoft.com/office/drawing/2010/main" xmlns:m="http://schemas.openxmlformats.org/officeDocument/2006/math" xmlns="" val="1"/>
             </a:ext>
           </a:extLst>
         </p:spPr>
@@ -11304,7 +11400,143 @@
       </p:sp>
       <p:sp>
         <p:nvSpPr>
-          <p:cNvPr id="190" name="Connection Line"/>
+          <p:cNvPr id="201" name="git fetch"/>
+          <p:cNvSpPr txBox="1"/>
+          <p:nvPr/>
+        </p:nvSpPr>
+        <p:spPr>
+          <a:xfrm>
+            <a:off x="6309373" y="3443503"/>
+            <a:ext cx="1208665" cy="461601"/>
+          </a:xfrm>
+          <a:prstGeom prst="rect">
+            <a:avLst/>
+          </a:prstGeom>
+          <a:ln w="12700">
+            <a:miter lim="400000"/>
+          </a:ln>
+          <a:extLst>
+            <a:ext uri="{C572A759-6A51-4108-AA02-DFA0A04FC94B}">
+              <ma14:wrappingTextBoxFlag xmlns:ma14="http://schemas.microsoft.com/office/mac/drawingml/2011/main" xmlns:a14="http://schemas.microsoft.com/office/drawing/2010/main" xmlns:m="http://schemas.openxmlformats.org/officeDocument/2006/math" xmlns="" val="1"/>
+            </a:ext>
+          </a:extLst>
+        </p:spPr>
+        <p:txBody>
+          <a:bodyPr wrap="none" lIns="35719" tIns="35719" rIns="35719" bIns="35719" anchor="ctr">
+            <a:spAutoFit/>
+          </a:bodyPr>
+          <a:lstStyle>
+            <a:lvl1pPr>
+              <a:defRPr>
+                <a:solidFill>
+                  <a:schemeClr val="accent6">
+                    <a:hueOff val="-10521704"/>
+                    <a:satOff val="-11099"/>
+                    <a:lumOff val="-7127"/>
+                  </a:schemeClr>
+                </a:solidFill>
+                <a:latin typeface="Helvetica Neue Medium"/>
+                <a:ea typeface="Helvetica Neue Medium"/>
+                <a:cs typeface="Helvetica Neue Medium"/>
+                <a:sym typeface="Helvetica Neue Medium"/>
+              </a:defRPr>
+            </a:lvl1pPr>
+          </a:lstStyle>
+          <a:p>
+            <a:pPr algn="ctr" defTabSz="410751" eaLnBrk="1" fontAlgn="auto">
+              <a:spcBef>
+                <a:spcPts val="0"/>
+              </a:spcBef>
+              <a:spcAft>
+                <a:spcPts val="0"/>
+              </a:spcAft>
+            </a:pPr>
+            <a:r>
+              <a:rPr sz="2531" kern="0">
+                <a:solidFill>
+                  <a:srgbClr val="62647B">
+                    <a:hueOff val="-10521704"/>
+                    <a:satOff val="-11099"/>
+                    <a:lumOff val="-7127"/>
+                  </a:srgbClr>
+                </a:solidFill>
+              </a:rPr>
+              <a:t>git fetch</a:t>
+            </a:r>
+          </a:p>
+        </p:txBody>
+      </p:sp>
+      <p:sp>
+        <p:nvSpPr>
+          <p:cNvPr id="202" name="git push"/>
+          <p:cNvSpPr txBox="1"/>
+          <p:nvPr/>
+        </p:nvSpPr>
+        <p:spPr>
+          <a:xfrm>
+            <a:off x="6308570" y="589958"/>
+            <a:ext cx="1210269" cy="461601"/>
+          </a:xfrm>
+          <a:prstGeom prst="rect">
+            <a:avLst/>
+          </a:prstGeom>
+          <a:ln w="12700">
+            <a:miter lim="400000"/>
+          </a:ln>
+          <a:extLst>
+            <a:ext uri="{C572A759-6A51-4108-AA02-DFA0A04FC94B}">
+              <ma14:wrappingTextBoxFlag xmlns:ma14="http://schemas.microsoft.com/office/mac/drawingml/2011/main" xmlns:a14="http://schemas.microsoft.com/office/drawing/2010/main" xmlns:m="http://schemas.openxmlformats.org/officeDocument/2006/math" xmlns="" val="1"/>
+            </a:ext>
+          </a:extLst>
+        </p:spPr>
+        <p:txBody>
+          <a:bodyPr wrap="none" lIns="35719" tIns="35719" rIns="35719" bIns="35719" anchor="ctr">
+            <a:spAutoFit/>
+          </a:bodyPr>
+          <a:lstStyle>
+            <a:lvl1pPr>
+              <a:defRPr>
+                <a:solidFill>
+                  <a:schemeClr val="accent6">
+                    <a:hueOff val="-10521704"/>
+                    <a:satOff val="-11099"/>
+                    <a:lumOff val="-7127"/>
+                  </a:schemeClr>
+                </a:solidFill>
+                <a:latin typeface="Helvetica Neue Medium"/>
+                <a:ea typeface="Helvetica Neue Medium"/>
+                <a:cs typeface="Helvetica Neue Medium"/>
+                <a:sym typeface="Helvetica Neue Medium"/>
+              </a:defRPr>
+            </a:lvl1pPr>
+          </a:lstStyle>
+          <a:p>
+            <a:pPr algn="ctr" defTabSz="410751" eaLnBrk="1" fontAlgn="auto">
+              <a:spcBef>
+                <a:spcPts val="0"/>
+              </a:spcBef>
+              <a:spcAft>
+                <a:spcPts val="0"/>
+              </a:spcAft>
+            </a:pPr>
+            <a:r>
+              <a:rPr sz="2531" kern="0">
+                <a:solidFill>
+                  <a:srgbClr val="62647B">
+                    <a:hueOff val="-10521704"/>
+                    <a:satOff val="-11099"/>
+                    <a:lumOff val="-7127"/>
+                  </a:srgbClr>
+                </a:solidFill>
+              </a:rPr>
+              <a:t>git push</a:t>
+            </a:r>
+          </a:p>
+        </p:txBody>
+      </p:sp>
+      <p:sp>
+        <p:nvSpPr>
+          <p:cNvPr id="212" name="Connection Line"/>
           <p:cNvSpPr/>
           <p:nvPr/>
         </p:nvSpPr>
@@ -11377,878 +11609,6 @@
       </p:sp>
       <p:sp>
         <p:nvSpPr>
-          <p:cNvPr id="188" name="git status: use frequently to understand where files &amp; code changes are in this process"/>
-          <p:cNvSpPr txBox="1"/>
-          <p:nvPr/>
-        </p:nvSpPr>
-        <p:spPr>
-          <a:xfrm>
-            <a:off x="146494" y="5984403"/>
-            <a:ext cx="8805351" cy="851067"/>
-          </a:xfrm>
-          <a:prstGeom prst="rect">
-            <a:avLst/>
-          </a:prstGeom>
-          <a:ln w="12700">
-            <a:miter lim="400000"/>
-          </a:ln>
-          <a:extLst>
-            <a:ext uri="{C572A759-6A51-4108-AA02-DFA0A04FC94B}">
-              <ma14:wrappingTextBoxFlag xmlns="" xmlns:m="http://schemas.openxmlformats.org/officeDocument/2006/math" xmlns:a14="http://schemas.microsoft.com/office/drawing/2010/main" xmlns:ma14="http://schemas.microsoft.com/office/mac/drawingml/2011/main" val="1"/>
-            </a:ext>
-          </a:extLst>
-        </p:spPr>
-        <p:txBody>
-          <a:bodyPr wrap="square" lIns="35719" tIns="35719" rIns="35719" bIns="35719" anchor="ctr">
-            <a:spAutoFit/>
-          </a:bodyPr>
-          <a:lstStyle>
-            <a:lvl1pPr>
-              <a:defRPr>
-                <a:solidFill>
-                  <a:schemeClr val="accent6">
-                    <a:hueOff val="-10521704"/>
-                    <a:satOff val="-11099"/>
-                    <a:lumOff val="-7127"/>
-                  </a:schemeClr>
-                </a:solidFill>
-                <a:latin typeface="Helvetica Neue Medium"/>
-                <a:ea typeface="Helvetica Neue Medium"/>
-                <a:cs typeface="Helvetica Neue Medium"/>
-                <a:sym typeface="Helvetica Neue Medium"/>
-              </a:defRPr>
-            </a:lvl1pPr>
-          </a:lstStyle>
-          <a:p>
-            <a:pPr algn="ctr" defTabSz="410751" eaLnBrk="1" fontAlgn="auto">
-              <a:spcBef>
-                <a:spcPts val="0"/>
-              </a:spcBef>
-              <a:spcAft>
-                <a:spcPts val="0"/>
-              </a:spcAft>
-            </a:pPr>
-            <a:r>
-              <a:rPr sz="2531" kern="0" dirty="0">
-                <a:solidFill>
-                  <a:srgbClr val="62647B">
-                    <a:hueOff val="-10521704"/>
-                    <a:satOff val="-11099"/>
-                    <a:lumOff val="-7127"/>
-                  </a:srgbClr>
-                </a:solidFill>
-              </a:rPr>
-              <a:t>git status: use frequently to understand where files &amp; code changes</a:t>
-            </a:r>
-            <a:r>
-              <a:rPr lang="en-US" sz="2531" kern="0" dirty="0">
-                <a:solidFill>
-                  <a:srgbClr val="62647B">
-                    <a:hueOff val="-10521704"/>
-                    <a:satOff val="-11099"/>
-                    <a:lumOff val="-7127"/>
-                  </a:srgbClr>
-                </a:solidFill>
-              </a:rPr>
-              <a:t> </a:t>
-            </a:r>
-            <a:r>
-              <a:rPr sz="2531" kern="0" dirty="0">
-                <a:solidFill>
-                  <a:srgbClr val="62647B">
-                    <a:hueOff val="-10521704"/>
-                    <a:satOff val="-11099"/>
-                    <a:lumOff val="-7127"/>
-                  </a:srgbClr>
-                </a:solidFill>
-              </a:rPr>
-              <a:t>are in this process </a:t>
-            </a:r>
-          </a:p>
-        </p:txBody>
-      </p:sp>
-    </p:spTree>
-  </p:cSld>
-  <p:clrMapOvr>
-    <a:masterClrMapping/>
-  </p:clrMapOvr>
-  <p:transition spd="med"/>
-</p:sld>
-</file>
-
-<file path=ppt/slides/slide11.xml><?xml version="1.0" encoding="utf-8"?>
-<p:sld xmlns:a="http://schemas.openxmlformats.org/drawingml/2006/main" xmlns:r="http://schemas.openxmlformats.org/officeDocument/2006/relationships" xmlns:p="http://schemas.openxmlformats.org/presentationml/2006/main">
-  <p:cSld>
-    <p:spTree>
-      <p:nvGrpSpPr>
-        <p:cNvPr id="1" name=""/>
-        <p:cNvGrpSpPr/>
-        <p:nvPr/>
-      </p:nvGrpSpPr>
-      <p:grpSpPr>
-        <a:xfrm>
-          <a:off x="0" y="0"/>
-          <a:ext cx="0" cy="0"/>
-          <a:chOff x="0" y="0"/>
-          <a:chExt cx="0" cy="0"/>
-        </a:xfrm>
-      </p:grpSpPr>
-      <p:sp>
-        <p:nvSpPr>
-          <p:cNvPr id="194" name="Working directory"/>
-          <p:cNvSpPr/>
-          <p:nvPr/>
-        </p:nvSpPr>
-        <p:spPr>
-          <a:xfrm>
-            <a:off x="207020" y="1569431"/>
-            <a:ext cx="1942655" cy="1509016"/>
-          </a:xfrm>
-          <a:prstGeom prst="roundRect">
-            <a:avLst>
-              <a:gd name="adj" fmla="val 8876"/>
-            </a:avLst>
-          </a:prstGeom>
-          <a:solidFill>
-            <a:srgbClr val="FF7E79"/>
-          </a:solidFill>
-          <a:ln w="12700">
-            <a:miter lim="400000"/>
-          </a:ln>
-          <a:extLst>
-            <a:ext uri="{C572A759-6A51-4108-AA02-DFA0A04FC94B}">
-              <ma14:wrappingTextBoxFlag xmlns="" xmlns:m="http://schemas.openxmlformats.org/officeDocument/2006/math" xmlns:a14="http://schemas.microsoft.com/office/drawing/2010/main" xmlns:ma14="http://schemas.microsoft.com/office/mac/drawingml/2011/main" val="1"/>
-            </a:ext>
-          </a:extLst>
-        </p:spPr>
-        <p:txBody>
-          <a:bodyPr lIns="35719" tIns="35719" rIns="35719" bIns="35719" anchor="ctr"/>
-          <a:lstStyle>
-            <a:lvl1pPr>
-              <a:defRPr sz="2800">
-                <a:solidFill>
-                  <a:schemeClr val="accent6">
-                    <a:hueOff val="-10521704"/>
-                    <a:satOff val="-11099"/>
-                    <a:lumOff val="-7127"/>
-                  </a:schemeClr>
-                </a:solidFill>
-              </a:defRPr>
-            </a:lvl1pPr>
-          </a:lstStyle>
-          <a:p>
-            <a:pPr algn="ctr" defTabSz="410751" eaLnBrk="1" fontAlgn="auto">
-              <a:spcBef>
-                <a:spcPts val="0"/>
-              </a:spcBef>
-              <a:spcAft>
-                <a:spcPts val="0"/>
-              </a:spcAft>
-            </a:pPr>
-            <a:r>
-              <a:rPr sz="1969" kern="0">
-                <a:solidFill>
-                  <a:srgbClr val="62647B">
-                    <a:hueOff val="-10521704"/>
-                    <a:satOff val="-11099"/>
-                    <a:lumOff val="-7127"/>
-                  </a:srgbClr>
-                </a:solidFill>
-                <a:latin typeface="Helvetica Neue Light"/>
-                <a:sym typeface="Helvetica Neue Light"/>
-              </a:rPr>
-              <a:t>Working directory</a:t>
-            </a:r>
-          </a:p>
-        </p:txBody>
-      </p:sp>
-      <p:sp>
-        <p:nvSpPr>
-          <p:cNvPr id="195" name="staging area (index)"/>
-          <p:cNvSpPr/>
-          <p:nvPr/>
-        </p:nvSpPr>
-        <p:spPr>
-          <a:xfrm>
-            <a:off x="2469455" y="1537172"/>
-            <a:ext cx="1942655" cy="1573533"/>
-          </a:xfrm>
-          <a:prstGeom prst="roundRect">
-            <a:avLst>
-              <a:gd name="adj" fmla="val 8512"/>
-            </a:avLst>
-          </a:prstGeom>
-          <a:solidFill>
-            <a:srgbClr val="D783FF"/>
-          </a:solidFill>
-          <a:ln w="12700">
-            <a:miter lim="400000"/>
-          </a:ln>
-          <a:extLst>
-            <a:ext uri="{C572A759-6A51-4108-AA02-DFA0A04FC94B}">
-              <ma14:wrappingTextBoxFlag xmlns="" xmlns:m="http://schemas.openxmlformats.org/officeDocument/2006/math" xmlns:a14="http://schemas.microsoft.com/office/drawing/2010/main" xmlns:ma14="http://schemas.microsoft.com/office/mac/drawingml/2011/main" val="1"/>
-            </a:ext>
-          </a:extLst>
-        </p:spPr>
-        <p:txBody>
-          <a:bodyPr lIns="35719" tIns="35719" rIns="35719" bIns="35719" anchor="ctr"/>
-          <a:lstStyle>
-            <a:lvl1pPr>
-              <a:defRPr sz="2800">
-                <a:solidFill>
-                  <a:schemeClr val="accent6">
-                    <a:hueOff val="-10521704"/>
-                    <a:satOff val="-11099"/>
-                    <a:lumOff val="-7127"/>
-                  </a:schemeClr>
-                </a:solidFill>
-              </a:defRPr>
-            </a:lvl1pPr>
-          </a:lstStyle>
-          <a:p>
-            <a:pPr algn="ctr" defTabSz="410751" eaLnBrk="1" fontAlgn="auto">
-              <a:spcBef>
-                <a:spcPts val="0"/>
-              </a:spcBef>
-              <a:spcAft>
-                <a:spcPts val="0"/>
-              </a:spcAft>
-            </a:pPr>
-            <a:r>
-              <a:rPr sz="1969" kern="0">
-                <a:solidFill>
-                  <a:srgbClr val="62647B">
-                    <a:hueOff val="-10521704"/>
-                    <a:satOff val="-11099"/>
-                    <a:lumOff val="-7127"/>
-                  </a:srgbClr>
-                </a:solidFill>
-                <a:latin typeface="Helvetica Neue Light"/>
-                <a:sym typeface="Helvetica Neue Light"/>
-              </a:rPr>
-              <a:t>staging area (index)</a:t>
-            </a:r>
-          </a:p>
-        </p:txBody>
-      </p:sp>
-      <p:sp>
-        <p:nvSpPr>
-          <p:cNvPr id="196" name="local repository:…"/>
-          <p:cNvSpPr/>
-          <p:nvPr/>
-        </p:nvSpPr>
-        <p:spPr>
-          <a:xfrm>
-            <a:off x="4731890" y="1569431"/>
-            <a:ext cx="1942655" cy="1509016"/>
-          </a:xfrm>
-          <a:prstGeom prst="roundRect">
-            <a:avLst>
-              <a:gd name="adj" fmla="val 8876"/>
-            </a:avLst>
-          </a:prstGeom>
-          <a:solidFill>
-            <a:srgbClr val="7A81FF"/>
-          </a:solidFill>
-          <a:ln w="12700">
-            <a:miter lim="400000"/>
-          </a:ln>
-          <a:extLst>
-            <a:ext uri="{C572A759-6A51-4108-AA02-DFA0A04FC94B}">
-              <ma14:wrappingTextBoxFlag xmlns="" xmlns:m="http://schemas.openxmlformats.org/officeDocument/2006/math" xmlns:a14="http://schemas.microsoft.com/office/drawing/2010/main" xmlns:ma14="http://schemas.microsoft.com/office/mac/drawingml/2011/main" val="1"/>
-            </a:ext>
-          </a:extLst>
-        </p:spPr>
-        <p:txBody>
-          <a:bodyPr lIns="35719" tIns="35719" rIns="35719" bIns="35719" anchor="ctr"/>
-          <a:lstStyle/>
-          <a:p>
-            <a:pPr algn="ctr" defTabSz="410751" eaLnBrk="1" fontAlgn="auto">
-              <a:spcBef>
-                <a:spcPts val="0"/>
-              </a:spcBef>
-              <a:spcAft>
-                <a:spcPts val="0"/>
-              </a:spcAft>
-              <a:defRPr sz="2800">
-                <a:solidFill>
-                  <a:srgbClr val="62647B">
-                    <a:hueOff val="-10521704"/>
-                    <a:satOff val="-11099"/>
-                    <a:lumOff val="-7127"/>
-                  </a:srgbClr>
-                </a:solidFill>
-              </a:defRPr>
-            </a:pPr>
-            <a:r>
-              <a:rPr sz="1969" kern="0">
-                <a:solidFill>
-                  <a:srgbClr val="62647B">
-                    <a:hueOff val="-10521704"/>
-                    <a:satOff val="-11099"/>
-                    <a:lumOff val="-7127"/>
-                  </a:srgbClr>
-                </a:solidFill>
-                <a:latin typeface="Helvetica Neue Light"/>
-                <a:sym typeface="Helvetica Neue Light"/>
-              </a:rPr>
-              <a:t>local repository:</a:t>
-            </a:r>
-          </a:p>
-          <a:p>
-            <a:pPr algn="ctr" defTabSz="410751" eaLnBrk="1" fontAlgn="auto">
-              <a:spcBef>
-                <a:spcPts val="0"/>
-              </a:spcBef>
-              <a:spcAft>
-                <a:spcPts val="0"/>
-              </a:spcAft>
-              <a:defRPr sz="2800">
-                <a:solidFill>
-                  <a:srgbClr val="62647B">
-                    <a:hueOff val="-10521704"/>
-                    <a:satOff val="-11099"/>
-                    <a:lumOff val="-7127"/>
-                  </a:srgbClr>
-                </a:solidFill>
-              </a:defRPr>
-            </a:pPr>
-            <a:r>
-              <a:rPr sz="1969" kern="0">
-                <a:solidFill>
-                  <a:srgbClr val="62647B">
-                    <a:hueOff val="-10521704"/>
-                    <a:satOff val="-11099"/>
-                    <a:lumOff val="-7127"/>
-                  </a:srgbClr>
-                </a:solidFill>
-                <a:latin typeface="Helvetica Neue Light"/>
-                <a:sym typeface="Helvetica Neue Light"/>
-              </a:rPr>
-              <a:t>snapshots</a:t>
-            </a:r>
-          </a:p>
-        </p:txBody>
-      </p:sp>
-      <p:sp>
-        <p:nvSpPr>
-          <p:cNvPr id="197" name="remote repository:…"/>
-          <p:cNvSpPr/>
-          <p:nvPr/>
-        </p:nvSpPr>
-        <p:spPr>
-          <a:xfrm>
-            <a:off x="6994326" y="1537172"/>
-            <a:ext cx="1942655" cy="1573533"/>
-          </a:xfrm>
-          <a:prstGeom prst="roundRect">
-            <a:avLst>
-              <a:gd name="adj" fmla="val 8512"/>
-            </a:avLst>
-          </a:prstGeom>
-          <a:solidFill>
-            <a:srgbClr val="C0C0C0"/>
-          </a:solidFill>
-          <a:ln w="12700">
-            <a:miter lim="400000"/>
-          </a:ln>
-          <a:extLst>
-            <a:ext uri="{C572A759-6A51-4108-AA02-DFA0A04FC94B}">
-              <ma14:wrappingTextBoxFlag xmlns="" xmlns:m="http://schemas.openxmlformats.org/officeDocument/2006/math" xmlns:a14="http://schemas.microsoft.com/office/drawing/2010/main" xmlns:ma14="http://schemas.microsoft.com/office/mac/drawingml/2011/main" val="1"/>
-            </a:ext>
-          </a:extLst>
-        </p:spPr>
-        <p:txBody>
-          <a:bodyPr lIns="35719" tIns="35719" rIns="35719" bIns="35719" anchor="ctr"/>
-          <a:lstStyle/>
-          <a:p>
-            <a:pPr algn="ctr" defTabSz="410751" eaLnBrk="1" fontAlgn="auto">
-              <a:spcBef>
-                <a:spcPts val="0"/>
-              </a:spcBef>
-              <a:spcAft>
-                <a:spcPts val="0"/>
-              </a:spcAft>
-              <a:defRPr sz="2800">
-                <a:solidFill>
-                  <a:srgbClr val="62647B">
-                    <a:hueOff val="-10521704"/>
-                    <a:satOff val="-11099"/>
-                    <a:lumOff val="-7127"/>
-                  </a:srgbClr>
-                </a:solidFill>
-              </a:defRPr>
-            </a:pPr>
-            <a:r>
-              <a:rPr sz="1969" kern="0">
-                <a:solidFill>
-                  <a:srgbClr val="62647B">
-                    <a:hueOff val="-10521704"/>
-                    <a:satOff val="-11099"/>
-                    <a:lumOff val="-7127"/>
-                  </a:srgbClr>
-                </a:solidFill>
-                <a:latin typeface="Helvetica Neue Light"/>
-                <a:sym typeface="Helvetica Neue Light"/>
-              </a:rPr>
-              <a:t>remote repository:</a:t>
-            </a:r>
-          </a:p>
-          <a:p>
-            <a:pPr algn="ctr" defTabSz="410751" eaLnBrk="1" fontAlgn="auto">
-              <a:spcBef>
-                <a:spcPts val="0"/>
-              </a:spcBef>
-              <a:spcAft>
-                <a:spcPts val="0"/>
-              </a:spcAft>
-              <a:defRPr sz="2800">
-                <a:solidFill>
-                  <a:srgbClr val="62647B">
-                    <a:hueOff val="-10521704"/>
-                    <a:satOff val="-11099"/>
-                    <a:lumOff val="-7127"/>
-                  </a:srgbClr>
-                </a:solidFill>
-              </a:defRPr>
-            </a:pPr>
-            <a:r>
-              <a:rPr sz="1969" kern="0">
-                <a:solidFill>
-                  <a:srgbClr val="62647B">
-                    <a:hueOff val="-10521704"/>
-                    <a:satOff val="-11099"/>
-                    <a:lumOff val="-7127"/>
-                  </a:srgbClr>
-                </a:solidFill>
-                <a:latin typeface="Helvetica Neue Light"/>
-                <a:sym typeface="Helvetica Neue Light"/>
-              </a:rPr>
-              <a:t>snapshots</a:t>
-            </a:r>
-          </a:p>
-        </p:txBody>
-      </p:sp>
-      <p:sp>
-        <p:nvSpPr>
-          <p:cNvPr id="211" name="Connection Line"/>
-          <p:cNvSpPr/>
-          <p:nvPr/>
-        </p:nvSpPr>
-        <p:spPr>
-          <a:xfrm>
-            <a:off x="1128422" y="1139190"/>
-            <a:ext cx="2193480" cy="400076"/>
-          </a:xfrm>
-          <a:custGeom>
-            <a:avLst/>
-            <a:gdLst/>
-            <a:ahLst/>
-            <a:cxnLst>
-              <a:cxn ang="0">
-                <a:pos x="wd2" y="hd2"/>
-              </a:cxn>
-              <a:cxn ang="5400000">
-                <a:pos x="wd2" y="hd2"/>
-              </a:cxn>
-              <a:cxn ang="10800000">
-                <a:pos x="wd2" y="hd2"/>
-              </a:cxn>
-              <a:cxn ang="16200000">
-                <a:pos x="wd2" y="hd2"/>
-              </a:cxn>
-            </a:cxnLst>
-            <a:rect l="0" t="0" r="r" b="b"/>
-            <a:pathLst>
-              <a:path w="21600" h="16212" extrusionOk="0">
-                <a:moveTo>
-                  <a:pt x="0" y="16212"/>
-                </a:moveTo>
-                <a:cubicBezTo>
-                  <a:pt x="7105" y="-4821"/>
-                  <a:pt x="14305" y="-5388"/>
-                  <a:pt x="21600" y="14510"/>
-                </a:cubicBezTo>
-              </a:path>
-            </a:pathLst>
-          </a:custGeom>
-          <a:ln w="63500">
-            <a:solidFill>
-              <a:srgbClr val="ABABAB"/>
-            </a:solidFill>
-            <a:miter lim="400000"/>
-            <a:tailEnd type="triangle"/>
-          </a:ln>
-        </p:spPr>
-        <p:txBody>
-          <a:bodyPr/>
-          <a:lstStyle/>
-          <a:p>
-            <a:pPr algn="ctr" defTabSz="410751" eaLnBrk="1" fontAlgn="auto">
-              <a:spcBef>
-                <a:spcPts val="0"/>
-              </a:spcBef>
-              <a:spcAft>
-                <a:spcPts val="0"/>
-              </a:spcAft>
-            </a:pPr>
-            <a:endParaRPr sz="2531" kern="0">
-              <a:solidFill>
-                <a:srgbClr val="000000"/>
-              </a:solidFill>
-              <a:latin typeface="Helvetica Neue Light"/>
-              <a:sym typeface="Helvetica Neue Light"/>
-            </a:endParaRPr>
-          </a:p>
-        </p:txBody>
-      </p:sp>
-      <p:sp>
-        <p:nvSpPr>
-          <p:cNvPr id="199" name="git add"/>
-          <p:cNvSpPr txBox="1"/>
-          <p:nvPr/>
-        </p:nvSpPr>
-        <p:spPr>
-          <a:xfrm>
-            <a:off x="1895995" y="641119"/>
-            <a:ext cx="1048365" cy="461601"/>
-          </a:xfrm>
-          <a:prstGeom prst="rect">
-            <a:avLst/>
-          </a:prstGeom>
-          <a:ln w="12700">
-            <a:miter lim="400000"/>
-          </a:ln>
-          <a:extLst>
-            <a:ext uri="{C572A759-6A51-4108-AA02-DFA0A04FC94B}">
-              <ma14:wrappingTextBoxFlag xmlns="" xmlns:m="http://schemas.openxmlformats.org/officeDocument/2006/math" xmlns:a14="http://schemas.microsoft.com/office/drawing/2010/main" xmlns:ma14="http://schemas.microsoft.com/office/mac/drawingml/2011/main" val="1"/>
-            </a:ext>
-          </a:extLst>
-        </p:spPr>
-        <p:txBody>
-          <a:bodyPr wrap="none" lIns="35719" tIns="35719" rIns="35719" bIns="35719" anchor="ctr">
-            <a:spAutoFit/>
-          </a:bodyPr>
-          <a:lstStyle>
-            <a:lvl1pPr>
-              <a:defRPr>
-                <a:solidFill>
-                  <a:schemeClr val="accent6">
-                    <a:hueOff val="-10521704"/>
-                    <a:satOff val="-11099"/>
-                    <a:lumOff val="-7127"/>
-                  </a:schemeClr>
-                </a:solidFill>
-                <a:latin typeface="Helvetica Neue Medium"/>
-                <a:ea typeface="Helvetica Neue Medium"/>
-                <a:cs typeface="Helvetica Neue Medium"/>
-                <a:sym typeface="Helvetica Neue Medium"/>
-              </a:defRPr>
-            </a:lvl1pPr>
-          </a:lstStyle>
-          <a:p>
-            <a:pPr algn="ctr" defTabSz="410751" eaLnBrk="1" fontAlgn="auto">
-              <a:spcBef>
-                <a:spcPts val="0"/>
-              </a:spcBef>
-              <a:spcAft>
-                <a:spcPts val="0"/>
-              </a:spcAft>
-            </a:pPr>
-            <a:r>
-              <a:rPr sz="2531" kern="0">
-                <a:solidFill>
-                  <a:srgbClr val="62647B">
-                    <a:hueOff val="-10521704"/>
-                    <a:satOff val="-11099"/>
-                    <a:lumOff val="-7127"/>
-                  </a:srgbClr>
-                </a:solidFill>
-              </a:rPr>
-              <a:t>git add</a:t>
-            </a:r>
-          </a:p>
-        </p:txBody>
-      </p:sp>
-      <p:sp>
-        <p:nvSpPr>
-          <p:cNvPr id="200" name="git commit"/>
-          <p:cNvSpPr txBox="1"/>
-          <p:nvPr/>
-        </p:nvSpPr>
-        <p:spPr>
-          <a:xfrm>
-            <a:off x="3792804" y="641119"/>
-            <a:ext cx="1551708" cy="461601"/>
-          </a:xfrm>
-          <a:prstGeom prst="rect">
-            <a:avLst/>
-          </a:prstGeom>
-          <a:ln w="12700">
-            <a:miter lim="400000"/>
-          </a:ln>
-          <a:extLst>
-            <a:ext uri="{C572A759-6A51-4108-AA02-DFA0A04FC94B}">
-              <ma14:wrappingTextBoxFlag xmlns="" xmlns:m="http://schemas.openxmlformats.org/officeDocument/2006/math" xmlns:a14="http://schemas.microsoft.com/office/drawing/2010/main" xmlns:ma14="http://schemas.microsoft.com/office/mac/drawingml/2011/main" val="1"/>
-            </a:ext>
-          </a:extLst>
-        </p:spPr>
-        <p:txBody>
-          <a:bodyPr wrap="none" lIns="35719" tIns="35719" rIns="35719" bIns="35719" anchor="ctr">
-            <a:spAutoFit/>
-          </a:bodyPr>
-          <a:lstStyle>
-            <a:lvl1pPr>
-              <a:defRPr>
-                <a:solidFill>
-                  <a:schemeClr val="accent6">
-                    <a:hueOff val="-10521704"/>
-                    <a:satOff val="-11099"/>
-                    <a:lumOff val="-7127"/>
-                  </a:schemeClr>
-                </a:solidFill>
-                <a:latin typeface="Helvetica Neue Medium"/>
-                <a:ea typeface="Helvetica Neue Medium"/>
-                <a:cs typeface="Helvetica Neue Medium"/>
-                <a:sym typeface="Helvetica Neue Medium"/>
-              </a:defRPr>
-            </a:lvl1pPr>
-          </a:lstStyle>
-          <a:p>
-            <a:pPr algn="ctr" defTabSz="410751" eaLnBrk="1" fontAlgn="auto">
-              <a:spcBef>
-                <a:spcPts val="0"/>
-              </a:spcBef>
-              <a:spcAft>
-                <a:spcPts val="0"/>
-              </a:spcAft>
-            </a:pPr>
-            <a:r>
-              <a:rPr sz="2531" kern="0">
-                <a:solidFill>
-                  <a:srgbClr val="62647B">
-                    <a:hueOff val="-10521704"/>
-                    <a:satOff val="-11099"/>
-                    <a:lumOff val="-7127"/>
-                  </a:srgbClr>
-                </a:solidFill>
-              </a:rPr>
-              <a:t>git commit</a:t>
-            </a:r>
-          </a:p>
-        </p:txBody>
-      </p:sp>
-      <p:sp>
-        <p:nvSpPr>
-          <p:cNvPr id="201" name="git fetch"/>
-          <p:cNvSpPr txBox="1"/>
-          <p:nvPr/>
-        </p:nvSpPr>
-        <p:spPr>
-          <a:xfrm>
-            <a:off x="6309373" y="3443503"/>
-            <a:ext cx="1208665" cy="461601"/>
-          </a:xfrm>
-          <a:prstGeom prst="rect">
-            <a:avLst/>
-          </a:prstGeom>
-          <a:ln w="12700">
-            <a:miter lim="400000"/>
-          </a:ln>
-          <a:extLst>
-            <a:ext uri="{C572A759-6A51-4108-AA02-DFA0A04FC94B}">
-              <ma14:wrappingTextBoxFlag xmlns="" xmlns:m="http://schemas.openxmlformats.org/officeDocument/2006/math" xmlns:a14="http://schemas.microsoft.com/office/drawing/2010/main" xmlns:ma14="http://schemas.microsoft.com/office/mac/drawingml/2011/main" val="1"/>
-            </a:ext>
-          </a:extLst>
-        </p:spPr>
-        <p:txBody>
-          <a:bodyPr wrap="none" lIns="35719" tIns="35719" rIns="35719" bIns="35719" anchor="ctr">
-            <a:spAutoFit/>
-          </a:bodyPr>
-          <a:lstStyle>
-            <a:lvl1pPr>
-              <a:defRPr>
-                <a:solidFill>
-                  <a:schemeClr val="accent6">
-                    <a:hueOff val="-10521704"/>
-                    <a:satOff val="-11099"/>
-                    <a:lumOff val="-7127"/>
-                  </a:schemeClr>
-                </a:solidFill>
-                <a:latin typeface="Helvetica Neue Medium"/>
-                <a:ea typeface="Helvetica Neue Medium"/>
-                <a:cs typeface="Helvetica Neue Medium"/>
-                <a:sym typeface="Helvetica Neue Medium"/>
-              </a:defRPr>
-            </a:lvl1pPr>
-          </a:lstStyle>
-          <a:p>
-            <a:pPr algn="ctr" defTabSz="410751" eaLnBrk="1" fontAlgn="auto">
-              <a:spcBef>
-                <a:spcPts val="0"/>
-              </a:spcBef>
-              <a:spcAft>
-                <a:spcPts val="0"/>
-              </a:spcAft>
-            </a:pPr>
-            <a:r>
-              <a:rPr sz="2531" kern="0">
-                <a:solidFill>
-                  <a:srgbClr val="62647B">
-                    <a:hueOff val="-10521704"/>
-                    <a:satOff val="-11099"/>
-                    <a:lumOff val="-7127"/>
-                  </a:srgbClr>
-                </a:solidFill>
-              </a:rPr>
-              <a:t>git fetch</a:t>
-            </a:r>
-          </a:p>
-        </p:txBody>
-      </p:sp>
-      <p:sp>
-        <p:nvSpPr>
-          <p:cNvPr id="202" name="git push"/>
-          <p:cNvSpPr txBox="1"/>
-          <p:nvPr/>
-        </p:nvSpPr>
-        <p:spPr>
-          <a:xfrm>
-            <a:off x="6308570" y="589958"/>
-            <a:ext cx="1210269" cy="461601"/>
-          </a:xfrm>
-          <a:prstGeom prst="rect">
-            <a:avLst/>
-          </a:prstGeom>
-          <a:ln w="12700">
-            <a:miter lim="400000"/>
-          </a:ln>
-          <a:extLst>
-            <a:ext uri="{C572A759-6A51-4108-AA02-DFA0A04FC94B}">
-              <ma14:wrappingTextBoxFlag xmlns="" xmlns:m="http://schemas.openxmlformats.org/officeDocument/2006/math" xmlns:a14="http://schemas.microsoft.com/office/drawing/2010/main" xmlns:ma14="http://schemas.microsoft.com/office/mac/drawingml/2011/main" val="1"/>
-            </a:ext>
-          </a:extLst>
-        </p:spPr>
-        <p:txBody>
-          <a:bodyPr wrap="none" lIns="35719" tIns="35719" rIns="35719" bIns="35719" anchor="ctr">
-            <a:spAutoFit/>
-          </a:bodyPr>
-          <a:lstStyle>
-            <a:lvl1pPr>
-              <a:defRPr>
-                <a:solidFill>
-                  <a:schemeClr val="accent6">
-                    <a:hueOff val="-10521704"/>
-                    <a:satOff val="-11099"/>
-                    <a:lumOff val="-7127"/>
-                  </a:schemeClr>
-                </a:solidFill>
-                <a:latin typeface="Helvetica Neue Medium"/>
-                <a:ea typeface="Helvetica Neue Medium"/>
-                <a:cs typeface="Helvetica Neue Medium"/>
-                <a:sym typeface="Helvetica Neue Medium"/>
-              </a:defRPr>
-            </a:lvl1pPr>
-          </a:lstStyle>
-          <a:p>
-            <a:pPr algn="ctr" defTabSz="410751" eaLnBrk="1" fontAlgn="auto">
-              <a:spcBef>
-                <a:spcPts val="0"/>
-              </a:spcBef>
-              <a:spcAft>
-                <a:spcPts val="0"/>
-              </a:spcAft>
-            </a:pPr>
-            <a:r>
-              <a:rPr sz="2531" kern="0">
-                <a:solidFill>
-                  <a:srgbClr val="62647B">
-                    <a:hueOff val="-10521704"/>
-                    <a:satOff val="-11099"/>
-                    <a:lumOff val="-7127"/>
-                  </a:srgbClr>
-                </a:solidFill>
-              </a:rPr>
-              <a:t>git push</a:t>
-            </a:r>
-          </a:p>
-        </p:txBody>
-      </p:sp>
-      <p:sp>
-        <p:nvSpPr>
-          <p:cNvPr id="212" name="Connection Line"/>
-          <p:cNvSpPr/>
-          <p:nvPr/>
-        </p:nvSpPr>
-        <p:spPr>
-          <a:xfrm>
-            <a:off x="3430157" y="1122033"/>
-            <a:ext cx="2208520" cy="380240"/>
-          </a:xfrm>
-          <a:custGeom>
-            <a:avLst/>
-            <a:gdLst/>
-            <a:ahLst/>
-            <a:cxnLst>
-              <a:cxn ang="0">
-                <a:pos x="wd2" y="hd2"/>
-              </a:cxn>
-              <a:cxn ang="5400000">
-                <a:pos x="wd2" y="hd2"/>
-              </a:cxn>
-              <a:cxn ang="10800000">
-                <a:pos x="wd2" y="hd2"/>
-              </a:cxn>
-              <a:cxn ang="16200000">
-                <a:pos x="wd2" y="hd2"/>
-              </a:cxn>
-            </a:cxnLst>
-            <a:rect l="0" t="0" r="r" b="b"/>
-            <a:pathLst>
-              <a:path w="21600" h="16200" extrusionOk="0">
-                <a:moveTo>
-                  <a:pt x="0" y="16082"/>
-                </a:moveTo>
-                <a:cubicBezTo>
-                  <a:pt x="7206" y="-5400"/>
-                  <a:pt x="14406" y="-5361"/>
-                  <a:pt x="21600" y="16200"/>
-                </a:cubicBezTo>
-              </a:path>
-            </a:pathLst>
-          </a:custGeom>
-          <a:ln w="63500">
-            <a:solidFill>
-              <a:srgbClr val="ABABAB"/>
-            </a:solidFill>
-            <a:miter lim="400000"/>
-            <a:tailEnd type="triangle"/>
-          </a:ln>
-        </p:spPr>
-        <p:txBody>
-          <a:bodyPr/>
-          <a:lstStyle/>
-          <a:p>
-            <a:pPr algn="ctr" defTabSz="410751" eaLnBrk="1" fontAlgn="auto">
-              <a:spcBef>
-                <a:spcPts val="0"/>
-              </a:spcBef>
-              <a:spcAft>
-                <a:spcPts val="0"/>
-              </a:spcAft>
-            </a:pPr>
-            <a:endParaRPr sz="2531" kern="0">
-              <a:solidFill>
-                <a:srgbClr val="000000"/>
-              </a:solidFill>
-              <a:latin typeface="Helvetica Neue Light"/>
-              <a:sym typeface="Helvetica Neue Light"/>
-            </a:endParaRPr>
-          </a:p>
-        </p:txBody>
-      </p:sp>
-      <p:sp>
-        <p:nvSpPr>
           <p:cNvPr id="213" name="Connection Line"/>
           <p:cNvSpPr/>
           <p:nvPr/>
@@ -12485,7 +11845,7 @@
           </a:ln>
           <a:extLst>
             <a:ext uri="{C572A759-6A51-4108-AA02-DFA0A04FC94B}">
-              <ma14:wrappingTextBoxFlag xmlns="" xmlns:m="http://schemas.openxmlformats.org/officeDocument/2006/math" xmlns:a14="http://schemas.microsoft.com/office/drawing/2010/main" xmlns:ma14="http://schemas.microsoft.com/office/mac/drawingml/2011/main" val="1"/>
+              <ma14:wrappingTextBoxFlag xmlns:ma14="http://schemas.microsoft.com/office/mac/drawingml/2011/main" xmlns:a14="http://schemas.microsoft.com/office/drawing/2010/main" xmlns:m="http://schemas.openxmlformats.org/officeDocument/2006/math" xmlns="" val="1"/>
             </a:ext>
           </a:extLst>
         </p:spPr>
@@ -12626,7 +11986,7 @@
           </a:ln>
           <a:extLst>
             <a:ext uri="{C572A759-6A51-4108-AA02-DFA0A04FC94B}">
-              <ma14:wrappingTextBoxFlag xmlns="" xmlns:m="http://schemas.openxmlformats.org/officeDocument/2006/math" xmlns:a14="http://schemas.microsoft.com/office/drawing/2010/main" xmlns:ma14="http://schemas.microsoft.com/office/mac/drawingml/2011/main" val="1"/>
+              <ma14:wrappingTextBoxFlag xmlns:ma14="http://schemas.microsoft.com/office/mac/drawingml/2011/main" xmlns:a14="http://schemas.microsoft.com/office/drawing/2010/main" xmlns:m="http://schemas.openxmlformats.org/officeDocument/2006/math" xmlns="" val="1"/>
             </a:ext>
           </a:extLst>
         </p:spPr>
@@ -12694,7 +12054,7 @@
           </a:ln>
           <a:extLst>
             <a:ext uri="{C572A759-6A51-4108-AA02-DFA0A04FC94B}">
-              <ma14:wrappingTextBoxFlag xmlns="" xmlns:m="http://schemas.openxmlformats.org/officeDocument/2006/math" xmlns:a14="http://schemas.microsoft.com/office/drawing/2010/main" xmlns:ma14="http://schemas.microsoft.com/office/mac/drawingml/2011/main" val="1"/>
+              <ma14:wrappingTextBoxFlag xmlns:ma14="http://schemas.microsoft.com/office/mac/drawingml/2011/main" xmlns:a14="http://schemas.microsoft.com/office/drawing/2010/main" xmlns:m="http://schemas.openxmlformats.org/officeDocument/2006/math" xmlns="" val="1"/>
             </a:ext>
           </a:extLst>
         </p:spPr>
@@ -12740,6 +12100,415 @@
               </a:rPr>
               <a:t>git status: use frequently to understand where files &amp; code changes are in this process </a:t>
             </a:r>
+          </a:p>
+        </p:txBody>
+      </p:sp>
+      <p:sp>
+        <p:nvSpPr>
+          <p:cNvPr id="2" name="Slide Number Placeholder 1">
+            <a:extLst>
+              <a:ext uri="{FF2B5EF4-FFF2-40B4-BE49-F238E27FC236}">
+                <a16:creationId xmlns:a16="http://schemas.microsoft.com/office/drawing/2014/main" id="{B84D5384-27F2-E504-B785-DF9A1C4F57F8}"/>
+              </a:ext>
+            </a:extLst>
+          </p:cNvPr>
+          <p:cNvSpPr>
+            <a:spLocks noGrp="1"/>
+          </p:cNvSpPr>
+          <p:nvPr>
+            <p:ph type="sldNum" sz="quarter" idx="2"/>
+          </p:nvPr>
+        </p:nvSpPr>
+        <p:spPr/>
+        <p:txBody>
+          <a:bodyPr/>
+          <a:lstStyle/>
+          <a:p>
+            <a:fld id="{86CB4B4D-7CA3-9044-876B-883B54F8677D}" type="slidenum">
+              <a:rPr lang="en-US" smtClean="0"/>
+              <a:t>10</a:t>
+            </a:fld>
+            <a:endParaRPr lang="en-US"/>
+          </a:p>
+        </p:txBody>
+      </p:sp>
+    </p:spTree>
+  </p:cSld>
+  <p:clrMapOvr>
+    <a:masterClrMapping/>
+  </p:clrMapOvr>
+  <p:transition spd="med"/>
+</p:sld>
+</file>
+
+<file path=ppt/slides/slide11.xml><?xml version="1.0" encoding="utf-8"?>
+<p:sld xmlns:a="http://schemas.openxmlformats.org/drawingml/2006/main" xmlns:r="http://schemas.openxmlformats.org/officeDocument/2006/relationships" xmlns:p="http://schemas.openxmlformats.org/presentationml/2006/main">
+  <p:cSld>
+    <p:spTree>
+      <p:nvGrpSpPr>
+        <p:cNvPr id="1" name=""/>
+        <p:cNvGrpSpPr/>
+        <p:nvPr/>
+      </p:nvGrpSpPr>
+      <p:grpSpPr>
+        <a:xfrm>
+          <a:off x="0" y="0"/>
+          <a:ext cx="0" cy="0"/>
+          <a:chOff x="0" y="0"/>
+          <a:chExt cx="0" cy="0"/>
+        </a:xfrm>
+      </p:grpSpPr>
+      <p:sp>
+        <p:nvSpPr>
+          <p:cNvPr id="222" name="git user interfaces"/>
+          <p:cNvSpPr txBox="1">
+            <a:spLocks noGrp="1"/>
+          </p:cNvSpPr>
+          <p:nvPr>
+            <p:ph type="title"/>
+          </p:nvPr>
+        </p:nvSpPr>
+        <p:spPr>
+          <a:prstGeom prst="rect">
+            <a:avLst/>
+          </a:prstGeom>
+        </p:spPr>
+        <p:txBody>
+          <a:bodyPr/>
+          <a:lstStyle/>
+          <a:p>
+            <a:r>
+              <a:t>git user interfaces</a:t>
+            </a:r>
+          </a:p>
+        </p:txBody>
+      </p:sp>
+      <p:sp>
+        <p:nvSpPr>
+          <p:cNvPr id="223" name="command line…"/>
+          <p:cNvSpPr txBox="1">
+            <a:spLocks noGrp="1"/>
+          </p:cNvSpPr>
+          <p:nvPr>
+            <p:ph type="body" idx="1"/>
+          </p:nvPr>
+        </p:nvSpPr>
+        <p:spPr>
+          <a:prstGeom prst="rect">
+            <a:avLst/>
+          </a:prstGeom>
+        </p:spPr>
+        <p:txBody>
+          <a:bodyPr>
+            <a:normAutofit fontScale="77500" lnSpcReduction="20000"/>
+          </a:bodyPr>
+          <a:lstStyle/>
+          <a:p>
+            <a:pPr marL="295740" indent="-295740" defTabSz="377890">
+              <a:spcBef>
+                <a:spcPts val="0"/>
+              </a:spcBef>
+              <a:defRPr sz="3312">
+                <a:solidFill>
+                  <a:srgbClr val="000000"/>
+                </a:solidFill>
+              </a:defRPr>
+            </a:pPr>
+            <a:r>
+              <a:rPr dirty="0"/>
+              <a:t>command line</a:t>
+            </a:r>
+          </a:p>
+          <a:p>
+            <a:pPr marL="591481" lvl="1" indent="-295740" defTabSz="377890">
+              <a:spcBef>
+                <a:spcPts val="0"/>
+              </a:spcBef>
+              <a:defRPr sz="2576">
+                <a:solidFill>
+                  <a:schemeClr val="accent6">
+                    <a:hueOff val="-10521704"/>
+                    <a:satOff val="-11099"/>
+                    <a:lumOff val="-7127"/>
+                  </a:schemeClr>
+                </a:solidFill>
+              </a:defRPr>
+            </a:pPr>
+            <a:r>
+              <a:rPr dirty="0"/>
+              <a:t>available everywhere including remote servers</a:t>
+            </a:r>
+          </a:p>
+          <a:p>
+            <a:pPr marL="591481" lvl="1" indent="-295740" defTabSz="377890">
+              <a:spcBef>
+                <a:spcPts val="0"/>
+              </a:spcBef>
+              <a:defRPr sz="2576">
+                <a:solidFill>
+                  <a:schemeClr val="accent6">
+                    <a:hueOff val="-10521704"/>
+                    <a:satOff val="-11099"/>
+                    <a:lumOff val="-7127"/>
+                  </a:schemeClr>
+                </a:solidFill>
+              </a:defRPr>
+            </a:pPr>
+            <a:r>
+              <a:rPr dirty="0"/>
+              <a:t>can be hard to visualize the process</a:t>
+            </a:r>
+          </a:p>
+          <a:p>
+            <a:pPr marL="295740" indent="-295740" defTabSz="377890">
+              <a:spcBef>
+                <a:spcPts val="0"/>
+              </a:spcBef>
+              <a:defRPr sz="3312">
+                <a:solidFill>
+                  <a:srgbClr val="000000"/>
+                </a:solidFill>
+              </a:defRPr>
+            </a:pPr>
+            <a:endParaRPr dirty="0"/>
+          </a:p>
+          <a:p>
+            <a:pPr marL="295740" indent="-295740" defTabSz="377890">
+              <a:spcBef>
+                <a:spcPts val="0"/>
+              </a:spcBef>
+              <a:defRPr sz="3312">
+                <a:solidFill>
+                  <a:srgbClr val="000000"/>
+                </a:solidFill>
+              </a:defRPr>
+            </a:pPr>
+            <a:r>
+              <a:rPr dirty="0" err="1"/>
+              <a:t>gui</a:t>
+            </a:r>
+            <a:r>
+              <a:rPr dirty="0"/>
+              <a:t> (</a:t>
+            </a:r>
+            <a:r>
+              <a:rPr dirty="0" err="1"/>
+              <a:t>GitKraken</a:t>
+            </a:r>
+            <a:r>
+              <a:rPr dirty="0"/>
+              <a:t>, SourceTree, </a:t>
+            </a:r>
+            <a:r>
+              <a:rPr dirty="0" err="1"/>
+              <a:t>Lazygit</a:t>
+            </a:r>
+            <a:r>
+              <a:rPr dirty="0"/>
+              <a:t> — terminal </a:t>
+            </a:r>
+            <a:r>
+              <a:rPr dirty="0" err="1"/>
+              <a:t>gui</a:t>
+            </a:r>
+            <a:r>
+              <a:rPr lang="en-US" dirty="0"/>
+              <a:t>, </a:t>
+            </a:r>
+            <a:r>
+              <a:rPr lang="en-US" dirty="0" err="1"/>
+              <a:t>GitLens</a:t>
+            </a:r>
+            <a:r>
+              <a:rPr lang="en-US" dirty="0"/>
+              <a:t> in </a:t>
+            </a:r>
+            <a:r>
+              <a:rPr lang="en-US" dirty="0" err="1"/>
+              <a:t>VSCode</a:t>
+            </a:r>
+            <a:r>
+              <a:rPr dirty="0"/>
+              <a:t>)</a:t>
+            </a:r>
+          </a:p>
+          <a:p>
+            <a:pPr marL="591481" lvl="1" indent="-295740" defTabSz="377890">
+              <a:spcBef>
+                <a:spcPts val="0"/>
+              </a:spcBef>
+              <a:defRPr sz="2576">
+                <a:solidFill>
+                  <a:schemeClr val="accent6">
+                    <a:hueOff val="-10521704"/>
+                    <a:satOff val="-11099"/>
+                    <a:lumOff val="-7127"/>
+                  </a:schemeClr>
+                </a:solidFill>
+              </a:defRPr>
+            </a:pPr>
+            <a:r>
+              <a:rPr dirty="0"/>
+              <a:t>good for visualizing the process</a:t>
+            </a:r>
+          </a:p>
+          <a:p>
+            <a:pPr marL="591481" lvl="1" indent="-295740" defTabSz="377890">
+              <a:spcBef>
+                <a:spcPts val="0"/>
+              </a:spcBef>
+              <a:defRPr sz="2576">
+                <a:solidFill>
+                  <a:schemeClr val="accent6">
+                    <a:hueOff val="-10521704"/>
+                    <a:satOff val="-11099"/>
+                    <a:lumOff val="-7127"/>
+                  </a:schemeClr>
+                </a:solidFill>
+              </a:defRPr>
+            </a:pPr>
+            <a:r>
+              <a:rPr dirty="0"/>
+              <a:t>great interface for viewing history and diffs</a:t>
+            </a:r>
+          </a:p>
+          <a:p>
+            <a:pPr marL="591481" lvl="1" indent="-295740" defTabSz="377890">
+              <a:spcBef>
+                <a:spcPts val="0"/>
+              </a:spcBef>
+              <a:defRPr sz="2576">
+                <a:solidFill>
+                  <a:schemeClr val="accent6">
+                    <a:hueOff val="-10521704"/>
+                    <a:satOff val="-11099"/>
+                    <a:lumOff val="-7127"/>
+                  </a:schemeClr>
+                </a:solidFill>
+              </a:defRPr>
+            </a:pPr>
+            <a:r>
+              <a:rPr dirty="0"/>
+              <a:t>encourages some good practices (viewing changes before adding)</a:t>
+            </a:r>
+          </a:p>
+          <a:p>
+            <a:pPr marL="591481" lvl="1" indent="-295740" defTabSz="377890">
+              <a:spcBef>
+                <a:spcPts val="0"/>
+              </a:spcBef>
+              <a:defRPr sz="2576">
+                <a:solidFill>
+                  <a:schemeClr val="accent6">
+                    <a:hueOff val="-10521704"/>
+                    <a:satOff val="-11099"/>
+                    <a:lumOff val="-7127"/>
+                  </a:schemeClr>
+                </a:solidFill>
+              </a:defRPr>
+            </a:pPr>
+            <a:r>
+              <a:rPr dirty="0"/>
+              <a:t>easy to do powerful things (add parts of files, deal with merge conflicts, undo)</a:t>
+            </a:r>
+          </a:p>
+          <a:p>
+            <a:pPr marL="295740" indent="-295740" defTabSz="377890">
+              <a:spcBef>
+                <a:spcPts val="0"/>
+              </a:spcBef>
+              <a:defRPr sz="3312">
+                <a:solidFill>
+                  <a:srgbClr val="000000"/>
+                </a:solidFill>
+              </a:defRPr>
+            </a:pPr>
+            <a:endParaRPr dirty="0"/>
+          </a:p>
+          <a:p>
+            <a:pPr marL="295740" indent="-295740" defTabSz="377890">
+              <a:spcBef>
+                <a:spcPts val="0"/>
+              </a:spcBef>
+              <a:defRPr sz="3312">
+                <a:solidFill>
+                  <a:srgbClr val="000000"/>
+                </a:solidFill>
+              </a:defRPr>
+            </a:pPr>
+            <a:r>
+              <a:rPr dirty="0"/>
+              <a:t>GitHub</a:t>
+            </a:r>
+          </a:p>
+          <a:p>
+            <a:pPr marL="591481" lvl="1" indent="-295740" defTabSz="377890">
+              <a:spcBef>
+                <a:spcPts val="0"/>
+              </a:spcBef>
+              <a:defRPr sz="2576">
+                <a:solidFill>
+                  <a:schemeClr val="accent6">
+                    <a:hueOff val="-10521704"/>
+                    <a:satOff val="-11099"/>
+                    <a:lumOff val="-7127"/>
+                  </a:schemeClr>
+                </a:solidFill>
+              </a:defRPr>
+            </a:pPr>
+            <a:r>
+              <a:rPr dirty="0"/>
+              <a:t>great interface for viewing history and diffs, but restricted to what’s on the remote</a:t>
+            </a:r>
+          </a:p>
+          <a:p>
+            <a:pPr marL="591481" lvl="1" indent="-295740" defTabSz="377890">
+              <a:spcBef>
+                <a:spcPts val="0"/>
+              </a:spcBef>
+              <a:defRPr sz="2576">
+                <a:solidFill>
+                  <a:schemeClr val="accent6">
+                    <a:hueOff val="-10521704"/>
+                    <a:satOff val="-11099"/>
+                    <a:lumOff val="-7127"/>
+                  </a:schemeClr>
+                </a:solidFill>
+              </a:defRPr>
+            </a:pPr>
+            <a:r>
+              <a:rPr dirty="0"/>
+              <a:t>required for issue tracking and pull request management</a:t>
+            </a:r>
+          </a:p>
+        </p:txBody>
+      </p:sp>
+      <p:sp>
+        <p:nvSpPr>
+          <p:cNvPr id="2" name="Slide Number Placeholder 1">
+            <a:extLst>
+              <a:ext uri="{FF2B5EF4-FFF2-40B4-BE49-F238E27FC236}">
+                <a16:creationId xmlns:a16="http://schemas.microsoft.com/office/drawing/2014/main" id="{73A0462E-848E-3E06-0A19-31CA23C633C6}"/>
+              </a:ext>
+            </a:extLst>
+          </p:cNvPr>
+          <p:cNvSpPr>
+            <a:spLocks noGrp="1"/>
+          </p:cNvSpPr>
+          <p:nvPr>
+            <p:ph type="sldNum" sz="quarter" idx="2"/>
+          </p:nvPr>
+        </p:nvSpPr>
+        <p:spPr/>
+        <p:txBody>
+          <a:bodyPr/>
+          <a:lstStyle/>
+          <a:p>
+            <a:fld id="{86CB4B4D-7CA3-9044-876B-883B54F8677D}" type="slidenum">
+              <a:rPr lang="en-US" smtClean="0"/>
+              <a:t>11</a:t>
+            </a:fld>
+            <a:endParaRPr lang="en-US"/>
           </a:p>
         </p:txBody>
       </p:sp>
@@ -12771,7 +12540,7 @@
       </p:grpSpPr>
       <p:sp>
         <p:nvSpPr>
-          <p:cNvPr id="222" name="git user interfaces"/>
+          <p:cNvPr id="249" name="Resources"/>
           <p:cNvSpPr txBox="1">
             <a:spLocks noGrp="1"/>
           </p:cNvSpPr>
@@ -12789,14 +12558,14 @@
           <a:lstStyle/>
           <a:p>
             <a:r>
-              <a:t>git user interfaces</a:t>
-            </a:r>
-          </a:p>
-        </p:txBody>
-      </p:sp>
-      <p:sp>
-        <p:nvSpPr>
-          <p:cNvPr id="223" name="command line…"/>
+              <a:t>Resources</a:t>
+            </a:r>
+          </a:p>
+        </p:txBody>
+      </p:sp>
+      <p:sp>
+        <p:nvSpPr>
+          <p:cNvPr id="250" name="git parable (conceptually building up why git is the way it is): https://tom.preston-werner.com/2009/05/19/the-git-parable.html…"/>
           <p:cNvSpPr txBox="1">
             <a:spLocks noGrp="1"/>
           </p:cNvSpPr>
@@ -12815,11 +12584,11 @@
           </a:bodyPr>
           <a:lstStyle/>
           <a:p>
-            <a:pPr marL="295740" indent="-295740" defTabSz="377890">
-              <a:spcBef>
-                <a:spcPts val="0"/>
-              </a:spcBef>
-              <a:defRPr sz="3312">
+            <a:pPr marL="289311" indent="-289311" defTabSz="369675">
+              <a:spcBef>
+                <a:spcPts val="0"/>
+              </a:spcBef>
+              <a:defRPr sz="3239">
                 <a:solidFill>
                   <a:srgbClr val="000000"/>
                 </a:solidFill>
@@ -12827,55 +12596,62 @@
             </a:pPr>
             <a:r>
               <a:rPr dirty="0"/>
-              <a:t>command line</a:t>
-            </a:r>
-          </a:p>
-          <a:p>
-            <a:pPr marL="591481" lvl="1" indent="-295740" defTabSz="377890">
-              <a:spcBef>
-                <a:spcPts val="0"/>
-              </a:spcBef>
-              <a:defRPr sz="2576">
-                <a:solidFill>
-                  <a:schemeClr val="accent6">
-                    <a:hueOff val="-10521704"/>
-                    <a:satOff val="-11099"/>
-                    <a:lumOff val="-7127"/>
-                  </a:schemeClr>
+              <a:t>git parable (conceptually building up why git is the way it is): </a:t>
+            </a:r>
+            <a:r>
+              <a:rPr u="sng" dirty="0">
+                <a:hlinkClick r:id="rId2"/>
+              </a:rPr>
+              <a:t>https://tom.preston-werner.com/2009/05/19/the-git-parable.html</a:t>
+            </a:r>
+          </a:p>
+          <a:p>
+            <a:pPr marL="289311" indent="-289311" defTabSz="369675">
+              <a:spcBef>
+                <a:spcPts val="0"/>
+              </a:spcBef>
+              <a:defRPr sz="3239">
+                <a:solidFill>
+                  <a:srgbClr val="000000"/>
+                </a:solidFill>
+              </a:defRPr>
+            </a:pPr>
+            <a:endParaRPr u="sng" dirty="0">
+              <a:hlinkClick r:id="rId2"/>
+            </a:endParaRPr>
+          </a:p>
+          <a:p>
+            <a:pPr marL="289311" indent="-289311" defTabSz="369675">
+              <a:spcBef>
+                <a:spcPts val="0"/>
+              </a:spcBef>
+              <a:defRPr sz="3239">
+                <a:solidFill>
+                  <a:srgbClr val="000000"/>
                 </a:solidFill>
               </a:defRPr>
             </a:pPr>
             <a:r>
               <a:rPr dirty="0"/>
-              <a:t>available everywhere including remote servers</a:t>
-            </a:r>
-          </a:p>
-          <a:p>
-            <a:pPr marL="591481" lvl="1" indent="-295740" defTabSz="377890">
-              <a:spcBef>
-                <a:spcPts val="0"/>
-              </a:spcBef>
-              <a:defRPr sz="2576">
-                <a:solidFill>
-                  <a:schemeClr val="accent6">
-                    <a:hueOff val="-10521704"/>
-                    <a:satOff val="-11099"/>
-                    <a:lumOff val="-7127"/>
-                  </a:schemeClr>
-                </a:solidFill>
-              </a:defRPr>
-            </a:pPr>
+              <a:t>Software Carpentry hands-on tutorial: </a:t>
+            </a:r>
+            <a:r>
+              <a:rPr u="sng" dirty="0">
+                <a:hlinkClick r:id="rId3"/>
+              </a:rPr>
+              <a:t>http://swcarpentry.github.io/git-novice/</a:t>
+            </a:r>
             <a:r>
               <a:rPr dirty="0"/>
-              <a:t>can be hard to visualize the process</a:t>
-            </a:r>
-          </a:p>
-          <a:p>
-            <a:pPr marL="295740" indent="-295740" defTabSz="377890">
-              <a:spcBef>
-                <a:spcPts val="0"/>
-              </a:spcBef>
-              <a:defRPr sz="3312">
+              <a:t> </a:t>
+            </a:r>
+          </a:p>
+          <a:p>
+            <a:pPr marL="289311" indent="-289311" defTabSz="369675">
+              <a:spcBef>
+                <a:spcPts val="0"/>
+              </a:spcBef>
+              <a:defRPr sz="3239">
                 <a:solidFill>
                   <a:srgbClr val="000000"/>
                 </a:solidFill>
@@ -12884,213 +12660,96 @@
             <a:endParaRPr dirty="0"/>
           </a:p>
           <a:p>
-            <a:pPr marL="295740" indent="-295740" defTabSz="377890">
-              <a:spcBef>
-                <a:spcPts val="0"/>
-              </a:spcBef>
-              <a:defRPr sz="3312">
+            <a:pPr marL="289311" indent="-289311" defTabSz="369675">
+              <a:spcBef>
+                <a:spcPts val="0"/>
+              </a:spcBef>
+              <a:defRPr sz="3239">
                 <a:solidFill>
                   <a:srgbClr val="000000"/>
                 </a:solidFill>
               </a:defRPr>
             </a:pPr>
             <a:r>
-              <a:rPr dirty="0" err="1"/>
-              <a:t>gui</a:t>
-            </a:r>
-            <a:r>
               <a:rPr dirty="0"/>
-              <a:t> (</a:t>
-            </a:r>
-            <a:r>
-              <a:rPr dirty="0" err="1"/>
-              <a:t>GitKraken</a:t>
-            </a:r>
+              <a:t>Lab-style git intro: </a:t>
+            </a:r>
+            <a:r>
+              <a:rPr u="sng" dirty="0">
+                <a:hlinkClick r:id="rId4"/>
+              </a:rPr>
+              <a:t>https://github.com/HERA-Team/CHAMP_Bootcamp/blob/master/Lesson2_IntroToComputing/git-lab-handout.pdf</a:t>
+            </a:r>
+          </a:p>
+          <a:p>
+            <a:pPr marL="289311" indent="-289311" defTabSz="369675">
+              <a:spcBef>
+                <a:spcPts val="0"/>
+              </a:spcBef>
+              <a:defRPr sz="3239">
+                <a:solidFill>
+                  <a:srgbClr val="000000"/>
+                </a:solidFill>
+              </a:defRPr>
+            </a:pPr>
+            <a:endParaRPr u="sng" dirty="0">
+              <a:hlinkClick r:id="rId4"/>
+            </a:endParaRPr>
+          </a:p>
+          <a:p>
+            <a:pPr marL="289311" indent="-289311" defTabSz="369675">
+              <a:spcBef>
+                <a:spcPts val="0"/>
+              </a:spcBef>
+              <a:defRPr sz="3239">
+                <a:solidFill>
+                  <a:srgbClr val="000000"/>
+                </a:solidFill>
+              </a:defRPr>
+            </a:pPr>
             <a:r>
               <a:rPr dirty="0"/>
-              <a:t>, SourceTree, </a:t>
-            </a:r>
-            <a:r>
-              <a:rPr dirty="0" err="1"/>
-              <a:t>Lazygit</a:t>
-            </a:r>
-            <a:r>
-              <a:rPr dirty="0"/>
-              <a:t> — terminal </a:t>
-            </a:r>
-            <a:r>
-              <a:rPr dirty="0" err="1"/>
-              <a:t>gui</a:t>
-            </a:r>
-            <a:r>
-              <a:rPr lang="en-US" dirty="0"/>
-              <a:t>, </a:t>
-            </a:r>
-            <a:r>
-              <a:rPr lang="en-US" dirty="0" err="1"/>
-              <a:t>GitLens</a:t>
-            </a:r>
-            <a:r>
-              <a:rPr lang="en-US" dirty="0"/>
-              <a:t> in </a:t>
-            </a:r>
-            <a:r>
-              <a:rPr lang="en-US" dirty="0" err="1"/>
-              <a:t>VSCode</a:t>
+              <a:t>eScience office hours (</a:t>
+            </a:r>
+            <a:r>
+              <a:rPr u="sng" dirty="0">
+                <a:hlinkClick r:id="rId5"/>
+              </a:rPr>
+              <a:t>https://escience.washington.edu/office-hours/#eScienceDataScientists</a:t>
             </a:r>
             <a:r>
               <a:rPr dirty="0"/>
               <a:t>)</a:t>
             </a:r>
           </a:p>
-          <a:p>
-            <a:pPr marL="591481" lvl="1" indent="-295740" defTabSz="377890">
-              <a:spcBef>
-                <a:spcPts val="0"/>
-              </a:spcBef>
-              <a:defRPr sz="2576">
-                <a:solidFill>
-                  <a:schemeClr val="accent6">
-                    <a:hueOff val="-10521704"/>
-                    <a:satOff val="-11099"/>
-                    <a:lumOff val="-7127"/>
-                  </a:schemeClr>
-                </a:solidFill>
-              </a:defRPr>
-            </a:pPr>
-            <a:r>
-              <a:rPr dirty="0"/>
-              <a:t>good for visualizing the process</a:t>
-            </a:r>
-          </a:p>
-          <a:p>
-            <a:pPr marL="591481" lvl="1" indent="-295740" defTabSz="377890">
-              <a:spcBef>
-                <a:spcPts val="0"/>
-              </a:spcBef>
-              <a:defRPr sz="2576">
-                <a:solidFill>
-                  <a:schemeClr val="accent6">
-                    <a:hueOff val="-10521704"/>
-                    <a:satOff val="-11099"/>
-                    <a:lumOff val="-7127"/>
-                  </a:schemeClr>
-                </a:solidFill>
-              </a:defRPr>
-            </a:pPr>
-            <a:r>
-              <a:rPr dirty="0"/>
-              <a:t>great interface for viewing history and diffs</a:t>
-            </a:r>
-          </a:p>
-          <a:p>
-            <a:pPr marL="591481" lvl="1" indent="-295740" defTabSz="377890">
-              <a:spcBef>
-                <a:spcPts val="0"/>
-              </a:spcBef>
-              <a:defRPr sz="2576">
-                <a:solidFill>
-                  <a:schemeClr val="accent6">
-                    <a:hueOff val="-10521704"/>
-                    <a:satOff val="-11099"/>
-                    <a:lumOff val="-7127"/>
-                  </a:schemeClr>
-                </a:solidFill>
-              </a:defRPr>
-            </a:pPr>
-            <a:r>
-              <a:rPr dirty="0"/>
-              <a:t>encourages some good practices (viewing changes before adding)</a:t>
-            </a:r>
-          </a:p>
-          <a:p>
-            <a:pPr marL="591481" lvl="1" indent="-295740" defTabSz="377890">
-              <a:spcBef>
-                <a:spcPts val="0"/>
-              </a:spcBef>
-              <a:defRPr sz="2576">
-                <a:solidFill>
-                  <a:schemeClr val="accent6">
-                    <a:hueOff val="-10521704"/>
-                    <a:satOff val="-11099"/>
-                    <a:lumOff val="-7127"/>
-                  </a:schemeClr>
-                </a:solidFill>
-              </a:defRPr>
-            </a:pPr>
-            <a:r>
-              <a:rPr dirty="0"/>
-              <a:t>easy to do powerful things (add parts of files, deal with merge conflicts, undo)</a:t>
-            </a:r>
-          </a:p>
-          <a:p>
-            <a:pPr marL="295740" indent="-295740" defTabSz="377890">
-              <a:spcBef>
-                <a:spcPts val="0"/>
-              </a:spcBef>
-              <a:defRPr sz="3312">
-                <a:solidFill>
-                  <a:srgbClr val="000000"/>
-                </a:solidFill>
-              </a:defRPr>
-            </a:pPr>
-            <a:endParaRPr dirty="0"/>
-          </a:p>
-          <a:p>
-            <a:pPr marL="295740" indent="-295740" defTabSz="377890">
-              <a:spcBef>
-                <a:spcPts val="0"/>
-              </a:spcBef>
-              <a:defRPr sz="3312">
-                <a:solidFill>
-                  <a:srgbClr val="000000"/>
-                </a:solidFill>
-              </a:defRPr>
-            </a:pPr>
-            <a:r>
-              <a:rPr dirty="0"/>
-              <a:t>GitHub</a:t>
-            </a:r>
-          </a:p>
-          <a:p>
-            <a:pPr marL="591481" lvl="1" indent="-295740" defTabSz="377890">
-              <a:spcBef>
-                <a:spcPts val="0"/>
-              </a:spcBef>
-              <a:defRPr sz="2576">
-                <a:solidFill>
-                  <a:schemeClr val="accent6">
-                    <a:hueOff val="-10521704"/>
-                    <a:satOff val="-11099"/>
-                    <a:lumOff val="-7127"/>
-                  </a:schemeClr>
-                </a:solidFill>
-              </a:defRPr>
-            </a:pPr>
-            <a:r>
-              <a:rPr dirty="0"/>
-              <a:t>great interface for viewing history and diffs, but restricted to what’s on the remote</a:t>
-            </a:r>
-          </a:p>
-          <a:p>
-            <a:pPr marL="591481" lvl="1" indent="-295740" defTabSz="377890">
-              <a:spcBef>
-                <a:spcPts val="0"/>
-              </a:spcBef>
-              <a:defRPr sz="2576">
-                <a:solidFill>
-                  <a:schemeClr val="accent6">
-                    <a:hueOff val="-10521704"/>
-                    <a:satOff val="-11099"/>
-                    <a:lumOff val="-7127"/>
-                  </a:schemeClr>
-                </a:solidFill>
-              </a:defRPr>
-            </a:pPr>
-            <a:r>
-              <a:rPr dirty="0"/>
-              <a:t>required for issue tracking and pull request management</a:t>
-            </a:r>
+        </p:txBody>
+      </p:sp>
+      <p:sp>
+        <p:nvSpPr>
+          <p:cNvPr id="2" name="Slide Number Placeholder 1">
+            <a:extLst>
+              <a:ext uri="{FF2B5EF4-FFF2-40B4-BE49-F238E27FC236}">
+                <a16:creationId xmlns:a16="http://schemas.microsoft.com/office/drawing/2014/main" id="{3667E302-8D11-AA9C-BF11-D971A9EF9EFA}"/>
+              </a:ext>
+            </a:extLst>
+          </p:cNvPr>
+          <p:cNvSpPr>
+            <a:spLocks noGrp="1"/>
+          </p:cNvSpPr>
+          <p:nvPr>
+            <p:ph type="sldNum" sz="quarter" idx="2"/>
+          </p:nvPr>
+        </p:nvSpPr>
+        <p:spPr/>
+        <p:txBody>
+          <a:bodyPr/>
+          <a:lstStyle/>
+          <a:p>
+            <a:fld id="{86CB4B4D-7CA3-9044-876B-883B54F8677D}" type="slidenum">
+              <a:rPr lang="en-US" smtClean="0"/>
+              <a:t>12</a:t>
+            </a:fld>
+            <a:endParaRPr lang="en-US"/>
           </a:p>
         </p:txBody>
       </p:sp>
@@ -13122,191 +12781,67 @@
       </p:grpSpPr>
       <p:sp>
         <p:nvSpPr>
-          <p:cNvPr id="249" name="Resources"/>
-          <p:cNvSpPr txBox="1">
+          <p:cNvPr id="4" name="Title 3">
+            <a:extLst>
+              <a:ext uri="{FF2B5EF4-FFF2-40B4-BE49-F238E27FC236}">
+                <a16:creationId xmlns:a16="http://schemas.microsoft.com/office/drawing/2014/main" id="{0648F7E3-D04D-3389-57B7-6F30D507CD08}"/>
+              </a:ext>
+            </a:extLst>
+          </p:cNvPr>
+          <p:cNvSpPr>
             <a:spLocks noGrp="1"/>
           </p:cNvSpPr>
           <p:nvPr>
             <p:ph type="title"/>
           </p:nvPr>
         </p:nvSpPr>
-        <p:spPr>
-          <a:prstGeom prst="rect">
-            <a:avLst/>
-          </a:prstGeom>
-        </p:spPr>
+        <p:spPr/>
         <p:txBody>
           <a:bodyPr/>
           <a:lstStyle/>
           <a:p>
             <a:r>
-              <a:t>Resources</a:t>
-            </a:r>
-          </a:p>
-        </p:txBody>
-      </p:sp>
-      <p:sp>
-        <p:nvSpPr>
-          <p:cNvPr id="250" name="git parable (conceptually building up why git is the way it is): https://tom.preston-werner.com/2009/05/19/the-git-parable.html…"/>
-          <p:cNvSpPr txBox="1">
+              <a:rPr lang="en-US" dirty="0"/>
+              <a:t>Hands on practice</a:t>
+            </a:r>
+          </a:p>
+        </p:txBody>
+      </p:sp>
+      <p:sp>
+        <p:nvSpPr>
+          <p:cNvPr id="2" name="Slide Number Placeholder 1">
+            <a:extLst>
+              <a:ext uri="{FF2B5EF4-FFF2-40B4-BE49-F238E27FC236}">
+                <a16:creationId xmlns:a16="http://schemas.microsoft.com/office/drawing/2014/main" id="{E4018893-19C6-30DA-0269-B82DF0DB5161}"/>
+              </a:ext>
+            </a:extLst>
+          </p:cNvPr>
+          <p:cNvSpPr>
             <a:spLocks noGrp="1"/>
           </p:cNvSpPr>
           <p:nvPr>
-            <p:ph type="body" idx="1"/>
+            <p:ph type="sldNum" sz="quarter" idx="2"/>
           </p:nvPr>
         </p:nvSpPr>
-        <p:spPr>
-          <a:prstGeom prst="rect">
-            <a:avLst/>
-          </a:prstGeom>
-        </p:spPr>
-        <p:txBody>
-          <a:bodyPr>
-            <a:normAutofit fontScale="77500" lnSpcReduction="20000"/>
-          </a:bodyPr>
+        <p:spPr/>
+        <p:txBody>
+          <a:bodyPr/>
           <a:lstStyle/>
           <a:p>
-            <a:pPr marL="289311" indent="-289311" defTabSz="369675">
-              <a:spcBef>
-                <a:spcPts val="0"/>
-              </a:spcBef>
-              <a:defRPr sz="3239">
-                <a:solidFill>
-                  <a:srgbClr val="000000"/>
-                </a:solidFill>
-              </a:defRPr>
-            </a:pPr>
-            <a:r>
-              <a:rPr dirty="0"/>
-              <a:t>git parable (conceptually building up why git is the way it is): </a:t>
-            </a:r>
-            <a:r>
-              <a:rPr u="sng" dirty="0">
-                <a:hlinkClick r:id="rId2"/>
-              </a:rPr>
-              <a:t>https://tom.preston-werner.com/2009/05/19/the-git-parable.html</a:t>
-            </a:r>
-          </a:p>
-          <a:p>
-            <a:pPr marL="289311" indent="-289311" defTabSz="369675">
-              <a:spcBef>
-                <a:spcPts val="0"/>
-              </a:spcBef>
-              <a:defRPr sz="3239">
-                <a:solidFill>
-                  <a:srgbClr val="000000"/>
-                </a:solidFill>
-              </a:defRPr>
-            </a:pPr>
-            <a:endParaRPr u="sng" dirty="0">
-              <a:hlinkClick r:id="rId2"/>
-            </a:endParaRPr>
-          </a:p>
-          <a:p>
-            <a:pPr marL="289311" indent="-289311" defTabSz="369675">
-              <a:spcBef>
-                <a:spcPts val="0"/>
-              </a:spcBef>
-              <a:defRPr sz="3239">
-                <a:solidFill>
-                  <a:srgbClr val="000000"/>
-                </a:solidFill>
-              </a:defRPr>
-            </a:pPr>
-            <a:r>
-              <a:rPr dirty="0"/>
-              <a:t>Software Carpentry hands-on tutorial: </a:t>
-            </a:r>
-            <a:r>
-              <a:rPr u="sng" dirty="0">
-                <a:hlinkClick r:id="rId3"/>
-              </a:rPr>
-              <a:t>http://swcarpentry.github.io/git-novice/</a:t>
-            </a:r>
-            <a:r>
-              <a:rPr dirty="0"/>
-              <a:t> </a:t>
-            </a:r>
-          </a:p>
-          <a:p>
-            <a:pPr marL="289311" indent="-289311" defTabSz="369675">
-              <a:spcBef>
-                <a:spcPts val="0"/>
-              </a:spcBef>
-              <a:defRPr sz="3239">
-                <a:solidFill>
-                  <a:srgbClr val="000000"/>
-                </a:solidFill>
-              </a:defRPr>
-            </a:pPr>
-            <a:endParaRPr dirty="0"/>
-          </a:p>
-          <a:p>
-            <a:pPr marL="289311" indent="-289311" defTabSz="369675">
-              <a:spcBef>
-                <a:spcPts val="0"/>
-              </a:spcBef>
-              <a:defRPr sz="3239">
-                <a:solidFill>
-                  <a:srgbClr val="000000"/>
-                </a:solidFill>
-              </a:defRPr>
-            </a:pPr>
-            <a:r>
-              <a:rPr dirty="0"/>
-              <a:t>Lab-style git intro: </a:t>
-            </a:r>
-            <a:r>
-              <a:rPr u="sng" dirty="0">
-                <a:hlinkClick r:id="rId4"/>
-              </a:rPr>
-              <a:t>https://github.com/HERA-Team/CHAMP_Bootcamp/blob/master/Lesson2_IntroToComputing/git-lab-handout.pdf</a:t>
-            </a:r>
-          </a:p>
-          <a:p>
-            <a:pPr marL="289311" indent="-289311" defTabSz="369675">
-              <a:spcBef>
-                <a:spcPts val="0"/>
-              </a:spcBef>
-              <a:defRPr sz="3239">
-                <a:solidFill>
-                  <a:srgbClr val="000000"/>
-                </a:solidFill>
-              </a:defRPr>
-            </a:pPr>
-            <a:endParaRPr u="sng" dirty="0">
-              <a:hlinkClick r:id="rId4"/>
-            </a:endParaRPr>
-          </a:p>
-          <a:p>
-            <a:pPr marL="289311" indent="-289311" defTabSz="369675">
-              <a:spcBef>
-                <a:spcPts val="0"/>
-              </a:spcBef>
-              <a:defRPr sz="3239">
-                <a:solidFill>
-                  <a:srgbClr val="000000"/>
-                </a:solidFill>
-              </a:defRPr>
-            </a:pPr>
-            <a:r>
-              <a:rPr dirty="0"/>
-              <a:t>eScience office hours (</a:t>
-            </a:r>
-            <a:r>
-              <a:rPr u="sng" dirty="0">
-                <a:hlinkClick r:id="rId5"/>
-              </a:rPr>
-              <a:t>https://escience.washington.edu/office-hours/#eScienceDataScientists</a:t>
-            </a:r>
-            <a:r>
-              <a:rPr dirty="0"/>
-              <a:t>)</a:t>
-            </a:r>
+            <a:fld id="{86CB4B4D-7CA3-9044-876B-883B54F8677D}" type="slidenum">
+              <a:rPr lang="en-US" smtClean="0"/>
+              <a:t>13</a:t>
+            </a:fld>
+            <a:endParaRPr lang="en-US"/>
           </a:p>
         </p:txBody>
       </p:sp>
     </p:spTree>
+    <p:extLst>
+      <p:ext uri="{BB962C8B-B14F-4D97-AF65-F5344CB8AC3E}">
+        <p14:creationId xmlns:p14="http://schemas.microsoft.com/office/powerpoint/2010/main" val="780910408"/>
+      </p:ext>
+    </p:extLst>
   </p:cSld>
   <p:clrMapOvr>
     <a:masterClrMapping/>
@@ -13334,10 +12869,258 @@
       </p:grpSpPr>
       <p:sp>
         <p:nvSpPr>
-          <p:cNvPr id="4" name="Title 3">
+          <p:cNvPr id="230" name="git config"/>
+          <p:cNvSpPr txBox="1">
+            <a:spLocks noGrp="1"/>
+          </p:cNvSpPr>
+          <p:nvPr>
+            <p:ph type="title"/>
+          </p:nvPr>
+        </p:nvSpPr>
+        <p:spPr>
+          <a:prstGeom prst="rect">
+            <a:avLst/>
+          </a:prstGeom>
+        </p:spPr>
+        <p:txBody>
+          <a:bodyPr/>
+          <a:lstStyle/>
+          <a:p>
+            <a:r>
+              <a:t>git config</a:t>
+            </a:r>
+          </a:p>
+        </p:txBody>
+      </p:sp>
+      <p:sp>
+        <p:nvSpPr>
+          <p:cNvPr id="231" name="Global settings for git…"/>
+          <p:cNvSpPr txBox="1">
+            <a:spLocks noGrp="1"/>
+          </p:cNvSpPr>
+          <p:nvPr>
+            <p:ph type="body" idx="1"/>
+          </p:nvPr>
+        </p:nvSpPr>
+        <p:spPr>
+          <a:prstGeom prst="rect">
+            <a:avLst/>
+          </a:prstGeom>
+        </p:spPr>
+        <p:txBody>
+          <a:bodyPr>
+            <a:normAutofit fontScale="85000" lnSpcReduction="20000"/>
+          </a:bodyPr>
+          <a:lstStyle/>
+          <a:p>
+            <a:pPr>
+              <a:spcBef>
+                <a:spcPts val="0"/>
+              </a:spcBef>
+              <a:defRPr>
+                <a:solidFill>
+                  <a:srgbClr val="000000"/>
+                </a:solidFill>
+              </a:defRPr>
+            </a:pPr>
+            <a:r>
+              <a:t>Global settings for git</a:t>
+            </a:r>
+          </a:p>
+          <a:p>
+            <a:pPr lvl="1">
+              <a:spcBef>
+                <a:spcPts val="0"/>
+              </a:spcBef>
+              <a:defRPr sz="2800">
+                <a:solidFill>
+                  <a:schemeClr val="accent6">
+                    <a:hueOff val="-10521704"/>
+                    <a:satOff val="-11099"/>
+                    <a:lumOff val="-7127"/>
+                  </a:schemeClr>
+                </a:solidFill>
+              </a:defRPr>
+            </a:pPr>
+            <a:r>
+              <a:t>name and email address (to identify who made changes) — should match email associated with your GitHub account</a:t>
+            </a:r>
+          </a:p>
+          <a:p>
+            <a:pPr lvl="1">
+              <a:spcBef>
+                <a:spcPts val="0"/>
+              </a:spcBef>
+              <a:defRPr sz="2800">
+                <a:solidFill>
+                  <a:schemeClr val="accent6">
+                    <a:hueOff val="-10521704"/>
+                    <a:satOff val="-11099"/>
+                    <a:lumOff val="-7127"/>
+                  </a:schemeClr>
+                </a:solidFill>
+              </a:defRPr>
+            </a:pPr>
+            <a:r>
+              <a:t>preferred text editor (for commit messages)</a:t>
+            </a:r>
+          </a:p>
+          <a:p>
+            <a:pPr>
+              <a:spcBef>
+                <a:spcPts val="0"/>
+              </a:spcBef>
+              <a:defRPr>
+                <a:solidFill>
+                  <a:srgbClr val="000000"/>
+                </a:solidFill>
+              </a:defRPr>
+            </a:pPr>
+            <a:endParaRPr/>
+          </a:p>
+          <a:p>
+            <a:pPr>
+              <a:spcBef>
+                <a:spcPts val="0"/>
+              </a:spcBef>
+              <a:defRPr>
+                <a:solidFill>
+                  <a:srgbClr val="000000"/>
+                </a:solidFill>
+              </a:defRPr>
+            </a:pPr>
+            <a:r>
+              <a:t>To see current settings:</a:t>
+            </a:r>
+          </a:p>
+          <a:p>
+            <a:pPr lvl="1">
+              <a:spcBef>
+                <a:spcPts val="0"/>
+              </a:spcBef>
+              <a:defRPr sz="2800">
+                <a:solidFill>
+                  <a:schemeClr val="accent6">
+                    <a:hueOff val="-10521704"/>
+                    <a:satOff val="-11099"/>
+                    <a:lumOff val="-7127"/>
+                  </a:schemeClr>
+                </a:solidFill>
+                <a:latin typeface="Courier"/>
+                <a:ea typeface="Courier"/>
+                <a:cs typeface="Courier"/>
+                <a:sym typeface="Courier"/>
+              </a:defRPr>
+            </a:pPr>
+            <a:r>
+              <a:t>git config —list</a:t>
+            </a:r>
+          </a:p>
+          <a:p>
+            <a:pPr>
+              <a:spcBef>
+                <a:spcPts val="0"/>
+              </a:spcBef>
+              <a:defRPr>
+                <a:solidFill>
+                  <a:srgbClr val="000000"/>
+                </a:solidFill>
+              </a:defRPr>
+            </a:pPr>
+            <a:endParaRPr/>
+          </a:p>
+          <a:p>
+            <a:pPr>
+              <a:spcBef>
+                <a:spcPts val="0"/>
+              </a:spcBef>
+              <a:defRPr>
+                <a:solidFill>
+                  <a:srgbClr val="000000"/>
+                </a:solidFill>
+              </a:defRPr>
+            </a:pPr>
+            <a:r>
+              <a:t>To change these settings:</a:t>
+            </a:r>
+          </a:p>
+          <a:p>
+            <a:pPr lvl="1">
+              <a:spcBef>
+                <a:spcPts val="0"/>
+              </a:spcBef>
+              <a:defRPr sz="2800">
+                <a:solidFill>
+                  <a:schemeClr val="accent6">
+                    <a:hueOff val="-10521704"/>
+                    <a:satOff val="-11099"/>
+                    <a:lumOff val="-7127"/>
+                  </a:schemeClr>
+                </a:solidFill>
+                <a:latin typeface="Courier"/>
+                <a:ea typeface="Courier"/>
+                <a:cs typeface="Courier"/>
+                <a:sym typeface="Courier"/>
+              </a:defRPr>
+            </a:pPr>
+            <a:r>
+              <a:t>git config --global user.name "Vlad Dracula"</a:t>
+            </a:r>
+          </a:p>
+          <a:p>
+            <a:pPr lvl="1">
+              <a:spcBef>
+                <a:spcPts val="0"/>
+              </a:spcBef>
+              <a:defRPr sz="2800">
+                <a:solidFill>
+                  <a:schemeClr val="accent6">
+                    <a:hueOff val="-10521704"/>
+                    <a:satOff val="-11099"/>
+                    <a:lumOff val="-7127"/>
+                  </a:schemeClr>
+                </a:solidFill>
+                <a:latin typeface="Courier"/>
+                <a:ea typeface="Courier"/>
+                <a:cs typeface="Courier"/>
+                <a:sym typeface="Courier"/>
+              </a:defRPr>
+            </a:pPr>
+            <a:r>
+              <a:t>git config --global user.email "vlad@tran.sylvan.ia"</a:t>
+            </a:r>
+          </a:p>
+          <a:p>
+            <a:pPr lvl="1">
+              <a:spcBef>
+                <a:spcPts val="0"/>
+              </a:spcBef>
+              <a:defRPr sz="2800">
+                <a:solidFill>
+                  <a:schemeClr val="accent6">
+                    <a:hueOff val="-10521704"/>
+                    <a:satOff val="-11099"/>
+                    <a:lumOff val="-7127"/>
+                  </a:schemeClr>
+                </a:solidFill>
+                <a:latin typeface="Courier"/>
+                <a:ea typeface="Courier"/>
+                <a:cs typeface="Courier"/>
+                <a:sym typeface="Courier"/>
+              </a:defRPr>
+            </a:pPr>
+            <a:r>
+              <a:t>git config --global core.editor "nano -w”</a:t>
+            </a:r>
+          </a:p>
+        </p:txBody>
+      </p:sp>
+      <p:sp>
+        <p:nvSpPr>
+          <p:cNvPr id="2" name="Slide Number Placeholder 1">
             <a:extLst>
               <a:ext uri="{FF2B5EF4-FFF2-40B4-BE49-F238E27FC236}">
-                <a16:creationId xmlns:a16="http://schemas.microsoft.com/office/drawing/2014/main" id="{0648F7E3-D04D-3389-57B7-6F30D507CD08}"/>
+                <a16:creationId xmlns:a16="http://schemas.microsoft.com/office/drawing/2014/main" id="{4BECCFAF-6745-CA95-D494-FDBB1F473E85}"/>
               </a:ext>
             </a:extLst>
           </p:cNvPr>
@@ -13345,7 +13128,7 @@
             <a:spLocks noGrp="1"/>
           </p:cNvSpPr>
           <p:nvPr>
-            <p:ph type="title"/>
+            <p:ph type="sldNum" sz="quarter" idx="2"/>
           </p:nvPr>
         </p:nvSpPr>
         <p:spPr/>
@@ -13353,19 +13136,15 @@
           <a:bodyPr/>
           <a:lstStyle/>
           <a:p>
-            <a:r>
-              <a:rPr lang="en-US" dirty="0"/>
-              <a:t>Hands on practice</a:t>
-            </a:r>
+            <a:fld id="{86CB4B4D-7CA3-9044-876B-883B54F8677D}" type="slidenum">
+              <a:rPr lang="en-US" smtClean="0"/>
+              <a:t>14</a:t>
+            </a:fld>
+            <a:endParaRPr lang="en-US"/>
           </a:p>
         </p:txBody>
       </p:sp>
     </p:spTree>
-    <p:extLst>
-      <p:ext uri="{BB962C8B-B14F-4D97-AF65-F5344CB8AC3E}">
-        <p14:creationId xmlns:p14="http://schemas.microsoft.com/office/powerpoint/2010/main" val="780910408"/>
-      </p:ext>
-    </p:extLst>
   </p:cSld>
   <p:clrMapOvr>
     <a:masterClrMapping/>
@@ -13393,7 +13172,7 @@
       </p:grpSpPr>
       <p:sp>
         <p:nvSpPr>
-          <p:cNvPr id="230" name="git config"/>
+          <p:cNvPr id="225" name="Making a new repository"/>
           <p:cNvSpPr txBox="1">
             <a:spLocks noGrp="1"/>
           </p:cNvSpPr>
@@ -13411,14 +13190,14 @@
           <a:lstStyle/>
           <a:p>
             <a:r>
-              <a:t>git config</a:t>
-            </a:r>
-          </a:p>
-        </p:txBody>
-      </p:sp>
-      <p:sp>
-        <p:nvSpPr>
-          <p:cNvPr id="231" name="Global settings for git…"/>
+              <a:t>Making a new repository</a:t>
+            </a:r>
+          </a:p>
+        </p:txBody>
+      </p:sp>
+      <p:sp>
+        <p:nvSpPr>
+          <p:cNvPr id="226" name="On GitHub…"/>
           <p:cNvSpPr txBox="1">
             <a:spLocks noGrp="1"/>
           </p:cNvSpPr>
@@ -13433,7 +13212,7 @@
         </p:spPr>
         <p:txBody>
           <a:bodyPr>
-            <a:normAutofit fontScale="85000" lnSpcReduction="20000"/>
+            <a:normAutofit fontScale="92500" lnSpcReduction="10000"/>
           </a:bodyPr>
           <a:lstStyle/>
           <a:p>
@@ -13448,7 +13227,7 @@
               </a:defRPr>
             </a:pPr>
             <a:r>
-              <a:t>Global settings for git</a:t>
+              <a:t>On GitHub</a:t>
             </a:r>
           </a:p>
           <a:p>
@@ -13467,7 +13246,7 @@
               </a:defRPr>
             </a:pPr>
             <a:r>
-              <a:t>name and email address (to identify who made changes) — should match email associated with your GitHub account</a:t>
+              <a:t>choose public or private</a:t>
             </a:r>
           </a:p>
           <a:p>
@@ -13486,35 +13265,7 @@
               </a:defRPr>
             </a:pPr>
             <a:r>
-              <a:t>preferred text editor (for commit messages)</a:t>
-            </a:r>
-          </a:p>
-          <a:p>
-            <a:pPr>
-              <a:spcBef>
-                <a:spcPts val="0"/>
-              </a:spcBef>
-              <a:defRPr>
-                <a:solidFill>
-                  <a:srgbClr val="000000"/>
-                </a:solidFill>
-              </a:defRPr>
-            </a:pPr>
-            <a:endParaRPr/>
-          </a:p>
-          <a:p>
-            <a:pPr>
-              <a:spcBef>
-                <a:spcPts val="0"/>
-              </a:spcBef>
-              <a:defRPr>
-                <a:solidFill>
-                  <a:srgbClr val="000000"/>
-                </a:solidFill>
-              </a:defRPr>
-            </a:pPr>
-            <a:r>
-              <a:t>To see current settings:</a:t>
+              <a:t>initialize with a readme</a:t>
             </a:r>
           </a:p>
           <a:p>
@@ -13530,42 +13281,19 @@
                     <a:lumOff val="-7127"/>
                   </a:schemeClr>
                 </a:solidFill>
-                <a:latin typeface="Courier"/>
-                <a:ea typeface="Courier"/>
-                <a:cs typeface="Courier"/>
-                <a:sym typeface="Courier"/>
-              </a:defRPr>
-            </a:pPr>
-            <a:r>
-              <a:t>git config —list</a:t>
-            </a:r>
-          </a:p>
-          <a:p>
-            <a:pPr>
-              <a:spcBef>
-                <a:spcPts val="0"/>
-              </a:spcBef>
-              <a:defRPr>
-                <a:solidFill>
-                  <a:srgbClr val="000000"/>
-                </a:solidFill>
-              </a:defRPr>
-            </a:pPr>
-            <a:endParaRPr/>
-          </a:p>
-          <a:p>
-            <a:pPr>
-              <a:spcBef>
-                <a:spcPts val="0"/>
-              </a:spcBef>
-              <a:defRPr>
-                <a:solidFill>
-                  <a:srgbClr val="000000"/>
-                </a:solidFill>
-              </a:defRPr>
-            </a:pPr>
-            <a:r>
-              <a:t>To change these settings:</a:t>
+              </a:defRPr>
+            </a:pPr>
+            <a:r>
+              <a:t>choose a .gitignore (also see </a:t>
+            </a:r>
+            <a:r>
+              <a:rPr u="sng">
+                <a:hlinkClick r:id="rId3"/>
+              </a:rPr>
+              <a:t>https://github.com/github/gitignore</a:t>
+            </a:r>
+            <a:r>
+              <a:t> for more language options, including matlab)</a:t>
             </a:r>
           </a:p>
           <a:p>
@@ -13581,14 +13309,38 @@
                     <a:lumOff val="-7127"/>
                   </a:schemeClr>
                 </a:solidFill>
-                <a:latin typeface="Courier"/>
-                <a:ea typeface="Courier"/>
-                <a:cs typeface="Courier"/>
-                <a:sym typeface="Courier"/>
-              </a:defRPr>
-            </a:pPr>
-            <a:r>
-              <a:t>git config --global user.name "Vlad Dracula"</a:t>
+              </a:defRPr>
+            </a:pPr>
+            <a:r>
+              <a:t>choose a license</a:t>
+            </a:r>
+          </a:p>
+          <a:p>
+            <a:pPr>
+              <a:spcBef>
+                <a:spcPts val="0"/>
+              </a:spcBef>
+              <a:defRPr>
+                <a:solidFill>
+                  <a:srgbClr val="000000"/>
+                </a:solidFill>
+              </a:defRPr>
+            </a:pPr>
+            <a:endParaRPr/>
+          </a:p>
+          <a:p>
+            <a:pPr>
+              <a:spcBef>
+                <a:spcPts val="0"/>
+              </a:spcBef>
+              <a:defRPr>
+                <a:solidFill>
+                  <a:srgbClr val="000000"/>
+                </a:solidFill>
+              </a:defRPr>
+            </a:pPr>
+            <a:r>
+              <a:t>Clone the repository locally</a:t>
             </a:r>
           </a:p>
           <a:p>
@@ -13604,14 +13356,10 @@
                     <a:lumOff val="-7127"/>
                   </a:schemeClr>
                 </a:solidFill>
-                <a:latin typeface="Courier"/>
-                <a:ea typeface="Courier"/>
-                <a:cs typeface="Courier"/>
-                <a:sym typeface="Courier"/>
-              </a:defRPr>
-            </a:pPr>
-            <a:r>
-              <a:t>git config --global user.email "vlad@tran.sylvan.ia"</a:t>
+              </a:defRPr>
+            </a:pPr>
+            <a:r>
+              <a:t>ssh vs https</a:t>
             </a:r>
           </a:p>
           <a:p>
@@ -13634,8 +13382,65 @@
               </a:defRPr>
             </a:pPr>
             <a:r>
-              <a:t>git config --global core.editor "nano -w”</a:t>
-            </a:r>
+              <a:t>git clone &lt;repo-address&gt;</a:t>
+            </a:r>
+          </a:p>
+          <a:p>
+            <a:pPr lvl="1">
+              <a:spcBef>
+                <a:spcPts val="0"/>
+              </a:spcBef>
+              <a:defRPr sz="2800">
+                <a:solidFill>
+                  <a:schemeClr val="accent6">
+                    <a:hueOff val="-10521704"/>
+                    <a:satOff val="-11099"/>
+                    <a:lumOff val="-7127"/>
+                  </a:schemeClr>
+                </a:solidFill>
+              </a:defRPr>
+            </a:pPr>
+            <a:r>
+              <a:rPr>
+                <a:latin typeface="Courier"/>
+                <a:ea typeface="Courier"/>
+                <a:cs typeface="Courier"/>
+                <a:sym typeface="Courier"/>
+              </a:rPr>
+              <a:t>git remote -v</a:t>
+            </a:r>
+            <a:r>
+              <a:t> to see the address of the remote</a:t>
+            </a:r>
+          </a:p>
+        </p:txBody>
+      </p:sp>
+      <p:sp>
+        <p:nvSpPr>
+          <p:cNvPr id="2" name="Slide Number Placeholder 1">
+            <a:extLst>
+              <a:ext uri="{FF2B5EF4-FFF2-40B4-BE49-F238E27FC236}">
+                <a16:creationId xmlns:a16="http://schemas.microsoft.com/office/drawing/2014/main" id="{F9AA004A-BAC9-A8DB-5546-DDD2070D3140}"/>
+              </a:ext>
+            </a:extLst>
+          </p:cNvPr>
+          <p:cNvSpPr>
+            <a:spLocks noGrp="1"/>
+          </p:cNvSpPr>
+          <p:nvPr>
+            <p:ph type="sldNum" sz="quarter" idx="2"/>
+          </p:nvPr>
+        </p:nvSpPr>
+        <p:spPr/>
+        <p:txBody>
+          <a:bodyPr/>
+          <a:lstStyle/>
+          <a:p>
+            <a:fld id="{86CB4B4D-7CA3-9044-876B-883B54F8677D}" type="slidenum">
+              <a:rPr lang="en-US" smtClean="0"/>
+              <a:t>15</a:t>
+            </a:fld>
+            <a:endParaRPr lang="en-US"/>
           </a:p>
         </p:txBody>
       </p:sp>
@@ -13667,7 +13472,7 @@
       </p:grpSpPr>
       <p:sp>
         <p:nvSpPr>
-          <p:cNvPr id="225" name="Making a new repository"/>
+          <p:cNvPr id="233" name="making changes"/>
           <p:cNvSpPr txBox="1">
             <a:spLocks noGrp="1"/>
           </p:cNvSpPr>
@@ -13685,14 +13490,14 @@
           <a:lstStyle/>
           <a:p>
             <a:r>
-              <a:t>Making a new repository</a:t>
-            </a:r>
-          </a:p>
-        </p:txBody>
-      </p:sp>
-      <p:sp>
-        <p:nvSpPr>
-          <p:cNvPr id="226" name="On GitHub…"/>
+              <a:t>making changes</a:t>
+            </a:r>
+          </a:p>
+        </p:txBody>
+      </p:sp>
+      <p:sp>
+        <p:nvSpPr>
+          <p:cNvPr id="234" name="Check the status…"/>
           <p:cNvSpPr txBox="1">
             <a:spLocks noGrp="1"/>
           </p:cNvSpPr>
@@ -13707,30 +13512,30 @@
         </p:spPr>
         <p:txBody>
           <a:bodyPr>
-            <a:normAutofit fontScale="92500" lnSpcReduction="10000"/>
+            <a:normAutofit fontScale="77500" lnSpcReduction="20000"/>
           </a:bodyPr>
           <a:lstStyle/>
           <a:p>
-            <a:pPr>
-              <a:spcBef>
-                <a:spcPts val="0"/>
-              </a:spcBef>
-              <a:defRPr>
+            <a:pPr marL="298955" indent="-298955" defTabSz="381998">
+              <a:spcBef>
+                <a:spcPts val="0"/>
+              </a:spcBef>
+              <a:defRPr sz="3348">
                 <a:solidFill>
                   <a:srgbClr val="000000"/>
                 </a:solidFill>
               </a:defRPr>
             </a:pPr>
             <a:r>
-              <a:t>On GitHub</a:t>
-            </a:r>
-          </a:p>
-          <a:p>
-            <a:pPr lvl="1">
-              <a:spcBef>
-                <a:spcPts val="0"/>
-              </a:spcBef>
-              <a:defRPr sz="2800">
+              <a:t>Check the status</a:t>
+            </a:r>
+          </a:p>
+          <a:p>
+            <a:pPr marL="597910" lvl="1" indent="-298955" defTabSz="381998">
+              <a:spcBef>
+                <a:spcPts val="0"/>
+              </a:spcBef>
+              <a:defRPr sz="2604">
                 <a:solidFill>
                   <a:schemeClr val="accent6">
                     <a:hueOff val="-10521704"/>
@@ -13741,160 +13546,8 @@
               </a:defRPr>
             </a:pPr>
             <a:r>
-              <a:t>choose public or private</a:t>
-            </a:r>
-          </a:p>
-          <a:p>
-            <a:pPr lvl="1">
-              <a:spcBef>
-                <a:spcPts val="0"/>
-              </a:spcBef>
-              <a:defRPr sz="2800">
-                <a:solidFill>
-                  <a:schemeClr val="accent6">
-                    <a:hueOff val="-10521704"/>
-                    <a:satOff val="-11099"/>
-                    <a:lumOff val="-7127"/>
-                  </a:schemeClr>
-                </a:solidFill>
-              </a:defRPr>
-            </a:pPr>
-            <a:r>
-              <a:t>initialize with a readme</a:t>
-            </a:r>
-          </a:p>
-          <a:p>
-            <a:pPr lvl="1">
-              <a:spcBef>
-                <a:spcPts val="0"/>
-              </a:spcBef>
-              <a:defRPr sz="2800">
-                <a:solidFill>
-                  <a:schemeClr val="accent6">
-                    <a:hueOff val="-10521704"/>
-                    <a:satOff val="-11099"/>
-                    <a:lumOff val="-7127"/>
-                  </a:schemeClr>
-                </a:solidFill>
-              </a:defRPr>
-            </a:pPr>
-            <a:r>
-              <a:t>choose a .gitignore (also see </a:t>
-            </a:r>
-            <a:r>
-              <a:rPr u="sng">
-                <a:hlinkClick r:id="rId3"/>
-              </a:rPr>
-              <a:t>https://github.com/github/gitignore</a:t>
-            </a:r>
-            <a:r>
-              <a:t> for more language options, including matlab)</a:t>
-            </a:r>
-          </a:p>
-          <a:p>
-            <a:pPr lvl="1">
-              <a:spcBef>
-                <a:spcPts val="0"/>
-              </a:spcBef>
-              <a:defRPr sz="2800">
-                <a:solidFill>
-                  <a:schemeClr val="accent6">
-                    <a:hueOff val="-10521704"/>
-                    <a:satOff val="-11099"/>
-                    <a:lumOff val="-7127"/>
-                  </a:schemeClr>
-                </a:solidFill>
-              </a:defRPr>
-            </a:pPr>
-            <a:r>
-              <a:t>choose a license</a:t>
-            </a:r>
-          </a:p>
-          <a:p>
-            <a:pPr>
-              <a:spcBef>
-                <a:spcPts val="0"/>
-              </a:spcBef>
-              <a:defRPr>
-                <a:solidFill>
-                  <a:srgbClr val="000000"/>
-                </a:solidFill>
-              </a:defRPr>
-            </a:pPr>
-            <a:endParaRPr/>
-          </a:p>
-          <a:p>
-            <a:pPr>
-              <a:spcBef>
-                <a:spcPts val="0"/>
-              </a:spcBef>
-              <a:defRPr>
-                <a:solidFill>
-                  <a:srgbClr val="000000"/>
-                </a:solidFill>
-              </a:defRPr>
-            </a:pPr>
-            <a:r>
-              <a:t>Clone the repository locally</a:t>
-            </a:r>
-          </a:p>
-          <a:p>
-            <a:pPr lvl="1">
-              <a:spcBef>
-                <a:spcPts val="0"/>
-              </a:spcBef>
-              <a:defRPr sz="2800">
-                <a:solidFill>
-                  <a:schemeClr val="accent6">
-                    <a:hueOff val="-10521704"/>
-                    <a:satOff val="-11099"/>
-                    <a:lumOff val="-7127"/>
-                  </a:schemeClr>
-                </a:solidFill>
-              </a:defRPr>
-            </a:pPr>
-            <a:r>
-              <a:t>ssh vs https</a:t>
-            </a:r>
-          </a:p>
-          <a:p>
-            <a:pPr lvl="1">
-              <a:spcBef>
-                <a:spcPts val="0"/>
-              </a:spcBef>
-              <a:defRPr sz="2800">
-                <a:solidFill>
-                  <a:schemeClr val="accent6">
-                    <a:hueOff val="-10521704"/>
-                    <a:satOff val="-11099"/>
-                    <a:lumOff val="-7127"/>
-                  </a:schemeClr>
-                </a:solidFill>
-                <a:latin typeface="Courier"/>
-                <a:ea typeface="Courier"/>
-                <a:cs typeface="Courier"/>
-                <a:sym typeface="Courier"/>
-              </a:defRPr>
-            </a:pPr>
-            <a:r>
-              <a:t>git clone &lt;repo-address&gt;</a:t>
-            </a:r>
-          </a:p>
-          <a:p>
-            <a:pPr lvl="1">
-              <a:spcBef>
-                <a:spcPts val="0"/>
-              </a:spcBef>
-              <a:defRPr sz="2800">
-                <a:solidFill>
-                  <a:schemeClr val="accent6">
-                    <a:hueOff val="-10521704"/>
-                    <a:satOff val="-11099"/>
-                    <a:lumOff val="-7127"/>
-                  </a:schemeClr>
-                </a:solidFill>
-              </a:defRPr>
-            </a:pPr>
+              <a:t>use </a:t>
+            </a:r>
             <a:r>
               <a:rPr>
                 <a:latin typeface="Courier"/>
@@ -13902,11 +13555,321 @@
                 <a:cs typeface="Courier"/>
                 <a:sym typeface="Courier"/>
               </a:rPr>
-              <a:t>git remote -v</a:t>
-            </a:r>
-            <a:r>
-              <a:t> to see the address of the remote</a:t>
-            </a:r>
+              <a:t>git status</a:t>
+            </a:r>
+            <a:r>
+              <a:t> to see what things have changed</a:t>
+            </a:r>
+          </a:p>
+          <a:p>
+            <a:pPr marL="597910" lvl="1" indent="-298955" defTabSz="381998">
+              <a:spcBef>
+                <a:spcPts val="0"/>
+              </a:spcBef>
+              <a:defRPr sz="2604">
+                <a:solidFill>
+                  <a:schemeClr val="accent6">
+                    <a:hueOff val="-10521704"/>
+                    <a:satOff val="-11099"/>
+                    <a:lumOff val="-7127"/>
+                  </a:schemeClr>
+                </a:solidFill>
+              </a:defRPr>
+            </a:pPr>
+            <a:r>
+              <a:t>use this command liberally — it’s always safe and helps you know what’s going on</a:t>
+            </a:r>
+          </a:p>
+          <a:p>
+            <a:pPr marL="298955" indent="-298955" defTabSz="381998">
+              <a:spcBef>
+                <a:spcPts val="0"/>
+              </a:spcBef>
+              <a:defRPr sz="3348">
+                <a:solidFill>
+                  <a:srgbClr val="000000"/>
+                </a:solidFill>
+              </a:defRPr>
+            </a:pPr>
+            <a:r>
+              <a:t>Identify all the changes you want to snapshot together</a:t>
+            </a:r>
+          </a:p>
+          <a:p>
+            <a:pPr marL="597910" lvl="1" indent="-298955" defTabSz="381998">
+              <a:spcBef>
+                <a:spcPts val="0"/>
+              </a:spcBef>
+              <a:defRPr sz="2604">
+                <a:solidFill>
+                  <a:schemeClr val="accent6">
+                    <a:hueOff val="-10521704"/>
+                    <a:satOff val="-11099"/>
+                    <a:lumOff val="-7127"/>
+                  </a:schemeClr>
+                </a:solidFill>
+              </a:defRPr>
+            </a:pPr>
+            <a:r>
+              <a:t>use </a:t>
+            </a:r>
+            <a:r>
+              <a:rPr>
+                <a:latin typeface="Courier"/>
+                <a:ea typeface="Courier"/>
+                <a:cs typeface="Courier"/>
+                <a:sym typeface="Courier"/>
+              </a:rPr>
+              <a:t>git diff</a:t>
+            </a:r>
+            <a:r>
+              <a:t> to see what the changes are</a:t>
+            </a:r>
+          </a:p>
+          <a:p>
+            <a:pPr marL="597910" lvl="1" indent="-298955" defTabSz="381998">
+              <a:spcBef>
+                <a:spcPts val="0"/>
+              </a:spcBef>
+              <a:defRPr sz="2604">
+                <a:solidFill>
+                  <a:schemeClr val="accent6">
+                    <a:hueOff val="-10521704"/>
+                    <a:satOff val="-11099"/>
+                    <a:lumOff val="-7127"/>
+                  </a:schemeClr>
+                </a:solidFill>
+              </a:defRPr>
+            </a:pPr>
+            <a:r>
+              <a:t>use </a:t>
+            </a:r>
+            <a:r>
+              <a:rPr>
+                <a:latin typeface="Courier"/>
+                <a:ea typeface="Courier"/>
+                <a:cs typeface="Courier"/>
+                <a:sym typeface="Courier"/>
+              </a:rPr>
+              <a:t>git add &lt;file&gt;</a:t>
+            </a:r>
+            <a:r>
+              <a:t> to move changes to the staging area</a:t>
+            </a:r>
+          </a:p>
+          <a:p>
+            <a:pPr marL="597910" lvl="1" indent="-298955" defTabSz="381998">
+              <a:spcBef>
+                <a:spcPts val="0"/>
+              </a:spcBef>
+              <a:defRPr sz="2604">
+                <a:solidFill>
+                  <a:schemeClr val="accent6">
+                    <a:hueOff val="-10521704"/>
+                    <a:satOff val="-11099"/>
+                    <a:lumOff val="-7127"/>
+                  </a:schemeClr>
+                </a:solidFill>
+              </a:defRPr>
+            </a:pPr>
+            <a:r>
+              <a:t>only include changes that go together</a:t>
+            </a:r>
+          </a:p>
+          <a:p>
+            <a:pPr marL="298955" indent="-298955" defTabSz="381998">
+              <a:spcBef>
+                <a:spcPts val="0"/>
+              </a:spcBef>
+              <a:defRPr sz="3348">
+                <a:solidFill>
+                  <a:srgbClr val="000000"/>
+                </a:solidFill>
+              </a:defRPr>
+            </a:pPr>
+            <a:r>
+              <a:t>make the snapshot</a:t>
+            </a:r>
+          </a:p>
+          <a:p>
+            <a:pPr marL="597910" lvl="1" indent="-298955" defTabSz="381998">
+              <a:spcBef>
+                <a:spcPts val="0"/>
+              </a:spcBef>
+              <a:defRPr sz="2604">
+                <a:solidFill>
+                  <a:schemeClr val="accent6">
+                    <a:hueOff val="-10521704"/>
+                    <a:satOff val="-11099"/>
+                    <a:lumOff val="-7127"/>
+                  </a:schemeClr>
+                </a:solidFill>
+              </a:defRPr>
+            </a:pPr>
+            <a:r>
+              <a:t>use </a:t>
+            </a:r>
+            <a:r>
+              <a:rPr>
+                <a:latin typeface="Courier"/>
+                <a:ea typeface="Courier"/>
+                <a:cs typeface="Courier"/>
+                <a:sym typeface="Courier"/>
+              </a:rPr>
+              <a:t>git commit</a:t>
+            </a:r>
+            <a:r>
+              <a:t> to make the snapshot: brings up a browser to add a commit message</a:t>
+            </a:r>
+          </a:p>
+          <a:p>
+            <a:pPr marL="597910" lvl="1" indent="-298955" defTabSz="381998">
+              <a:spcBef>
+                <a:spcPts val="0"/>
+              </a:spcBef>
+              <a:defRPr sz="2604">
+                <a:solidFill>
+                  <a:schemeClr val="accent6">
+                    <a:hueOff val="-10521704"/>
+                    <a:satOff val="-11099"/>
+                    <a:lumOff val="-7127"/>
+                  </a:schemeClr>
+                </a:solidFill>
+              </a:defRPr>
+            </a:pPr>
+            <a:r>
+              <a:t>or </a:t>
+            </a:r>
+            <a:r>
+              <a:rPr>
+                <a:latin typeface="Courier"/>
+                <a:ea typeface="Courier"/>
+                <a:cs typeface="Courier"/>
+                <a:sym typeface="Courier"/>
+              </a:rPr>
+              <a:t>git commit -m ‘your message here’</a:t>
+            </a:r>
+          </a:p>
+          <a:p>
+            <a:pPr marL="597910" lvl="1" indent="-298955" defTabSz="381998">
+              <a:spcBef>
+                <a:spcPts val="0"/>
+              </a:spcBef>
+              <a:defRPr sz="2604">
+                <a:solidFill>
+                  <a:schemeClr val="accent6">
+                    <a:hueOff val="-10521704"/>
+                    <a:satOff val="-11099"/>
+                    <a:lumOff val="-7127"/>
+                  </a:schemeClr>
+                </a:solidFill>
+              </a:defRPr>
+            </a:pPr>
+            <a:r>
+              <a:t>commit messages should be </a:t>
+            </a:r>
+            <a:r>
+              <a:rPr b="1">
+                <a:latin typeface="Helvetica Neue"/>
+                <a:ea typeface="Helvetica Neue"/>
+                <a:cs typeface="Helvetica Neue"/>
+                <a:sym typeface="Helvetica Neue"/>
+              </a:rPr>
+              <a:t>descriptive</a:t>
+            </a:r>
+          </a:p>
+          <a:p>
+            <a:pPr marL="298955" indent="-298955" defTabSz="381998">
+              <a:spcBef>
+                <a:spcPts val="0"/>
+              </a:spcBef>
+              <a:defRPr sz="3348">
+                <a:solidFill>
+                  <a:srgbClr val="000000"/>
+                </a:solidFill>
+              </a:defRPr>
+            </a:pPr>
+            <a:r>
+              <a:t>view the history</a:t>
+            </a:r>
+            <a:endParaRPr b="1">
+              <a:latin typeface="Helvetica Neue"/>
+              <a:ea typeface="Helvetica Neue"/>
+              <a:cs typeface="Helvetica Neue"/>
+              <a:sym typeface="Helvetica Neue"/>
+            </a:endParaRPr>
+          </a:p>
+          <a:p>
+            <a:pPr marL="597910" lvl="1" indent="-298955" defTabSz="381998">
+              <a:spcBef>
+                <a:spcPts val="0"/>
+              </a:spcBef>
+              <a:defRPr sz="2604">
+                <a:solidFill>
+                  <a:schemeClr val="accent6">
+                    <a:hueOff val="-10521704"/>
+                    <a:satOff val="-11099"/>
+                    <a:lumOff val="-7127"/>
+                  </a:schemeClr>
+                </a:solidFill>
+              </a:defRPr>
+            </a:pPr>
+            <a:r>
+              <a:rPr>
+                <a:latin typeface="Courier"/>
+                <a:ea typeface="Courier"/>
+                <a:cs typeface="Courier"/>
+                <a:sym typeface="Courier"/>
+              </a:rPr>
+              <a:t>git log</a:t>
+            </a:r>
+            <a:r>
+              <a:rPr>
+                <a:latin typeface="Helvetica Neue"/>
+                <a:ea typeface="Helvetica Neue"/>
+                <a:cs typeface="Helvetica Neue"/>
+                <a:sym typeface="Helvetica Neue"/>
+              </a:rPr>
+              <a:t>,</a:t>
+            </a:r>
+            <a:r>
+              <a:rPr>
+                <a:latin typeface="Courier"/>
+                <a:ea typeface="Courier"/>
+                <a:cs typeface="Courier"/>
+                <a:sym typeface="Courier"/>
+              </a:rPr>
+              <a:t> git show</a:t>
+            </a:r>
+          </a:p>
+        </p:txBody>
+      </p:sp>
+      <p:sp>
+        <p:nvSpPr>
+          <p:cNvPr id="2" name="Slide Number Placeholder 1">
+            <a:extLst>
+              <a:ext uri="{FF2B5EF4-FFF2-40B4-BE49-F238E27FC236}">
+                <a16:creationId xmlns:a16="http://schemas.microsoft.com/office/drawing/2014/main" id="{08F7A7D8-7EF7-ABD1-6CC9-6E8E6BB6F263}"/>
+              </a:ext>
+            </a:extLst>
+          </p:cNvPr>
+          <p:cNvSpPr>
+            <a:spLocks noGrp="1"/>
+          </p:cNvSpPr>
+          <p:nvPr>
+            <p:ph type="sldNum" sz="quarter" idx="2"/>
+          </p:nvPr>
+        </p:nvSpPr>
+        <p:spPr/>
+        <p:txBody>
+          <a:bodyPr/>
+          <a:lstStyle/>
+          <a:p>
+            <a:fld id="{86CB4B4D-7CA3-9044-876B-883B54F8677D}" type="slidenum">
+              <a:rPr lang="en-US" smtClean="0"/>
+              <a:t>16</a:t>
+            </a:fld>
+            <a:endParaRPr lang="en-US"/>
           </a:p>
         </p:txBody>
       </p:sp>
@@ -13938,7 +13901,7 @@
       </p:grpSpPr>
       <p:sp>
         <p:nvSpPr>
-          <p:cNvPr id="233" name="making changes"/>
+          <p:cNvPr id="238" name="syncing with the remote"/>
           <p:cNvSpPr txBox="1">
             <a:spLocks noGrp="1"/>
           </p:cNvSpPr>
@@ -13956,14 +13919,14 @@
           <a:lstStyle/>
           <a:p>
             <a:r>
-              <a:t>making changes</a:t>
-            </a:r>
-          </a:p>
-        </p:txBody>
-      </p:sp>
-      <p:sp>
-        <p:nvSpPr>
-          <p:cNvPr id="234" name="Check the status…"/>
+              <a:t>syncing with the remote</a:t>
+            </a:r>
+          </a:p>
+        </p:txBody>
+      </p:sp>
+      <p:sp>
+        <p:nvSpPr>
+          <p:cNvPr id="239" name="get snapshots from the remote…"/>
           <p:cNvSpPr txBox="1">
             <a:spLocks noGrp="1"/>
           </p:cNvSpPr>
@@ -13982,26 +13945,57 @@
           </a:bodyPr>
           <a:lstStyle/>
           <a:p>
-            <a:pPr marL="298955" indent="-298955" defTabSz="381998">
-              <a:spcBef>
-                <a:spcPts val="0"/>
-              </a:spcBef>
-              <a:defRPr sz="3348">
+            <a:pPr marL="305384" indent="-305384" defTabSz="390213">
+              <a:spcBef>
+                <a:spcPts val="0"/>
+              </a:spcBef>
+              <a:defRPr sz="3420">
                 <a:solidFill>
                   <a:srgbClr val="000000"/>
                 </a:solidFill>
               </a:defRPr>
             </a:pPr>
             <a:r>
-              <a:t>Check the status</a:t>
-            </a:r>
-          </a:p>
-          <a:p>
-            <a:pPr marL="597910" lvl="1" indent="-298955" defTabSz="381998">
-              <a:spcBef>
-                <a:spcPts val="0"/>
-              </a:spcBef>
-              <a:defRPr sz="2604">
+              <a:t>get snapshots from the remote</a:t>
+            </a:r>
+          </a:p>
+          <a:p>
+            <a:pPr marL="610769" lvl="1" indent="-305384" defTabSz="390213">
+              <a:spcBef>
+                <a:spcPts val="0"/>
+              </a:spcBef>
+              <a:defRPr sz="2660">
+                <a:solidFill>
+                  <a:schemeClr val="accent6">
+                    <a:hueOff val="-10521704"/>
+                    <a:satOff val="-11099"/>
+                    <a:lumOff val="-7127"/>
+                  </a:schemeClr>
+                </a:solidFill>
+              </a:defRPr>
+            </a:pPr>
+            <a:r>
+              <a:t>use </a:t>
+            </a:r>
+            <a:r>
+              <a:rPr>
+                <a:latin typeface="Courier"/>
+                <a:ea typeface="Courier"/>
+                <a:cs typeface="Courier"/>
+                <a:sym typeface="Courier"/>
+              </a:rPr>
+              <a:t>git fetch</a:t>
+            </a:r>
+            <a:r>
+              <a:t> to get the snapshots but not apply them to the local repo</a:t>
+            </a:r>
+          </a:p>
+          <a:p>
+            <a:pPr marL="610769" lvl="1" indent="-305384" defTabSz="390213">
+              <a:spcBef>
+                <a:spcPts val="0"/>
+              </a:spcBef>
+              <a:defRPr sz="2660">
                 <a:solidFill>
                   <a:schemeClr val="accent6">
                     <a:hueOff val="-10521704"/>
@@ -14024,49 +14018,15 @@
               <a:t>git status</a:t>
             </a:r>
             <a:r>
-              <a:t> to see what things have changed</a:t>
-            </a:r>
-          </a:p>
-          <a:p>
-            <a:pPr marL="597910" lvl="1" indent="-298955" defTabSz="381998">
-              <a:spcBef>
-                <a:spcPts val="0"/>
-              </a:spcBef>
-              <a:defRPr sz="2604">
-                <a:solidFill>
-                  <a:schemeClr val="accent6">
-                    <a:hueOff val="-10521704"/>
-                    <a:satOff val="-11099"/>
-                    <a:lumOff val="-7127"/>
-                  </a:schemeClr>
-                </a:solidFill>
-              </a:defRPr>
-            </a:pPr>
-            <a:r>
-              <a:t>use this command liberally — it’s always safe and helps you know what’s going on</a:t>
-            </a:r>
-          </a:p>
-          <a:p>
-            <a:pPr marL="298955" indent="-298955" defTabSz="381998">
-              <a:spcBef>
-                <a:spcPts val="0"/>
-              </a:spcBef>
-              <a:defRPr sz="3348">
-                <a:solidFill>
-                  <a:srgbClr val="000000"/>
-                </a:solidFill>
-              </a:defRPr>
-            </a:pPr>
-            <a:r>
-              <a:t>Identify all the changes you want to snapshot together</a:t>
-            </a:r>
-          </a:p>
-          <a:p>
-            <a:pPr marL="597910" lvl="1" indent="-298955" defTabSz="381998">
-              <a:spcBef>
-                <a:spcPts val="0"/>
-              </a:spcBef>
-              <a:defRPr sz="2604">
+              <a:t> to see differences between the local and remote</a:t>
+            </a:r>
+          </a:p>
+          <a:p>
+            <a:pPr marL="610769" lvl="1" indent="-305384" defTabSz="390213">
+              <a:spcBef>
+                <a:spcPts val="0"/>
+              </a:spcBef>
+              <a:defRPr sz="2660">
                 <a:solidFill>
                   <a:schemeClr val="accent6">
                     <a:hueOff val="-10521704"/>
@@ -14086,18 +14046,18 @@
                 <a:cs typeface="Courier"/>
                 <a:sym typeface="Courier"/>
               </a:rPr>
-              <a:t>git diff</a:t>
-            </a:r>
-            <a:r>
-              <a:t> to see what the changes are</a:t>
-            </a:r>
-          </a:p>
-          <a:p>
-            <a:pPr marL="597910" lvl="1" indent="-298955" defTabSz="381998">
-              <a:spcBef>
-                <a:spcPts val="0"/>
-              </a:spcBef>
-              <a:defRPr sz="2604">
+              <a:t>git merge</a:t>
+            </a:r>
+            <a:r>
+              <a:t> to apply the snapshots to the local repo</a:t>
+            </a:r>
+          </a:p>
+          <a:p>
+            <a:pPr marL="610769" lvl="1" indent="-305384" defTabSz="390213">
+              <a:spcBef>
+                <a:spcPts val="0"/>
+              </a:spcBef>
+              <a:defRPr sz="2660">
                 <a:solidFill>
                   <a:schemeClr val="accent6">
                     <a:hueOff val="-10521704"/>
@@ -14107,9 +14067,6 @@
                 </a:solidFill>
               </a:defRPr>
             </a:pPr>
-            <a:r>
-              <a:t>use </a:t>
-            </a:r>
             <a:r>
               <a:rPr>
                 <a:latin typeface="Courier"/>
@@ -14117,63 +14074,10 @@
                 <a:cs typeface="Courier"/>
                 <a:sym typeface="Courier"/>
               </a:rPr>
-              <a:t>git add &lt;file&gt;</a:t>
-            </a:r>
-            <a:r>
-              <a:t> to move changes to the staging area</a:t>
-            </a:r>
-          </a:p>
-          <a:p>
-            <a:pPr marL="597910" lvl="1" indent="-298955" defTabSz="381998">
-              <a:spcBef>
-                <a:spcPts val="0"/>
-              </a:spcBef>
-              <a:defRPr sz="2604">
-                <a:solidFill>
-                  <a:schemeClr val="accent6">
-                    <a:hueOff val="-10521704"/>
-                    <a:satOff val="-11099"/>
-                    <a:lumOff val="-7127"/>
-                  </a:schemeClr>
-                </a:solidFill>
-              </a:defRPr>
-            </a:pPr>
-            <a:r>
-              <a:t>only include changes that go together</a:t>
-            </a:r>
-          </a:p>
-          <a:p>
-            <a:pPr marL="298955" indent="-298955" defTabSz="381998">
-              <a:spcBef>
-                <a:spcPts val="0"/>
-              </a:spcBef>
-              <a:defRPr sz="3348">
-                <a:solidFill>
-                  <a:srgbClr val="000000"/>
-                </a:solidFill>
-              </a:defRPr>
-            </a:pPr>
-            <a:r>
-              <a:t>make the snapshot</a:t>
-            </a:r>
-          </a:p>
-          <a:p>
-            <a:pPr marL="597910" lvl="1" indent="-298955" defTabSz="381998">
-              <a:spcBef>
-                <a:spcPts val="0"/>
-              </a:spcBef>
-              <a:defRPr sz="2604">
-                <a:solidFill>
-                  <a:schemeClr val="accent6">
-                    <a:hueOff val="-10521704"/>
-                    <a:satOff val="-11099"/>
-                    <a:lumOff val="-7127"/>
-                  </a:schemeClr>
-                </a:solidFill>
-              </a:defRPr>
-            </a:pPr>
-            <a:r>
-              <a:t>use </a:t>
+              <a:t>git pull</a:t>
+            </a:r>
+            <a:r>
+              <a:t> is </a:t>
             </a:r>
             <a:r>
               <a:rPr>
@@ -14182,29 +14086,10 @@
                 <a:cs typeface="Courier"/>
                 <a:sym typeface="Courier"/>
               </a:rPr>
-              <a:t>git commit</a:t>
-            </a:r>
-            <a:r>
-              <a:t> to make the snapshot: brings up a browser to add a commit message</a:t>
-            </a:r>
-          </a:p>
-          <a:p>
-            <a:pPr marL="597910" lvl="1" indent="-298955" defTabSz="381998">
-              <a:spcBef>
-                <a:spcPts val="0"/>
-              </a:spcBef>
-              <a:defRPr sz="2604">
-                <a:solidFill>
-                  <a:schemeClr val="accent6">
-                    <a:hueOff val="-10521704"/>
-                    <a:satOff val="-11099"/>
-                    <a:lumOff val="-7127"/>
-                  </a:schemeClr>
-                </a:solidFill>
-              </a:defRPr>
-            </a:pPr>
-            <a:r>
-              <a:t>or </a:t>
+              <a:t>git fetch</a:t>
+            </a:r>
+            <a:r>
+              <a:t> immediately followed by </a:t>
             </a:r>
             <a:r>
               <a:rPr>
@@ -14213,15 +14098,46 @@
                 <a:cs typeface="Courier"/>
                 <a:sym typeface="Courier"/>
               </a:rPr>
-              <a:t>git commit -m ‘your message here’</a:t>
-            </a:r>
-          </a:p>
-          <a:p>
-            <a:pPr marL="597910" lvl="1" indent="-298955" defTabSz="381998">
-              <a:spcBef>
-                <a:spcPts val="0"/>
-              </a:spcBef>
-              <a:defRPr sz="2604">
+              <a:t>git merge </a:t>
+            </a:r>
+            <a:r>
+              <a:t>but doesn’t let you examine the snapshots before applying them</a:t>
+            </a:r>
+          </a:p>
+          <a:p>
+            <a:pPr marL="305384" indent="-305384" defTabSz="390213">
+              <a:spcBef>
+                <a:spcPts val="0"/>
+              </a:spcBef>
+              <a:defRPr sz="3420">
+                <a:solidFill>
+                  <a:srgbClr val="000000"/>
+                </a:solidFill>
+              </a:defRPr>
+            </a:pPr>
+            <a:endParaRPr/>
+          </a:p>
+          <a:p>
+            <a:pPr marL="305384" indent="-305384" defTabSz="390213">
+              <a:spcBef>
+                <a:spcPts val="0"/>
+              </a:spcBef>
+              <a:defRPr sz="3420">
+                <a:solidFill>
+                  <a:srgbClr val="000000"/>
+                </a:solidFill>
+              </a:defRPr>
+            </a:pPr>
+            <a:r>
+              <a:t>send your snapshots to the remote</a:t>
+            </a:r>
+          </a:p>
+          <a:p>
+            <a:pPr marL="610769" lvl="1" indent="-305384" defTabSz="390213">
+              <a:spcBef>
+                <a:spcPts val="0"/>
+              </a:spcBef>
+              <a:defRPr sz="2660">
                 <a:solidFill>
                   <a:schemeClr val="accent6">
                     <a:hueOff val="-10521704"/>
@@ -14232,24 +14148,59 @@
               </a:defRPr>
             </a:pPr>
             <a:r>
-              <a:t>commit messages should be </a:t>
-            </a:r>
-            <a:r>
-              <a:rPr b="1">
-                <a:latin typeface="Helvetica Neue"/>
-                <a:ea typeface="Helvetica Neue"/>
-                <a:cs typeface="Helvetica Neue"/>
-                <a:sym typeface="Helvetica Neue"/>
+              <a:t>use </a:t>
+            </a:r>
+            <a:r>
+              <a:rPr>
+                <a:latin typeface="Courier"/>
+                <a:ea typeface="Courier"/>
+                <a:cs typeface="Courier"/>
+                <a:sym typeface="Courier"/>
               </a:rPr>
-              <a:t>descriptive</a:t>
-            </a:r>
-          </a:p>
-          <a:p>
-            <a:pPr marL="298955" indent="-298955" defTabSz="381998">
-              <a:spcBef>
-                <a:spcPts val="0"/>
-              </a:spcBef>
-              <a:defRPr sz="3348">
+              <a:t>git push</a:t>
+            </a:r>
+            <a:r>
+              <a:t> to send your local snapshots to the remote</a:t>
+            </a:r>
+          </a:p>
+          <a:p>
+            <a:pPr marL="610769" lvl="1" indent="-305384" defTabSz="390213">
+              <a:spcBef>
+                <a:spcPts val="0"/>
+              </a:spcBef>
+              <a:defRPr sz="2660">
+                <a:solidFill>
+                  <a:schemeClr val="accent6">
+                    <a:hueOff val="-10521704"/>
+                    <a:satOff val="-11099"/>
+                    <a:lumOff val="-7127"/>
+                  </a:schemeClr>
+                </a:solidFill>
+              </a:defRPr>
+            </a:pPr>
+            <a:r>
+              <a:t>git will not let you push if there are snapshots on the remote that you have not yet merged into your local repository</a:t>
+            </a:r>
+          </a:p>
+          <a:p>
+            <a:pPr marL="305384" indent="-305384" defTabSz="390213">
+              <a:spcBef>
+                <a:spcPts val="0"/>
+              </a:spcBef>
+              <a:defRPr sz="3420">
+                <a:solidFill>
+                  <a:srgbClr val="000000"/>
+                </a:solidFill>
+              </a:defRPr>
+            </a:pPr>
+            <a:endParaRPr/>
+          </a:p>
+          <a:p>
+            <a:pPr marL="305384" indent="-305384" defTabSz="390213">
+              <a:spcBef>
+                <a:spcPts val="0"/>
+              </a:spcBef>
+              <a:defRPr sz="3420">
                 <a:solidFill>
                   <a:srgbClr val="000000"/>
                 </a:solidFill>
@@ -14266,11 +14217,11 @@
             </a:endParaRPr>
           </a:p>
           <a:p>
-            <a:pPr marL="597910" lvl="1" indent="-298955" defTabSz="381998">
-              <a:spcBef>
-                <a:spcPts val="0"/>
-              </a:spcBef>
-              <a:defRPr sz="2604">
+            <a:pPr marL="610769" lvl="1" indent="-305384" defTabSz="390213">
+              <a:spcBef>
+                <a:spcPts val="0"/>
+              </a:spcBef>
+              <a:defRPr sz="2660">
                 <a:solidFill>
                   <a:schemeClr val="accent6">
                     <a:hueOff val="-10521704"/>
@@ -14307,6 +14258,35 @@
               </a:rPr>
               <a:t> git show</a:t>
             </a:r>
+          </a:p>
+        </p:txBody>
+      </p:sp>
+      <p:sp>
+        <p:nvSpPr>
+          <p:cNvPr id="2" name="Slide Number Placeholder 1">
+            <a:extLst>
+              <a:ext uri="{FF2B5EF4-FFF2-40B4-BE49-F238E27FC236}">
+                <a16:creationId xmlns:a16="http://schemas.microsoft.com/office/drawing/2014/main" id="{76E608C1-A972-9893-2F20-010F1B5D2797}"/>
+              </a:ext>
+            </a:extLst>
+          </p:cNvPr>
+          <p:cNvSpPr>
+            <a:spLocks noGrp="1"/>
+          </p:cNvSpPr>
+          <p:nvPr>
+            <p:ph type="sldNum" sz="quarter" idx="2"/>
+          </p:nvPr>
+        </p:nvSpPr>
+        <p:spPr/>
+        <p:txBody>
+          <a:bodyPr/>
+          <a:lstStyle/>
+          <a:p>
+            <a:fld id="{86CB4B4D-7CA3-9044-876B-883B54F8677D}" type="slidenum">
+              <a:rPr lang="en-US" smtClean="0"/>
+              <a:t>17</a:t>
+            </a:fld>
+            <a:endParaRPr lang="en-US"/>
           </a:p>
         </p:txBody>
       </p:sp>
@@ -14338,7 +14318,7 @@
       </p:grpSpPr>
       <p:sp>
         <p:nvSpPr>
-          <p:cNvPr id="238" name="syncing with the remote"/>
+          <p:cNvPr id="243" name="branching"/>
           <p:cNvSpPr txBox="1">
             <a:spLocks noGrp="1"/>
           </p:cNvSpPr>
@@ -14356,14 +14336,14 @@
           <a:lstStyle/>
           <a:p>
             <a:r>
-              <a:t>syncing with the remote</a:t>
-            </a:r>
-          </a:p>
-        </p:txBody>
-      </p:sp>
-      <p:sp>
-        <p:nvSpPr>
-          <p:cNvPr id="239" name="get snapshots from the remote…"/>
+              <a:t>branching</a:t>
+            </a:r>
+          </a:p>
+        </p:txBody>
+      </p:sp>
+      <p:sp>
+        <p:nvSpPr>
+          <p:cNvPr id="244" name="create a new branch and switch to it…"/>
           <p:cNvSpPr txBox="1">
             <a:spLocks noGrp="1"/>
           </p:cNvSpPr>
@@ -14378,30 +14358,37 @@
         </p:spPr>
         <p:txBody>
           <a:bodyPr>
-            <a:normAutofit fontScale="77500" lnSpcReduction="20000"/>
+            <a:normAutofit fontScale="85000" lnSpcReduction="20000"/>
           </a:bodyPr>
           <a:lstStyle/>
           <a:p>
-            <a:pPr marL="305384" indent="-305384" defTabSz="390213">
-              <a:spcBef>
-                <a:spcPts val="0"/>
-              </a:spcBef>
-              <a:defRPr sz="3420">
+            <a:pPr>
+              <a:spcBef>
+                <a:spcPts val="0"/>
+              </a:spcBef>
+              <a:spcAft>
+                <a:spcPts val="703"/>
+              </a:spcAft>
+              <a:defRPr>
                 <a:solidFill>
                   <a:srgbClr val="000000"/>
                 </a:solidFill>
               </a:defRPr>
             </a:pPr>
             <a:r>
-              <a:t>get snapshots from the remote</a:t>
-            </a:r>
-          </a:p>
-          <a:p>
-            <a:pPr marL="610769" lvl="1" indent="-305384" defTabSz="390213">
-              <a:spcBef>
-                <a:spcPts val="0"/>
-              </a:spcBef>
-              <a:defRPr sz="2660">
+              <a:rPr dirty="0"/>
+              <a:t>create a new branch and switch to it</a:t>
+            </a:r>
+          </a:p>
+          <a:p>
+            <a:pPr lvl="1">
+              <a:spcBef>
+                <a:spcPts val="0"/>
+              </a:spcBef>
+              <a:spcAft>
+                <a:spcPts val="703"/>
+              </a:spcAft>
+              <a:defRPr sz="2800">
                 <a:solidFill>
                   <a:schemeClr val="accent6">
                     <a:hueOff val="-10521704"/>
@@ -14412,27 +14399,50 @@
               </a:defRPr>
             </a:pPr>
             <a:r>
+              <a:rPr dirty="0"/>
               <a:t>use </a:t>
             </a:r>
             <a:r>
-              <a:rPr>
+              <a:rPr dirty="0">
                 <a:latin typeface="Courier"/>
                 <a:ea typeface="Courier"/>
                 <a:cs typeface="Courier"/>
                 <a:sym typeface="Courier"/>
               </a:rPr>
-              <a:t>git fetch</a:t>
-            </a:r>
-            <a:r>
-              <a:t> to get the snapshots but not apply them to the local repo</a:t>
-            </a:r>
-          </a:p>
-          <a:p>
-            <a:pPr marL="610769" lvl="1" indent="-305384" defTabSz="390213">
-              <a:spcBef>
-                <a:spcPts val="0"/>
-              </a:spcBef>
-              <a:defRPr sz="2660">
+              <a:t>git checkout -b &lt;</a:t>
+            </a:r>
+            <a:r>
+              <a:rPr dirty="0" err="1">
+                <a:latin typeface="Courier"/>
+                <a:ea typeface="Courier"/>
+                <a:cs typeface="Courier"/>
+                <a:sym typeface="Courier"/>
+              </a:rPr>
+              <a:t>branch_name</a:t>
+            </a:r>
+            <a:r>
+              <a:rPr dirty="0">
+                <a:latin typeface="Courier"/>
+                <a:ea typeface="Courier"/>
+                <a:cs typeface="Courier"/>
+                <a:sym typeface="Courier"/>
+              </a:rPr>
+              <a:t>&gt;</a:t>
+            </a:r>
+            <a:r>
+              <a:rPr dirty="0"/>
+              <a:t> to create the branch and switch to it</a:t>
+            </a:r>
+          </a:p>
+          <a:p>
+            <a:pPr lvl="1">
+              <a:spcBef>
+                <a:spcPts val="0"/>
+              </a:spcBef>
+              <a:spcAft>
+                <a:spcPts val="703"/>
+              </a:spcAft>
+              <a:defRPr sz="2800">
                 <a:solidFill>
                   <a:schemeClr val="accent6">
                     <a:hueOff val="-10521704"/>
@@ -14443,27 +14453,88 @@
               </a:defRPr>
             </a:pPr>
             <a:r>
-              <a:t>use </a:t>
-            </a:r>
-            <a:r>
-              <a:rPr>
+              <a:rPr dirty="0"/>
+              <a:t>for existing branches, use </a:t>
+            </a:r>
+            <a:r>
+              <a:rPr dirty="0">
                 <a:latin typeface="Courier"/>
                 <a:ea typeface="Courier"/>
                 <a:cs typeface="Courier"/>
                 <a:sym typeface="Courier"/>
               </a:rPr>
-              <a:t>git status</a:t>
-            </a:r>
-            <a:r>
-              <a:t> to see differences between the local and remote</a:t>
-            </a:r>
-          </a:p>
-          <a:p>
-            <a:pPr marL="610769" lvl="1" indent="-305384" defTabSz="390213">
-              <a:spcBef>
-                <a:spcPts val="0"/>
-              </a:spcBef>
-              <a:defRPr sz="2660">
+              <a:t>git checkout &lt;</a:t>
+            </a:r>
+            <a:r>
+              <a:rPr dirty="0" err="1">
+                <a:latin typeface="Courier"/>
+                <a:ea typeface="Courier"/>
+                <a:cs typeface="Courier"/>
+                <a:sym typeface="Courier"/>
+              </a:rPr>
+              <a:t>branch_name</a:t>
+            </a:r>
+            <a:r>
+              <a:rPr dirty="0">
+                <a:latin typeface="Courier"/>
+                <a:ea typeface="Courier"/>
+                <a:cs typeface="Courier"/>
+                <a:sym typeface="Courier"/>
+              </a:rPr>
+              <a:t>&gt;</a:t>
+            </a:r>
+            <a:r>
+              <a:rPr dirty="0"/>
+              <a:t> to switch to that branch</a:t>
+            </a:r>
+          </a:p>
+          <a:p>
+            <a:pPr>
+              <a:spcBef>
+                <a:spcPts val="0"/>
+              </a:spcBef>
+              <a:spcAft>
+                <a:spcPts val="703"/>
+              </a:spcAft>
+              <a:defRPr>
+                <a:solidFill>
+                  <a:srgbClr val="000000"/>
+                </a:solidFill>
+              </a:defRPr>
+            </a:pPr>
+            <a:r>
+              <a:rPr dirty="0"/>
+              <a:t>make changes and snapshots on that branch</a:t>
+            </a:r>
+          </a:p>
+          <a:p>
+            <a:pPr>
+              <a:spcBef>
+                <a:spcPts val="0"/>
+              </a:spcBef>
+              <a:spcAft>
+                <a:spcPts val="703"/>
+              </a:spcAft>
+              <a:defRPr>
+                <a:solidFill>
+                  <a:srgbClr val="000000"/>
+                </a:solidFill>
+              </a:defRPr>
+            </a:pPr>
+            <a:r>
+              <a:rPr dirty="0"/>
+              <a:t>push the branch up to the remote</a:t>
+            </a:r>
+          </a:p>
+          <a:p>
+            <a:pPr lvl="1">
+              <a:spcBef>
+                <a:spcPts val="0"/>
+              </a:spcBef>
+              <a:spcAft>
+                <a:spcPts val="703"/>
+              </a:spcAft>
+              <a:defRPr sz="2800">
                 <a:solidFill>
                   <a:schemeClr val="accent6">
                     <a:hueOff val="-10521704"/>
@@ -14474,27 +14545,50 @@
               </a:defRPr>
             </a:pPr>
             <a:r>
+              <a:rPr dirty="0"/>
               <a:t>use </a:t>
             </a:r>
             <a:r>
-              <a:rPr>
+              <a:rPr dirty="0">
                 <a:latin typeface="Courier"/>
                 <a:ea typeface="Courier"/>
                 <a:cs typeface="Courier"/>
                 <a:sym typeface="Courier"/>
               </a:rPr>
-              <a:t>git merge</a:t>
-            </a:r>
-            <a:r>
-              <a:t> to apply the snapshots to the local repo</a:t>
-            </a:r>
-          </a:p>
-          <a:p>
-            <a:pPr marL="610769" lvl="1" indent="-305384" defTabSz="390213">
-              <a:spcBef>
-                <a:spcPts val="0"/>
-              </a:spcBef>
-              <a:defRPr sz="2660">
+              <a:t>git push --set-upstream origin &lt;</a:t>
+            </a:r>
+            <a:r>
+              <a:rPr dirty="0" err="1">
+                <a:latin typeface="Courier"/>
+                <a:ea typeface="Courier"/>
+                <a:cs typeface="Courier"/>
+                <a:sym typeface="Courier"/>
+              </a:rPr>
+              <a:t>branch_name</a:t>
+            </a:r>
+            <a:r>
+              <a:rPr dirty="0">
+                <a:latin typeface="Courier"/>
+                <a:ea typeface="Courier"/>
+                <a:cs typeface="Courier"/>
+                <a:sym typeface="Courier"/>
+              </a:rPr>
+              <a:t>&gt; </a:t>
+            </a:r>
+            <a:r>
+              <a:rPr dirty="0"/>
+              <a:t>to make a branch on the remote that tracks your new local branch</a:t>
+            </a:r>
+          </a:p>
+          <a:p>
+            <a:pPr lvl="1">
+              <a:spcBef>
+                <a:spcPts val="0"/>
+              </a:spcBef>
+              <a:spcAft>
+                <a:spcPts val="703"/>
+              </a:spcAft>
+              <a:defRPr sz="2800">
                 <a:solidFill>
                   <a:schemeClr val="accent6">
                     <a:hueOff val="-10521704"/>
@@ -14505,76 +14599,38 @@
               </a:defRPr>
             </a:pPr>
             <a:r>
-              <a:rPr>
-                <a:latin typeface="Courier"/>
-                <a:ea typeface="Courier"/>
-                <a:cs typeface="Courier"/>
-                <a:sym typeface="Courier"/>
-              </a:rPr>
-              <a:t>git pull</a:t>
-            </a:r>
-            <a:r>
-              <a:t> is </a:t>
-            </a:r>
-            <a:r>
-              <a:rPr>
-                <a:latin typeface="Courier"/>
-                <a:ea typeface="Courier"/>
-                <a:cs typeface="Courier"/>
-                <a:sym typeface="Courier"/>
-              </a:rPr>
-              <a:t>git fetch</a:t>
-            </a:r>
-            <a:r>
-              <a:t> immediately followed by </a:t>
-            </a:r>
-            <a:r>
-              <a:rPr>
-                <a:latin typeface="Courier"/>
-                <a:ea typeface="Courier"/>
-                <a:cs typeface="Courier"/>
-                <a:sym typeface="Courier"/>
-              </a:rPr>
-              <a:t>git merge </a:t>
-            </a:r>
-            <a:r>
-              <a:t>but doesn’t let you examine the snapshots before applying them</a:t>
-            </a:r>
-          </a:p>
-          <a:p>
-            <a:pPr marL="305384" indent="-305384" defTabSz="390213">
-              <a:spcBef>
-                <a:spcPts val="0"/>
-              </a:spcBef>
-              <a:defRPr sz="3420">
+              <a:rPr dirty="0"/>
+              <a:t>make more changes and snapshots and push/pull</a:t>
+            </a:r>
+          </a:p>
+          <a:p>
+            <a:pPr>
+              <a:spcBef>
+                <a:spcPts val="0"/>
+              </a:spcBef>
+              <a:spcAft>
+                <a:spcPts val="703"/>
+              </a:spcAft>
+              <a:defRPr>
                 <a:solidFill>
                   <a:srgbClr val="000000"/>
                 </a:solidFill>
               </a:defRPr>
             </a:pPr>
-            <a:endParaRPr/>
-          </a:p>
-          <a:p>
-            <a:pPr marL="305384" indent="-305384" defTabSz="390213">
-              <a:spcBef>
-                <a:spcPts val="0"/>
-              </a:spcBef>
-              <a:defRPr sz="3420">
-                <a:solidFill>
-                  <a:srgbClr val="000000"/>
-                </a:solidFill>
-              </a:defRPr>
-            </a:pPr>
-            <a:r>
-              <a:t>send your snapshots to the remote</a:t>
-            </a:r>
-          </a:p>
-          <a:p>
-            <a:pPr marL="610769" lvl="1" indent="-305384" defTabSz="390213">
-              <a:spcBef>
-                <a:spcPts val="0"/>
-              </a:spcBef>
-              <a:defRPr sz="2660">
+            <a:r>
+              <a:rPr dirty="0"/>
+              <a:t>to merge the branch into the main, make a pull request</a:t>
+            </a:r>
+          </a:p>
+          <a:p>
+            <a:pPr lvl="1">
+              <a:spcBef>
+                <a:spcPts val="0"/>
+              </a:spcBef>
+              <a:spcAft>
+                <a:spcPts val="703"/>
+              </a:spcAft>
+              <a:defRPr sz="2800">
                 <a:solidFill>
                   <a:schemeClr val="accent6">
                     <a:hueOff val="-10521704"/>
@@ -14585,116 +14641,38 @@
               </a:defRPr>
             </a:pPr>
             <a:r>
-              <a:t>use </a:t>
-            </a:r>
-            <a:r>
-              <a:rPr>
-                <a:latin typeface="Courier"/>
-                <a:ea typeface="Courier"/>
-                <a:cs typeface="Courier"/>
-                <a:sym typeface="Courier"/>
-              </a:rPr>
-              <a:t>git push</a:t>
-            </a:r>
-            <a:r>
-              <a:t> to send your local snapshots to the remote</a:t>
-            </a:r>
-          </a:p>
-          <a:p>
-            <a:pPr marL="610769" lvl="1" indent="-305384" defTabSz="390213">
-              <a:spcBef>
-                <a:spcPts val="0"/>
-              </a:spcBef>
-              <a:defRPr sz="2660">
-                <a:solidFill>
-                  <a:schemeClr val="accent6">
-                    <a:hueOff val="-10521704"/>
-                    <a:satOff val="-11099"/>
-                    <a:lumOff val="-7127"/>
-                  </a:schemeClr>
-                </a:solidFill>
-              </a:defRPr>
-            </a:pPr>
-            <a:r>
-              <a:t>git will not let you push if there are snapshots on the remote that you have not yet merged into your local repository</a:t>
-            </a:r>
-          </a:p>
-          <a:p>
-            <a:pPr marL="305384" indent="-305384" defTabSz="390213">
-              <a:spcBef>
-                <a:spcPts val="0"/>
-              </a:spcBef>
-              <a:defRPr sz="3420">
-                <a:solidFill>
-                  <a:srgbClr val="000000"/>
-                </a:solidFill>
-              </a:defRPr>
-            </a:pPr>
-            <a:endParaRPr/>
-          </a:p>
-          <a:p>
-            <a:pPr marL="305384" indent="-305384" defTabSz="390213">
-              <a:spcBef>
-                <a:spcPts val="0"/>
-              </a:spcBef>
-              <a:defRPr sz="3420">
-                <a:solidFill>
-                  <a:srgbClr val="000000"/>
-                </a:solidFill>
-              </a:defRPr>
-            </a:pPr>
-            <a:r>
-              <a:t>view the history</a:t>
-            </a:r>
-            <a:endParaRPr b="1">
-              <a:latin typeface="Helvetica Neue"/>
-              <a:ea typeface="Helvetica Neue"/>
-              <a:cs typeface="Helvetica Neue"/>
-              <a:sym typeface="Helvetica Neue"/>
-            </a:endParaRPr>
-          </a:p>
-          <a:p>
-            <a:pPr marL="610769" lvl="1" indent="-305384" defTabSz="390213">
-              <a:spcBef>
-                <a:spcPts val="0"/>
-              </a:spcBef>
-              <a:defRPr sz="2660">
-                <a:solidFill>
-                  <a:schemeClr val="accent6">
-                    <a:hueOff val="-10521704"/>
-                    <a:satOff val="-11099"/>
-                    <a:lumOff val="-7127"/>
-                  </a:schemeClr>
-                </a:solidFill>
-              </a:defRPr>
-            </a:pPr>
-            <a:r>
-              <a:rPr>
-                <a:latin typeface="Courier"/>
-                <a:ea typeface="Courier"/>
-                <a:cs typeface="Courier"/>
-                <a:sym typeface="Courier"/>
-              </a:rPr>
-              <a:t>git log</a:t>
-            </a:r>
-            <a:r>
-              <a:rPr>
-                <a:latin typeface="Helvetica Neue"/>
-                <a:ea typeface="Helvetica Neue"/>
-                <a:cs typeface="Helvetica Neue"/>
-                <a:sym typeface="Helvetica Neue"/>
-              </a:rPr>
-              <a:t>,</a:t>
-            </a:r>
-            <a:r>
-              <a:rPr>
-                <a:latin typeface="Courier"/>
-                <a:ea typeface="Courier"/>
-                <a:cs typeface="Courier"/>
-                <a:sym typeface="Courier"/>
-              </a:rPr>
-              <a:t> git show</a:t>
-            </a:r>
+              <a:rPr dirty="0"/>
+              <a:t>leads to a code review</a:t>
+            </a:r>
+          </a:p>
+        </p:txBody>
+      </p:sp>
+      <p:sp>
+        <p:nvSpPr>
+          <p:cNvPr id="2" name="Slide Number Placeholder 1">
+            <a:extLst>
+              <a:ext uri="{FF2B5EF4-FFF2-40B4-BE49-F238E27FC236}">
+                <a16:creationId xmlns:a16="http://schemas.microsoft.com/office/drawing/2014/main" id="{8092886C-24D3-CCFA-EF2B-6D39E7A268CE}"/>
+              </a:ext>
+            </a:extLst>
+          </p:cNvPr>
+          <p:cNvSpPr>
+            <a:spLocks noGrp="1"/>
+          </p:cNvSpPr>
+          <p:nvPr>
+            <p:ph type="sldNum" sz="quarter" idx="2"/>
+          </p:nvPr>
+        </p:nvSpPr>
+        <p:spPr/>
+        <p:txBody>
+          <a:bodyPr/>
+          <a:lstStyle/>
+          <a:p>
+            <a:fld id="{86CB4B4D-7CA3-9044-876B-883B54F8677D}" type="slidenum">
+              <a:rPr lang="en-US" smtClean="0"/>
+              <a:t>18</a:t>
+            </a:fld>
+            <a:endParaRPr lang="en-US"/>
           </a:p>
         </p:txBody>
       </p:sp>
@@ -14726,7 +14704,7 @@
       </p:grpSpPr>
       <p:sp>
         <p:nvSpPr>
-          <p:cNvPr id="243" name="branching"/>
+          <p:cNvPr id="246" name="merging vs rebasing branches"/>
           <p:cNvSpPr txBox="1">
             <a:spLocks noGrp="1"/>
           </p:cNvSpPr>
@@ -14744,14 +14722,14 @@
           <a:lstStyle/>
           <a:p>
             <a:r>
-              <a:t>branching</a:t>
-            </a:r>
-          </a:p>
-        </p:txBody>
-      </p:sp>
-      <p:sp>
-        <p:nvSpPr>
-          <p:cNvPr id="244" name="create a new branch and switch to it…"/>
+              <a:t>merging vs rebasing branches</a:t>
+            </a:r>
+          </a:p>
+        </p:txBody>
+      </p:sp>
+      <p:sp>
+        <p:nvSpPr>
+          <p:cNvPr id="247" name="merging in branches is straightforward, but can result in a somewhat complicated graph…"/>
           <p:cNvSpPr txBox="1">
             <a:spLocks noGrp="1"/>
           </p:cNvSpPr>
@@ -14765,9 +14743,7 @@
           </a:prstGeom>
         </p:spPr>
         <p:txBody>
-          <a:bodyPr>
-            <a:normAutofit fontScale="85000" lnSpcReduction="20000"/>
-          </a:bodyPr>
+          <a:bodyPr/>
           <a:lstStyle/>
           <a:p>
             <a:pPr>
@@ -14785,115 +14761,7 @@
             </a:pPr>
             <a:r>
               <a:rPr dirty="0"/>
-              <a:t>create a new branch and switch to it</a:t>
-            </a:r>
-          </a:p>
-          <a:p>
-            <a:pPr lvl="1">
-              <a:spcBef>
-                <a:spcPts val="0"/>
-              </a:spcBef>
-              <a:spcAft>
-                <a:spcPts val="703"/>
-              </a:spcAft>
-              <a:defRPr sz="2800">
-                <a:solidFill>
-                  <a:schemeClr val="accent6">
-                    <a:hueOff val="-10521704"/>
-                    <a:satOff val="-11099"/>
-                    <a:lumOff val="-7127"/>
-                  </a:schemeClr>
-                </a:solidFill>
-              </a:defRPr>
-            </a:pPr>
-            <a:r>
-              <a:rPr dirty="0"/>
-              <a:t>use </a:t>
-            </a:r>
-            <a:r>
-              <a:rPr dirty="0">
-                <a:latin typeface="Courier"/>
-                <a:ea typeface="Courier"/>
-                <a:cs typeface="Courier"/>
-                <a:sym typeface="Courier"/>
-              </a:rPr>
-              <a:t>git checkout -b &lt;</a:t>
-            </a:r>
-            <a:r>
-              <a:rPr dirty="0" err="1">
-                <a:latin typeface="Courier"/>
-                <a:ea typeface="Courier"/>
-                <a:cs typeface="Courier"/>
-                <a:sym typeface="Courier"/>
-              </a:rPr>
-              <a:t>branch_name</a:t>
-            </a:r>
-            <a:r>
-              <a:rPr dirty="0">
-                <a:latin typeface="Courier"/>
-                <a:ea typeface="Courier"/>
-                <a:cs typeface="Courier"/>
-                <a:sym typeface="Courier"/>
-              </a:rPr>
-              <a:t>&gt;</a:t>
-            </a:r>
-            <a:r>
-              <a:rPr dirty="0"/>
-              <a:t> to create the branch and switch to it</a:t>
-            </a:r>
-          </a:p>
-          <a:p>
-            <a:pPr lvl="1">
-              <a:spcBef>
-                <a:spcPts val="0"/>
-              </a:spcBef>
-              <a:spcAft>
-                <a:spcPts val="703"/>
-              </a:spcAft>
-              <a:defRPr sz="2800">
-                <a:solidFill>
-                  <a:schemeClr val="accent6">
-                    <a:hueOff val="-10521704"/>
-                    <a:satOff val="-11099"/>
-                    <a:lumOff val="-7127"/>
-                  </a:schemeClr>
-                </a:solidFill>
-              </a:defRPr>
-            </a:pPr>
-            <a:r>
-              <a:rPr dirty="0"/>
-              <a:t>for existing branches, use </a:t>
-            </a:r>
-            <a:r>
-              <a:rPr dirty="0">
-                <a:latin typeface="Courier"/>
-                <a:ea typeface="Courier"/>
-                <a:cs typeface="Courier"/>
-                <a:sym typeface="Courier"/>
-              </a:rPr>
-              <a:t>git checkout &lt;</a:t>
-            </a:r>
-            <a:r>
-              <a:rPr dirty="0" err="1">
-                <a:latin typeface="Courier"/>
-                <a:ea typeface="Courier"/>
-                <a:cs typeface="Courier"/>
-                <a:sym typeface="Courier"/>
-              </a:rPr>
-              <a:t>branch_name</a:t>
-            </a:r>
-            <a:r>
-              <a:rPr dirty="0">
-                <a:latin typeface="Courier"/>
-                <a:ea typeface="Courier"/>
-                <a:cs typeface="Courier"/>
-                <a:sym typeface="Courier"/>
-              </a:rPr>
-              <a:t>&gt;</a:t>
-            </a:r>
-            <a:r>
-              <a:rPr dirty="0"/>
-              <a:t> to switch to that branch</a:t>
+              <a:t>merging in branches is straightforward, but can result in a somewhat complicated graph</a:t>
             </a:r>
           </a:p>
           <a:p>
@@ -14912,7 +14780,7 @@
             </a:pPr>
             <a:r>
               <a:rPr dirty="0"/>
-              <a:t>make changes and snapshots on that branch</a:t>
+              <a:t>rebasing is an alternative approach that results in a neat, linear graph at the expense of rewriting history</a:t>
             </a:r>
           </a:p>
           <a:p>
@@ -14931,7 +14799,7 @@
             </a:pPr>
             <a:r>
               <a:rPr dirty="0"/>
-              <a:t>push the branch up to the remote</a:t>
+              <a:t>rebasing effectively moves the location that a branch leaves the tree</a:t>
             </a:r>
           </a:p>
           <a:p>
@@ -14942,50 +14810,10 @@
               <a:spcAft>
                 <a:spcPts val="703"/>
               </a:spcAft>
-              <a:defRPr sz="2800">
-                <a:solidFill>
-                  <a:schemeClr val="accent6">
-                    <a:hueOff val="-10521704"/>
-                    <a:satOff val="-11099"/>
-                    <a:lumOff val="-7127"/>
-                  </a:schemeClr>
-                </a:solidFill>
-              </a:defRPr>
-            </a:pPr>
-            <a:r>
-              <a:rPr dirty="0"/>
-              <a:t>use </a:t>
-            </a:r>
-            <a:r>
-              <a:rPr dirty="0">
-                <a:latin typeface="Courier"/>
-                <a:ea typeface="Courier"/>
-                <a:cs typeface="Courier"/>
-                <a:sym typeface="Courier"/>
-              </a:rPr>
-              <a:t>git push --set-upstream origin &lt;</a:t>
-            </a:r>
-            <a:r>
-              <a:rPr dirty="0" err="1">
-                <a:latin typeface="Courier"/>
-                <a:ea typeface="Courier"/>
-                <a:cs typeface="Courier"/>
-                <a:sym typeface="Courier"/>
-              </a:rPr>
-              <a:t>branch_name</a:t>
-            </a:r>
-            <a:r>
-              <a:rPr dirty="0">
-                <a:latin typeface="Courier"/>
-                <a:ea typeface="Courier"/>
-                <a:cs typeface="Courier"/>
-                <a:sym typeface="Courier"/>
-              </a:rPr>
-              <a:t>&gt; </a:t>
-            </a:r>
-            <a:r>
-              <a:rPr dirty="0"/>
-              <a:t>to make a branch on the remote that tracks your new local branch</a:t>
+            </a:pPr>
+            <a:r>
+              <a:rPr sz="1969" dirty="0"/>
+              <a:t>can be used to place branches at the tip of the master branch to avoid having to merge</a:t>
             </a:r>
           </a:p>
           <a:p>
@@ -14996,62 +14824,40 @@
               <a:spcAft>
                 <a:spcPts val="703"/>
               </a:spcAft>
-              <a:defRPr sz="2800">
-                <a:solidFill>
-                  <a:schemeClr val="accent6">
-                    <a:hueOff val="-10521704"/>
-                    <a:satOff val="-11099"/>
-                    <a:lumOff val="-7127"/>
-                  </a:schemeClr>
-                </a:solidFill>
-              </a:defRPr>
-            </a:pPr>
-            <a:r>
-              <a:rPr dirty="0"/>
-              <a:t>make more changes and snapshots and push/pull</a:t>
-            </a:r>
-          </a:p>
-          <a:p>
-            <a:pPr>
-              <a:spcBef>
-                <a:spcPts val="0"/>
-              </a:spcBef>
-              <a:spcAft>
-                <a:spcPts val="703"/>
-              </a:spcAft>
-              <a:defRPr>
-                <a:solidFill>
-                  <a:srgbClr val="000000"/>
-                </a:solidFill>
-              </a:defRPr>
-            </a:pPr>
-            <a:r>
-              <a:rPr dirty="0"/>
-              <a:t>to merge the branch into the main, make a pull request</a:t>
-            </a:r>
-          </a:p>
-          <a:p>
-            <a:pPr lvl="1">
-              <a:spcBef>
-                <a:spcPts val="0"/>
-              </a:spcBef>
-              <a:spcAft>
-                <a:spcPts val="703"/>
-              </a:spcAft>
-              <a:defRPr sz="2800">
-                <a:solidFill>
-                  <a:schemeClr val="accent6">
-                    <a:hueOff val="-10521704"/>
-                    <a:satOff val="-11099"/>
-                    <a:lumOff val="-7127"/>
-                  </a:schemeClr>
-                </a:solidFill>
-              </a:defRPr>
-            </a:pPr>
-            <a:r>
-              <a:rPr dirty="0"/>
-              <a:t>leads to a code review</a:t>
-            </a:r>
+            </a:pPr>
+            <a:r>
+              <a:rPr sz="1969" dirty="0"/>
+              <a:t>effectively replays the changes in the branch after the end of the master branch</a:t>
+            </a:r>
+          </a:p>
+        </p:txBody>
+      </p:sp>
+      <p:sp>
+        <p:nvSpPr>
+          <p:cNvPr id="2" name="Slide Number Placeholder 1">
+            <a:extLst>
+              <a:ext uri="{FF2B5EF4-FFF2-40B4-BE49-F238E27FC236}">
+                <a16:creationId xmlns:a16="http://schemas.microsoft.com/office/drawing/2014/main" id="{47FF6739-A768-677E-8580-34C8B9AC2B07}"/>
+              </a:ext>
+            </a:extLst>
+          </p:cNvPr>
+          <p:cNvSpPr>
+            <a:spLocks noGrp="1"/>
+          </p:cNvSpPr>
+          <p:nvPr>
+            <p:ph type="sldNum" sz="quarter" idx="2"/>
+          </p:nvPr>
+        </p:nvSpPr>
+        <p:spPr/>
+        <p:txBody>
+          <a:bodyPr/>
+          <a:lstStyle/>
+          <a:p>
+            <a:fld id="{86CB4B4D-7CA3-9044-876B-883B54F8677D}" type="slidenum">
+              <a:rPr lang="en-US" smtClean="0"/>
+              <a:t>19</a:t>
+            </a:fld>
+            <a:endParaRPr lang="en-US"/>
           </a:p>
         </p:txBody>
       </p:sp>
@@ -15108,6 +14914,35 @@
           </a:ln>
         </p:spPr>
       </p:pic>
+      <p:sp>
+        <p:nvSpPr>
+          <p:cNvPr id="2" name="Slide Number Placeholder 1">
+            <a:extLst>
+              <a:ext uri="{FF2B5EF4-FFF2-40B4-BE49-F238E27FC236}">
+                <a16:creationId xmlns:a16="http://schemas.microsoft.com/office/drawing/2014/main" id="{A3BE3DC1-A3BA-34BD-5EA7-FA2866D05CBC}"/>
+              </a:ext>
+            </a:extLst>
+          </p:cNvPr>
+          <p:cNvSpPr>
+            <a:spLocks noGrp="1"/>
+          </p:cNvSpPr>
+          <p:nvPr>
+            <p:ph type="sldNum" sz="quarter" idx="2"/>
+          </p:nvPr>
+        </p:nvSpPr>
+        <p:spPr/>
+        <p:txBody>
+          <a:bodyPr/>
+          <a:lstStyle/>
+          <a:p>
+            <a:fld id="{86CB4B4D-7CA3-9044-876B-883B54F8677D}" type="slidenum">
+              <a:rPr lang="en-US" smtClean="0"/>
+              <a:t>2</a:t>
+            </a:fld>
+            <a:endParaRPr lang="en-US"/>
+          </a:p>
+        </p:txBody>
+      </p:sp>
     </p:spTree>
   </p:cSld>
   <p:clrMapOvr>
@@ -15136,7 +14971,7 @@
       </p:grpSpPr>
       <p:sp>
         <p:nvSpPr>
-          <p:cNvPr id="246" name="merging vs rebasing branches"/>
+          <p:cNvPr id="252" name="Collaborating with GitHub"/>
           <p:cNvSpPr txBox="1">
             <a:spLocks noGrp="1"/>
           </p:cNvSpPr>
@@ -15154,113 +14989,37 @@
           <a:lstStyle/>
           <a:p>
             <a:r>
-              <a:t>merging vs rebasing branches</a:t>
-            </a:r>
-          </a:p>
-        </p:txBody>
-      </p:sp>
-      <p:sp>
-        <p:nvSpPr>
-          <p:cNvPr id="247" name="merging in branches is straightforward, but can result in a somewhat complicated graph…"/>
-          <p:cNvSpPr txBox="1">
+              <a:t>Collaborating with GitHub</a:t>
+            </a:r>
+          </a:p>
+        </p:txBody>
+      </p:sp>
+      <p:sp>
+        <p:nvSpPr>
+          <p:cNvPr id="2" name="Slide Number Placeholder 1">
+            <a:extLst>
+              <a:ext uri="{FF2B5EF4-FFF2-40B4-BE49-F238E27FC236}">
+                <a16:creationId xmlns:a16="http://schemas.microsoft.com/office/drawing/2014/main" id="{844C0080-F61C-1B79-2A00-23800A1207D7}"/>
+              </a:ext>
+            </a:extLst>
+          </p:cNvPr>
+          <p:cNvSpPr>
             <a:spLocks noGrp="1"/>
           </p:cNvSpPr>
           <p:nvPr>
-            <p:ph type="body" idx="1"/>
+            <p:ph type="sldNum" sz="quarter" idx="2"/>
           </p:nvPr>
         </p:nvSpPr>
-        <p:spPr>
-          <a:prstGeom prst="rect">
-            <a:avLst/>
-          </a:prstGeom>
-        </p:spPr>
+        <p:spPr/>
         <p:txBody>
           <a:bodyPr/>
           <a:lstStyle/>
           <a:p>
-            <a:pPr>
-              <a:spcBef>
-                <a:spcPts val="0"/>
-              </a:spcBef>
-              <a:spcAft>
-                <a:spcPts val="703"/>
-              </a:spcAft>
-              <a:defRPr>
-                <a:solidFill>
-                  <a:srgbClr val="000000"/>
-                </a:solidFill>
-              </a:defRPr>
-            </a:pPr>
-            <a:r>
-              <a:rPr dirty="0"/>
-              <a:t>merging in branches is straightforward, but can result in a somewhat complicated graph</a:t>
-            </a:r>
-          </a:p>
-          <a:p>
-            <a:pPr>
-              <a:spcBef>
-                <a:spcPts val="0"/>
-              </a:spcBef>
-              <a:spcAft>
-                <a:spcPts val="703"/>
-              </a:spcAft>
-              <a:defRPr>
-                <a:solidFill>
-                  <a:srgbClr val="000000"/>
-                </a:solidFill>
-              </a:defRPr>
-            </a:pPr>
-            <a:r>
-              <a:rPr dirty="0"/>
-              <a:t>rebasing is an alternative approach that results in a neat, linear graph at the expense of rewriting history</a:t>
-            </a:r>
-          </a:p>
-          <a:p>
-            <a:pPr>
-              <a:spcBef>
-                <a:spcPts val="0"/>
-              </a:spcBef>
-              <a:spcAft>
-                <a:spcPts val="703"/>
-              </a:spcAft>
-              <a:defRPr>
-                <a:solidFill>
-                  <a:srgbClr val="000000"/>
-                </a:solidFill>
-              </a:defRPr>
-            </a:pPr>
-            <a:r>
-              <a:rPr dirty="0"/>
-              <a:t>rebasing effectively moves the location that a branch leaves the tree</a:t>
-            </a:r>
-          </a:p>
-          <a:p>
-            <a:pPr lvl="1">
-              <a:spcBef>
-                <a:spcPts val="0"/>
-              </a:spcBef>
-              <a:spcAft>
-                <a:spcPts val="703"/>
-              </a:spcAft>
-            </a:pPr>
-            <a:r>
-              <a:rPr sz="1969" dirty="0"/>
-              <a:t>can be used to place branches at the tip of the master branch to avoid having to merge</a:t>
-            </a:r>
-          </a:p>
-          <a:p>
-            <a:pPr lvl="1">
-              <a:spcBef>
-                <a:spcPts val="0"/>
-              </a:spcBef>
-              <a:spcAft>
-                <a:spcPts val="703"/>
-              </a:spcAft>
-            </a:pPr>
-            <a:r>
-              <a:rPr sz="1969" dirty="0"/>
-              <a:t>effectively replays the changes in the branch after the end of the master branch</a:t>
-            </a:r>
+            <a:fld id="{86CB4B4D-7CA3-9044-876B-883B54F8677D}" type="slidenum">
+              <a:rPr lang="en-US" smtClean="0"/>
+              <a:t>20</a:t>
+            </a:fld>
+            <a:endParaRPr lang="en-US"/>
           </a:p>
         </p:txBody>
       </p:sp>
@@ -15292,7 +15051,7 @@
       </p:grpSpPr>
       <p:sp>
         <p:nvSpPr>
-          <p:cNvPr id="252" name="Collaborating with GitHub"/>
+          <p:cNvPr id="254" name="Collaborative Data Analysis"/>
           <p:cNvSpPr txBox="1">
             <a:spLocks noGrp="1"/>
           </p:cNvSpPr>
@@ -15310,8 +15069,194 @@
           <a:lstStyle/>
           <a:p>
             <a:r>
-              <a:t>Collaborating with GitHub</a:t>
-            </a:r>
+              <a:rPr dirty="0"/>
+              <a:t>Collaborative </a:t>
+            </a:r>
+            <a:r>
+              <a:rPr lang="en-US" dirty="0"/>
+              <a:t>coding and d</a:t>
+            </a:r>
+            <a:r>
+              <a:rPr dirty="0"/>
+              <a:t>ata </a:t>
+            </a:r>
+            <a:r>
+              <a:rPr lang="en-US" dirty="0"/>
+              <a:t>a</a:t>
+            </a:r>
+            <a:r>
+              <a:rPr dirty="0"/>
+              <a:t>nalysis</a:t>
+            </a:r>
+          </a:p>
+        </p:txBody>
+      </p:sp>
+      <p:sp>
+        <p:nvSpPr>
+          <p:cNvPr id="255" name="Issues for discussion threads (e.g. https://github.com/EoRImaging/FHD/issues/39)…"/>
+          <p:cNvSpPr txBox="1">
+            <a:spLocks noGrp="1"/>
+          </p:cNvSpPr>
+          <p:nvPr>
+            <p:ph type="body" idx="1"/>
+          </p:nvPr>
+        </p:nvSpPr>
+        <p:spPr>
+          <a:prstGeom prst="rect">
+            <a:avLst/>
+          </a:prstGeom>
+        </p:spPr>
+        <p:txBody>
+          <a:bodyPr>
+            <a:normAutofit fontScale="92500" lnSpcReduction="10000"/>
+          </a:bodyPr>
+          <a:lstStyle/>
+          <a:p>
+            <a:r>
+              <a:rPr dirty="0">
+                <a:solidFill>
+                  <a:srgbClr val="000000"/>
+                </a:solidFill>
+              </a:rPr>
+              <a:t>Issues </a:t>
+            </a:r>
+            <a:r>
+              <a:rPr lang="en-US" dirty="0">
+                <a:solidFill>
+                  <a:srgbClr val="000000"/>
+                </a:solidFill>
+              </a:rPr>
+              <a:t>and</a:t>
+            </a:r>
+            <a:r>
+              <a:rPr dirty="0">
+                <a:solidFill>
+                  <a:srgbClr val="000000"/>
+                </a:solidFill>
+              </a:rPr>
+              <a:t> discussion</a:t>
+            </a:r>
+            <a:r>
+              <a:rPr lang="en-US" dirty="0">
+                <a:solidFill>
+                  <a:srgbClr val="000000"/>
+                </a:solidFill>
+              </a:rPr>
+              <a:t>s</a:t>
+            </a:r>
+            <a:r>
+              <a:rPr dirty="0">
+                <a:solidFill>
+                  <a:srgbClr val="000000"/>
+                </a:solidFill>
+              </a:rPr>
+              <a:t> </a:t>
+            </a:r>
+            <a:endParaRPr lang="en-US" dirty="0">
+              <a:solidFill>
+                <a:srgbClr val="000000"/>
+              </a:solidFill>
+            </a:endParaRPr>
+          </a:p>
+          <a:p>
+            <a:pPr lvl="1"/>
+            <a:r>
+              <a:rPr lang="en-US" dirty="0"/>
+              <a:t>Keep track of TODOs and worries</a:t>
+            </a:r>
+          </a:p>
+          <a:p>
+            <a:pPr lvl="2"/>
+            <a:r>
+              <a:rPr lang="en-US" dirty="0"/>
+              <a:t>Use labels!</a:t>
+            </a:r>
+          </a:p>
+          <a:p>
+            <a:pPr lvl="1"/>
+            <a:r>
+              <a:rPr lang="en-US" dirty="0"/>
+              <a:t>Communicating with collaborators, including non-coding ones (advisors)</a:t>
+            </a:r>
+          </a:p>
+          <a:p>
+            <a:pPr lvl="2"/>
+            <a:r>
+              <a:rPr lang="en-US" dirty="0"/>
+              <a:t>T</a:t>
+            </a:r>
+            <a:r>
+              <a:rPr dirty="0"/>
+              <a:t>hreaded logbook linked to code</a:t>
+            </a:r>
+            <a:r>
+              <a:rPr lang="en-US" dirty="0"/>
+              <a:t> (e.g. https://</a:t>
+            </a:r>
+            <a:r>
+              <a:rPr lang="en-US" dirty="0" err="1"/>
+              <a:t>github.com</a:t>
+            </a:r>
+            <a:r>
+              <a:rPr lang="en-US" dirty="0"/>
+              <a:t>/</a:t>
+            </a:r>
+            <a:r>
+              <a:rPr lang="en-US" dirty="0" err="1"/>
+              <a:t>EoRImaging</a:t>
+            </a:r>
+            <a:r>
+              <a:rPr lang="en-US" dirty="0"/>
+              <a:t>/FHD/issues/39)</a:t>
+            </a:r>
+            <a:endParaRPr dirty="0"/>
+          </a:p>
+          <a:p>
+            <a:pPr lvl="2">
+              <a:defRPr>
+                <a:solidFill>
+                  <a:schemeClr val="accent6">
+                    <a:hueOff val="-10521704"/>
+                    <a:satOff val="-11099"/>
+                    <a:lumOff val="-7127"/>
+                  </a:schemeClr>
+                </a:solidFill>
+              </a:defRPr>
+            </a:pPr>
+            <a:r>
+              <a:rPr lang="en-US" dirty="0"/>
+              <a:t>Can embed plots, images as appropriate</a:t>
+            </a:r>
+            <a:endParaRPr dirty="0"/>
+          </a:p>
+        </p:txBody>
+      </p:sp>
+      <p:sp>
+        <p:nvSpPr>
+          <p:cNvPr id="2" name="Slide Number Placeholder 1">
+            <a:extLst>
+              <a:ext uri="{FF2B5EF4-FFF2-40B4-BE49-F238E27FC236}">
+                <a16:creationId xmlns:a16="http://schemas.microsoft.com/office/drawing/2014/main" id="{A3AA200F-3527-BBA2-EB0B-6B72DD657149}"/>
+              </a:ext>
+            </a:extLst>
+          </p:cNvPr>
+          <p:cNvSpPr>
+            <a:spLocks noGrp="1"/>
+          </p:cNvSpPr>
+          <p:nvPr>
+            <p:ph type="sldNum" sz="quarter" idx="2"/>
+          </p:nvPr>
+        </p:nvSpPr>
+        <p:spPr/>
+        <p:txBody>
+          <a:bodyPr/>
+          <a:lstStyle/>
+          <a:p>
+            <a:fld id="{86CB4B4D-7CA3-9044-876B-883B54F8677D}" type="slidenum">
+              <a:rPr lang="en-US" smtClean="0"/>
+              <a:t>21</a:t>
+            </a:fld>
+            <a:endParaRPr lang="en-US"/>
           </a:p>
         </p:txBody>
       </p:sp>
@@ -15343,214 +15288,6 @@
       </p:grpSpPr>
       <p:sp>
         <p:nvSpPr>
-          <p:cNvPr id="254" name="Collaborative Data Analysis"/>
-          <p:cNvSpPr txBox="1">
-            <a:spLocks noGrp="1"/>
-          </p:cNvSpPr>
-          <p:nvPr>
-            <p:ph type="title"/>
-          </p:nvPr>
-        </p:nvSpPr>
-        <p:spPr>
-          <a:prstGeom prst="rect">
-            <a:avLst/>
-          </a:prstGeom>
-        </p:spPr>
-        <p:txBody>
-          <a:bodyPr/>
-          <a:lstStyle/>
-          <a:p>
-            <a:r>
-              <a:rPr dirty="0"/>
-              <a:t>Collaborative </a:t>
-            </a:r>
-            <a:r>
-              <a:rPr lang="en-US" dirty="0"/>
-              <a:t>coding and d</a:t>
-            </a:r>
-            <a:r>
-              <a:rPr dirty="0"/>
-              <a:t>ata </a:t>
-            </a:r>
-            <a:r>
-              <a:rPr lang="en-US" dirty="0"/>
-              <a:t>a</a:t>
-            </a:r>
-            <a:r>
-              <a:rPr dirty="0"/>
-              <a:t>nalysis</a:t>
-            </a:r>
-          </a:p>
-        </p:txBody>
-      </p:sp>
-      <p:sp>
-        <p:nvSpPr>
-          <p:cNvPr id="255" name="Issues for discussion threads (e.g. https://github.com/EoRImaging/FHD/issues/39)…"/>
-          <p:cNvSpPr txBox="1">
-            <a:spLocks noGrp="1"/>
-          </p:cNvSpPr>
-          <p:nvPr>
-            <p:ph type="body" idx="1"/>
-          </p:nvPr>
-        </p:nvSpPr>
-        <p:spPr>
-          <a:prstGeom prst="rect">
-            <a:avLst/>
-          </a:prstGeom>
-        </p:spPr>
-        <p:txBody>
-          <a:bodyPr>
-            <a:normAutofit fontScale="92500" lnSpcReduction="10000"/>
-          </a:bodyPr>
-          <a:lstStyle/>
-          <a:p>
-            <a:r>
-              <a:rPr dirty="0">
-                <a:solidFill>
-                  <a:srgbClr val="000000"/>
-                </a:solidFill>
-              </a:rPr>
-              <a:t>Issues </a:t>
-            </a:r>
-            <a:r>
-              <a:rPr lang="en-US" dirty="0">
-                <a:solidFill>
-                  <a:srgbClr val="000000"/>
-                </a:solidFill>
-              </a:rPr>
-              <a:t>and</a:t>
-            </a:r>
-            <a:r>
-              <a:rPr dirty="0">
-                <a:solidFill>
-                  <a:srgbClr val="000000"/>
-                </a:solidFill>
-              </a:rPr>
-              <a:t> discussion</a:t>
-            </a:r>
-            <a:r>
-              <a:rPr lang="en-US" dirty="0">
-                <a:solidFill>
-                  <a:srgbClr val="000000"/>
-                </a:solidFill>
-              </a:rPr>
-              <a:t>s</a:t>
-            </a:r>
-            <a:r>
-              <a:rPr dirty="0">
-                <a:solidFill>
-                  <a:srgbClr val="000000"/>
-                </a:solidFill>
-              </a:rPr>
-              <a:t> </a:t>
-            </a:r>
-            <a:endParaRPr lang="en-US" dirty="0">
-              <a:solidFill>
-                <a:srgbClr val="000000"/>
-              </a:solidFill>
-            </a:endParaRPr>
-          </a:p>
-          <a:p>
-            <a:pPr lvl="1"/>
-            <a:r>
-              <a:rPr lang="en-US" dirty="0"/>
-              <a:t>Keep track of TODOs and worries</a:t>
-            </a:r>
-          </a:p>
-          <a:p>
-            <a:pPr lvl="2"/>
-            <a:r>
-              <a:rPr lang="en-US" dirty="0"/>
-              <a:t>Use labels!</a:t>
-            </a:r>
-          </a:p>
-          <a:p>
-            <a:pPr lvl="1"/>
-            <a:r>
-              <a:rPr lang="en-US" dirty="0"/>
-              <a:t>Communicating with collaborators, including non-coding ones (advisors)</a:t>
-            </a:r>
-          </a:p>
-          <a:p>
-            <a:pPr lvl="2"/>
-            <a:r>
-              <a:rPr lang="en-US" dirty="0"/>
-              <a:t>T</a:t>
-            </a:r>
-            <a:r>
-              <a:rPr dirty="0"/>
-              <a:t>hreaded logbook linked to code</a:t>
-            </a:r>
-            <a:r>
-              <a:rPr lang="en-US" dirty="0"/>
-              <a:t> (e.g. https://</a:t>
-            </a:r>
-            <a:r>
-              <a:rPr lang="en-US" dirty="0" err="1"/>
-              <a:t>github.com</a:t>
-            </a:r>
-            <a:r>
-              <a:rPr lang="en-US" dirty="0"/>
-              <a:t>/</a:t>
-            </a:r>
-            <a:r>
-              <a:rPr lang="en-US" dirty="0" err="1"/>
-              <a:t>EoRImaging</a:t>
-            </a:r>
-            <a:r>
-              <a:rPr lang="en-US" dirty="0"/>
-              <a:t>/FHD/issues/39)</a:t>
-            </a:r>
-            <a:endParaRPr dirty="0"/>
-          </a:p>
-          <a:p>
-            <a:pPr lvl="2">
-              <a:defRPr>
-                <a:solidFill>
-                  <a:schemeClr val="accent6">
-                    <a:hueOff val="-10521704"/>
-                    <a:satOff val="-11099"/>
-                    <a:lumOff val="-7127"/>
-                  </a:schemeClr>
-                </a:solidFill>
-              </a:defRPr>
-            </a:pPr>
-            <a:r>
-              <a:rPr lang="en-US" dirty="0"/>
-              <a:t>Can embed plots, images as appropriate</a:t>
-            </a:r>
-            <a:endParaRPr dirty="0"/>
-          </a:p>
-        </p:txBody>
-      </p:sp>
-    </p:spTree>
-  </p:cSld>
-  <p:clrMapOvr>
-    <a:masterClrMapping/>
-  </p:clrMapOvr>
-  <p:transition spd="med"/>
-</p:sld>
-</file>
-
-<file path=ppt/slides/slide23.xml><?xml version="1.0" encoding="utf-8"?>
-<p:sld xmlns:a="http://schemas.openxmlformats.org/drawingml/2006/main" xmlns:r="http://schemas.openxmlformats.org/officeDocument/2006/relationships" xmlns:p="http://schemas.openxmlformats.org/presentationml/2006/main">
-  <p:cSld>
-    <p:spTree>
-      <p:nvGrpSpPr>
-        <p:cNvPr id="1" name=""/>
-        <p:cNvGrpSpPr/>
-        <p:nvPr/>
-      </p:nvGrpSpPr>
-      <p:grpSpPr>
-        <a:xfrm>
-          <a:off x="0" y="0"/>
-          <a:ext cx="0" cy="0"/>
-          <a:chOff x="0" y="0"/>
-          <a:chExt cx="0" cy="0"/>
-        </a:xfrm>
-      </p:grpSpPr>
-      <p:sp>
-        <p:nvSpPr>
           <p:cNvPr id="259" name="Collaborating on code"/>
           <p:cNvSpPr txBox="1">
             <a:spLocks noGrp="1"/>
@@ -15725,6 +15462,35 @@
               <a:rPr dirty="0"/>
               <a:t>track sets of issues towards a larger goal</a:t>
             </a:r>
+          </a:p>
+        </p:txBody>
+      </p:sp>
+      <p:sp>
+        <p:nvSpPr>
+          <p:cNvPr id="2" name="Slide Number Placeholder 1">
+            <a:extLst>
+              <a:ext uri="{FF2B5EF4-FFF2-40B4-BE49-F238E27FC236}">
+                <a16:creationId xmlns:a16="http://schemas.microsoft.com/office/drawing/2014/main" id="{55AEA03B-BB96-BBCD-0AAD-3E3D392F1323}"/>
+              </a:ext>
+            </a:extLst>
+          </p:cNvPr>
+          <p:cNvSpPr>
+            <a:spLocks noGrp="1"/>
+          </p:cNvSpPr>
+          <p:nvPr>
+            <p:ph type="sldNum" sz="quarter" idx="2"/>
+          </p:nvPr>
+        </p:nvSpPr>
+        <p:spPr/>
+        <p:txBody>
+          <a:bodyPr/>
+          <a:lstStyle/>
+          <a:p>
+            <a:fld id="{86CB4B4D-7CA3-9044-876B-883B54F8677D}" type="slidenum">
+              <a:rPr lang="en-US" smtClean="0"/>
+              <a:t>22</a:t>
+            </a:fld>
+            <a:endParaRPr lang="en-US"/>
           </a:p>
         </p:txBody>
       </p:sp>
@@ -15756,10 +15522,160 @@
       </p:grpSpPr>
       <p:sp>
         <p:nvSpPr>
-          <p:cNvPr id="2" name="Title 1">
+          <p:cNvPr id="155" name="git and GitHub"/>
+          <p:cNvSpPr txBox="1">
+            <a:spLocks noGrp="1"/>
+          </p:cNvSpPr>
+          <p:nvPr>
+            <p:ph type="title"/>
+          </p:nvPr>
+        </p:nvSpPr>
+        <p:spPr>
+          <a:prstGeom prst="rect">
+            <a:avLst/>
+          </a:prstGeom>
+        </p:spPr>
+        <p:txBody>
+          <a:bodyPr/>
+          <a:lstStyle/>
+          <a:p>
+            <a:r>
+              <a:t>git and GitHub</a:t>
+            </a:r>
+          </a:p>
+        </p:txBody>
+      </p:sp>
+      <p:sp>
+        <p:nvSpPr>
+          <p:cNvPr id="156" name="git…"/>
+          <p:cNvSpPr txBox="1">
+            <a:spLocks noGrp="1"/>
+          </p:cNvSpPr>
+          <p:nvPr>
+            <p:ph type="body" idx="1"/>
+          </p:nvPr>
+        </p:nvSpPr>
+        <p:spPr>
+          <a:prstGeom prst="rect">
+            <a:avLst/>
+          </a:prstGeom>
+        </p:spPr>
+        <p:txBody>
+          <a:bodyPr/>
+          <a:lstStyle/>
+          <a:p>
+            <a:pPr>
+              <a:spcBef>
+                <a:spcPts val="0"/>
+              </a:spcBef>
+              <a:defRPr>
+                <a:solidFill>
+                  <a:srgbClr val="000000"/>
+                </a:solidFill>
+              </a:defRPr>
+            </a:pPr>
+            <a:r>
+              <a:rPr sz="2800" dirty="0"/>
+              <a:t>git</a:t>
+            </a:r>
+          </a:p>
+          <a:p>
+            <a:pPr lvl="1">
+              <a:spcBef>
+                <a:spcPts val="0"/>
+              </a:spcBef>
+              <a:defRPr sz="2800"/>
+            </a:pPr>
+            <a:r>
+              <a:rPr sz="2400" dirty="0"/>
+              <a:t>version control</a:t>
+            </a:r>
+          </a:p>
+          <a:p>
+            <a:pPr lvl="1">
+              <a:spcBef>
+                <a:spcPts val="0"/>
+              </a:spcBef>
+              <a:defRPr sz="2800"/>
+            </a:pPr>
+            <a:r>
+              <a:rPr sz="2400" dirty="0"/>
+              <a:t>local + remote</a:t>
+            </a:r>
+          </a:p>
+          <a:p>
+            <a:pPr>
+              <a:spcBef>
+                <a:spcPts val="0"/>
+              </a:spcBef>
+              <a:defRPr>
+                <a:solidFill>
+                  <a:srgbClr val="000000"/>
+                </a:solidFill>
+              </a:defRPr>
+            </a:pPr>
+            <a:endParaRPr dirty="0"/>
+          </a:p>
+          <a:p>
+            <a:pPr>
+              <a:spcBef>
+                <a:spcPts val="0"/>
+              </a:spcBef>
+              <a:defRPr>
+                <a:solidFill>
+                  <a:srgbClr val="000000"/>
+                </a:solidFill>
+              </a:defRPr>
+            </a:pPr>
+            <a:r>
+              <a:rPr sz="2800" dirty="0"/>
+              <a:t>GitHub</a:t>
+            </a:r>
+          </a:p>
+          <a:p>
+            <a:pPr lvl="1">
+              <a:spcBef>
+                <a:spcPts val="0"/>
+              </a:spcBef>
+              <a:defRPr sz="2800"/>
+            </a:pPr>
+            <a:r>
+              <a:rPr sz="2400" dirty="0"/>
+              <a:t>Tools for collaboration</a:t>
+            </a:r>
+          </a:p>
+          <a:p>
+            <a:pPr lvl="2">
+              <a:spcBef>
+                <a:spcPts val="0"/>
+              </a:spcBef>
+              <a:defRPr sz="2800"/>
+            </a:pPr>
+            <a:r>
+              <a:rPr sz="2400" dirty="0"/>
+              <a:t>Issue tracking, pull requests with code review, forking</a:t>
+            </a:r>
+          </a:p>
+          <a:p>
+            <a:pPr lvl="1">
+              <a:spcBef>
+                <a:spcPts val="0"/>
+              </a:spcBef>
+              <a:defRPr sz="2800"/>
+            </a:pPr>
+            <a:r>
+              <a:rPr sz="2400" dirty="0"/>
+              <a:t>hosting &amp; public access</a:t>
+            </a:r>
+          </a:p>
+        </p:txBody>
+      </p:sp>
+      <p:sp>
+        <p:nvSpPr>
+          <p:cNvPr id="2" name="Slide Number Placeholder 1">
             <a:extLst>
               <a:ext uri="{FF2B5EF4-FFF2-40B4-BE49-F238E27FC236}">
-                <a16:creationId xmlns:a16="http://schemas.microsoft.com/office/drawing/2014/main" id="{73398F3A-A804-E0C3-BF11-6999E6D92164}"/>
+                <a16:creationId xmlns:a16="http://schemas.microsoft.com/office/drawing/2014/main" id="{316EA264-DCA1-9051-8479-7CB2528FA8D6}"/>
               </a:ext>
             </a:extLst>
           </p:cNvPr>
@@ -15767,7 +15683,7 @@
             <a:spLocks noGrp="1"/>
           </p:cNvSpPr>
           <p:nvPr>
-            <p:ph type="title"/>
+            <p:ph type="sldNum" sz="quarter" idx="2"/>
           </p:nvPr>
         </p:nvSpPr>
         <p:spPr/>
@@ -15775,483 +15691,20 @@
           <a:bodyPr/>
           <a:lstStyle/>
           <a:p>
-            <a:r>
-              <a:rPr lang="en-US" dirty="0"/>
-              <a:t>Quick Survey: Raise your hand if...</a:t>
-            </a:r>
-          </a:p>
-        </p:txBody>
-      </p:sp>
-      <p:sp>
-        <p:nvSpPr>
-          <p:cNvPr id="3" name="Text Placeholder 2">
-            <a:extLst>
-              <a:ext uri="{FF2B5EF4-FFF2-40B4-BE49-F238E27FC236}">
-                <a16:creationId xmlns:a16="http://schemas.microsoft.com/office/drawing/2014/main" id="{7E269E3E-EC9B-604E-246B-4DF6D9AC6645}"/>
-              </a:ext>
-            </a:extLst>
-          </p:cNvPr>
-          <p:cNvSpPr>
-            <a:spLocks noGrp="1"/>
-          </p:cNvSpPr>
-          <p:nvPr>
-            <p:ph type="body" idx="1"/>
-          </p:nvPr>
-        </p:nvSpPr>
-        <p:spPr/>
-        <p:txBody>
-          <a:bodyPr>
-            <a:normAutofit/>
-          </a:bodyPr>
-          <a:lstStyle/>
-          <a:p>
-            <a:r>
-              <a:rPr lang="en-US" dirty="0"/>
-              <a:t>You’ve never used source / version control</a:t>
-            </a:r>
-          </a:p>
-          <a:p>
-            <a:r>
-              <a:rPr lang="en-US" dirty="0"/>
-              <a:t>You’ve used source control, but not git</a:t>
-            </a:r>
-          </a:p>
-          <a:p>
-            <a:r>
-              <a:rPr lang="en-US" dirty="0"/>
-              <a:t>Beginner in git as an individual </a:t>
-            </a:r>
-            <a:r>
-              <a:rPr lang="en-US" sz="1828" dirty="0">
-                <a:latin typeface="Consolas" panose="020B0609020204030204" pitchFamily="49" charset="0"/>
-                <a:cs typeface="Consolas" panose="020B0609020204030204" pitchFamily="49" charset="0"/>
-              </a:rPr>
-              <a:t>(git add, git commit) </a:t>
-            </a:r>
-          </a:p>
-          <a:p>
-            <a:r>
-              <a:rPr lang="en-US" dirty="0"/>
-              <a:t>Moderate/Advanced in git as an individual </a:t>
-            </a:r>
-            <a:r>
-              <a:rPr lang="en-US" sz="1828" dirty="0">
-                <a:latin typeface="Consolas" panose="020B0609020204030204" pitchFamily="49" charset="0"/>
-                <a:cs typeface="Consolas" panose="020B0609020204030204" pitchFamily="49" charset="0"/>
-              </a:rPr>
-              <a:t>(git rebase) </a:t>
-            </a:r>
-          </a:p>
-          <a:p>
-            <a:r>
-              <a:rPr lang="en-US" dirty="0"/>
-              <a:t>Beginner in git as collaborative team </a:t>
-            </a:r>
-            <a:r>
-              <a:rPr lang="en-US" sz="1828" dirty="0">
-                <a:latin typeface="Consolas" panose="020B0609020204030204" pitchFamily="49" charset="0"/>
-                <a:cs typeface="Consolas" panose="020B0609020204030204" pitchFamily="49" charset="0"/>
-              </a:rPr>
-              <a:t>(git push, git pull)</a:t>
-            </a:r>
-          </a:p>
-          <a:p>
-            <a:r>
-              <a:rPr lang="en-US" dirty="0"/>
-              <a:t>Moderate/Advanced in Git/GitHub as collaborative team </a:t>
-            </a:r>
-            <a:r>
-              <a:rPr lang="en-US" sz="1969" dirty="0"/>
-              <a:t>(pull requests, hooks)</a:t>
-            </a:r>
+            <a:fld id="{86CB4B4D-7CA3-9044-876B-883B54F8677D}" type="slidenum">
+              <a:rPr lang="en-US" smtClean="0"/>
+              <a:t>3</a:t>
+            </a:fld>
+            <a:endParaRPr lang="en-US"/>
           </a:p>
         </p:txBody>
       </p:sp>
     </p:spTree>
-    <p:extLst>
-      <p:ext uri="{BB962C8B-B14F-4D97-AF65-F5344CB8AC3E}">
-        <p14:creationId xmlns:p14="http://schemas.microsoft.com/office/powerpoint/2010/main" val="2674354373"/>
-      </p:ext>
-    </p:extLst>
   </p:cSld>
   <p:clrMapOvr>
     <a:masterClrMapping/>
   </p:clrMapOvr>
   <p:transition spd="med"/>
-  <p:timing>
-    <p:tnLst>
-      <p:par>
-        <p:cTn id="1" dur="indefinite" restart="never" nodeType="tmRoot">
-          <p:childTnLst>
-            <p:seq concurrent="1" nextAc="seek">
-              <p:cTn id="2" dur="indefinite" nodeType="mainSeq">
-                <p:childTnLst>
-                  <p:par>
-                    <p:cTn id="3" fill="hold">
-                      <p:stCondLst>
-                        <p:cond delay="indefinite"/>
-                      </p:stCondLst>
-                      <p:childTnLst>
-                        <p:par>
-                          <p:cTn id="4" fill="hold">
-                            <p:stCondLst>
-                              <p:cond delay="0"/>
-                            </p:stCondLst>
-                            <p:childTnLst>
-                              <p:par>
-                                <p:cTn id="5" presetID="1" presetClass="entr" presetSubtype="0" fill="hold" grpId="0" nodeType="clickEffect">
-                                  <p:stCondLst>
-                                    <p:cond delay="0"/>
-                                  </p:stCondLst>
-                                  <p:childTnLst>
-                                    <p:set>
-                                      <p:cBhvr>
-                                        <p:cTn id="6" dur="1" fill="hold">
-                                          <p:stCondLst>
-                                            <p:cond delay="0"/>
-                                          </p:stCondLst>
-                                        </p:cTn>
-                                        <p:tgtEl>
-                                          <p:spTgt spid="3">
-                                            <p:bg/>
-                                          </p:spTgt>
-                                        </p:tgtEl>
-                                        <p:attrNameLst>
-                                          <p:attrName>style.visibility</p:attrName>
-                                        </p:attrNameLst>
-                                      </p:cBhvr>
-                                      <p:to>
-                                        <p:strVal val="visible"/>
-                                      </p:to>
-                                    </p:set>
-                                  </p:childTnLst>
-                                </p:cTn>
-                              </p:par>
-                            </p:childTnLst>
-                          </p:cTn>
-                        </p:par>
-                      </p:childTnLst>
-                    </p:cTn>
-                  </p:par>
-                  <p:par>
-                    <p:cTn id="7" fill="hold">
-                      <p:stCondLst>
-                        <p:cond delay="indefinite"/>
-                      </p:stCondLst>
-                      <p:childTnLst>
-                        <p:par>
-                          <p:cTn id="8" fill="hold">
-                            <p:stCondLst>
-                              <p:cond delay="0"/>
-                            </p:stCondLst>
-                            <p:childTnLst>
-                              <p:par>
-                                <p:cTn id="9" presetID="1" presetClass="entr" presetSubtype="0" fill="hold" grpId="0" nodeType="clickEffect">
-                                  <p:stCondLst>
-                                    <p:cond delay="0"/>
-                                  </p:stCondLst>
-                                  <p:childTnLst>
-                                    <p:set>
-                                      <p:cBhvr>
-                                        <p:cTn id="10" dur="1" fill="hold">
-                                          <p:stCondLst>
-                                            <p:cond delay="0"/>
-                                          </p:stCondLst>
-                                        </p:cTn>
-                                        <p:tgtEl>
-                                          <p:spTgt spid="3">
-                                            <p:txEl>
-                                              <p:pRg st="0" end="0"/>
-                                            </p:txEl>
-                                          </p:spTgt>
-                                        </p:tgtEl>
-                                        <p:attrNameLst>
-                                          <p:attrName>style.visibility</p:attrName>
-                                        </p:attrNameLst>
-                                      </p:cBhvr>
-                                      <p:to>
-                                        <p:strVal val="visible"/>
-                                      </p:to>
-                                    </p:set>
-                                  </p:childTnLst>
-                                </p:cTn>
-                              </p:par>
-                            </p:childTnLst>
-                          </p:cTn>
-                        </p:par>
-                      </p:childTnLst>
-                    </p:cTn>
-                  </p:par>
-                  <p:par>
-                    <p:cTn id="11" fill="hold">
-                      <p:stCondLst>
-                        <p:cond delay="indefinite"/>
-                      </p:stCondLst>
-                      <p:childTnLst>
-                        <p:par>
-                          <p:cTn id="12" fill="hold">
-                            <p:stCondLst>
-                              <p:cond delay="0"/>
-                            </p:stCondLst>
-                            <p:childTnLst>
-                              <p:par>
-                                <p:cTn id="13" presetID="1" presetClass="entr" presetSubtype="0" fill="hold" grpId="0" nodeType="clickEffect">
-                                  <p:stCondLst>
-                                    <p:cond delay="0"/>
-                                  </p:stCondLst>
-                                  <p:childTnLst>
-                                    <p:set>
-                                      <p:cBhvr>
-                                        <p:cTn id="14" dur="1" fill="hold">
-                                          <p:stCondLst>
-                                            <p:cond delay="0"/>
-                                          </p:stCondLst>
-                                        </p:cTn>
-                                        <p:tgtEl>
-                                          <p:spTgt spid="3">
-                                            <p:txEl>
-                                              <p:pRg st="1" end="1"/>
-                                            </p:txEl>
-                                          </p:spTgt>
-                                        </p:tgtEl>
-                                        <p:attrNameLst>
-                                          <p:attrName>style.visibility</p:attrName>
-                                        </p:attrNameLst>
-                                      </p:cBhvr>
-                                      <p:to>
-                                        <p:strVal val="visible"/>
-                                      </p:to>
-                                    </p:set>
-                                  </p:childTnLst>
-                                </p:cTn>
-                              </p:par>
-                            </p:childTnLst>
-                          </p:cTn>
-                        </p:par>
-                      </p:childTnLst>
-                    </p:cTn>
-                  </p:par>
-                  <p:par>
-                    <p:cTn id="15" fill="hold">
-                      <p:stCondLst>
-                        <p:cond delay="indefinite"/>
-                      </p:stCondLst>
-                      <p:childTnLst>
-                        <p:par>
-                          <p:cTn id="16" fill="hold">
-                            <p:stCondLst>
-                              <p:cond delay="0"/>
-                            </p:stCondLst>
-                            <p:childTnLst>
-                              <p:par>
-                                <p:cTn id="17" presetID="1" presetClass="entr" presetSubtype="0" fill="hold" grpId="0" nodeType="clickEffect">
-                                  <p:stCondLst>
-                                    <p:cond delay="0"/>
-                                  </p:stCondLst>
-                                  <p:childTnLst>
-                                    <p:set>
-                                      <p:cBhvr>
-                                        <p:cTn id="18" dur="1" fill="hold">
-                                          <p:stCondLst>
-                                            <p:cond delay="0"/>
-                                          </p:stCondLst>
-                                        </p:cTn>
-                                        <p:tgtEl>
-                                          <p:spTgt spid="3">
-                                            <p:txEl>
-                                              <p:pRg st="2" end="2"/>
-                                            </p:txEl>
-                                          </p:spTgt>
-                                        </p:tgtEl>
-                                        <p:attrNameLst>
-                                          <p:attrName>style.visibility</p:attrName>
-                                        </p:attrNameLst>
-                                      </p:cBhvr>
-                                      <p:to>
-                                        <p:strVal val="visible"/>
-                                      </p:to>
-                                    </p:set>
-                                  </p:childTnLst>
-                                </p:cTn>
-                              </p:par>
-                            </p:childTnLst>
-                          </p:cTn>
-                        </p:par>
-                      </p:childTnLst>
-                    </p:cTn>
-                  </p:par>
-                  <p:par>
-                    <p:cTn id="19" fill="hold">
-                      <p:stCondLst>
-                        <p:cond delay="indefinite"/>
-                      </p:stCondLst>
-                      <p:childTnLst>
-                        <p:par>
-                          <p:cTn id="20" fill="hold">
-                            <p:stCondLst>
-                              <p:cond delay="0"/>
-                            </p:stCondLst>
-                            <p:childTnLst>
-                              <p:par>
-                                <p:cTn id="21" presetID="1" presetClass="entr" presetSubtype="0" fill="hold" grpId="0" nodeType="clickEffect">
-                                  <p:stCondLst>
-                                    <p:cond delay="0"/>
-                                  </p:stCondLst>
-                                  <p:childTnLst>
-                                    <p:set>
-                                      <p:cBhvr>
-                                        <p:cTn id="22" dur="1" fill="hold">
-                                          <p:stCondLst>
-                                            <p:cond delay="0"/>
-                                          </p:stCondLst>
-                                        </p:cTn>
-                                        <p:tgtEl>
-                                          <p:spTgt spid="3">
-                                            <p:txEl>
-                                              <p:pRg st="3" end="3"/>
-                                            </p:txEl>
-                                          </p:spTgt>
-                                        </p:tgtEl>
-                                        <p:attrNameLst>
-                                          <p:attrName>style.visibility</p:attrName>
-                                        </p:attrNameLst>
-                                      </p:cBhvr>
-                                      <p:to>
-                                        <p:strVal val="visible"/>
-                                      </p:to>
-                                    </p:set>
-                                  </p:childTnLst>
-                                </p:cTn>
-                              </p:par>
-                            </p:childTnLst>
-                          </p:cTn>
-                        </p:par>
-                      </p:childTnLst>
-                    </p:cTn>
-                  </p:par>
-                  <p:par>
-                    <p:cTn id="23" fill="hold">
-                      <p:stCondLst>
-                        <p:cond delay="indefinite"/>
-                      </p:stCondLst>
-                      <p:childTnLst>
-                        <p:par>
-                          <p:cTn id="24" fill="hold">
-                            <p:stCondLst>
-                              <p:cond delay="0"/>
-                            </p:stCondLst>
-                            <p:childTnLst>
-                              <p:par>
-                                <p:cTn id="25" presetID="1" presetClass="entr" presetSubtype="0" fill="hold" grpId="0" nodeType="clickEffect">
-                                  <p:stCondLst>
-                                    <p:cond delay="0"/>
-                                  </p:stCondLst>
-                                  <p:childTnLst>
-                                    <p:set>
-                                      <p:cBhvr>
-                                        <p:cTn id="26" dur="1" fill="hold">
-                                          <p:stCondLst>
-                                            <p:cond delay="0"/>
-                                          </p:stCondLst>
-                                        </p:cTn>
-                                        <p:tgtEl>
-                                          <p:spTgt spid="3">
-                                            <p:txEl>
-                                              <p:pRg st="4" end="4"/>
-                                            </p:txEl>
-                                          </p:spTgt>
-                                        </p:tgtEl>
-                                        <p:attrNameLst>
-                                          <p:attrName>style.visibility</p:attrName>
-                                        </p:attrNameLst>
-                                      </p:cBhvr>
-                                      <p:to>
-                                        <p:strVal val="visible"/>
-                                      </p:to>
-                                    </p:set>
-                                  </p:childTnLst>
-                                </p:cTn>
-                              </p:par>
-                            </p:childTnLst>
-                          </p:cTn>
-                        </p:par>
-                      </p:childTnLst>
-                    </p:cTn>
-                  </p:par>
-                  <p:par>
-                    <p:cTn id="27" fill="hold">
-                      <p:stCondLst>
-                        <p:cond delay="indefinite"/>
-                      </p:stCondLst>
-                      <p:childTnLst>
-                        <p:par>
-                          <p:cTn id="28" fill="hold">
-                            <p:stCondLst>
-                              <p:cond delay="0"/>
-                            </p:stCondLst>
-                            <p:childTnLst>
-                              <p:par>
-                                <p:cTn id="29" presetID="1" presetClass="entr" presetSubtype="0" fill="hold" grpId="0" nodeType="clickEffect">
-                                  <p:stCondLst>
-                                    <p:cond delay="0"/>
-                                  </p:stCondLst>
-                                  <p:childTnLst>
-                                    <p:set>
-                                      <p:cBhvr>
-                                        <p:cTn id="30" dur="1" fill="hold">
-                                          <p:stCondLst>
-                                            <p:cond delay="0"/>
-                                          </p:stCondLst>
-                                        </p:cTn>
-                                        <p:tgtEl>
-                                          <p:spTgt spid="3">
-                                            <p:txEl>
-                                              <p:pRg st="5" end="5"/>
-                                            </p:txEl>
-                                          </p:spTgt>
-                                        </p:tgtEl>
-                                        <p:attrNameLst>
-                                          <p:attrName>style.visibility</p:attrName>
-                                        </p:attrNameLst>
-                                      </p:cBhvr>
-                                      <p:to>
-                                        <p:strVal val="visible"/>
-                                      </p:to>
-                                    </p:set>
-                                  </p:childTnLst>
-                                </p:cTn>
-                              </p:par>
-                            </p:childTnLst>
-                          </p:cTn>
-                        </p:par>
-                      </p:childTnLst>
-                    </p:cTn>
-                  </p:par>
-                </p:childTnLst>
-              </p:cTn>
-              <p:prevCondLst>
-                <p:cond evt="onPrev" delay="0">
-                  <p:tgtEl>
-                    <p:sldTgt/>
-                  </p:tgtEl>
-                </p:cond>
-              </p:prevCondLst>
-              <p:nextCondLst>
-                <p:cond evt="onNext" delay="0">
-                  <p:tgtEl>
-                    <p:sldTgt/>
-                  </p:tgtEl>
-                </p:cond>
-              </p:nextCondLst>
-            </p:seq>
-          </p:childTnLst>
-        </p:cTn>
-      </p:par>
-    </p:tnLst>
-    <p:bldLst>
-      <p:bldP spid="3" grpId="0" build="p" animBg="1"/>
-    </p:bldLst>
-  </p:timing>
 </p:sld>
 </file>
 
@@ -16274,7 +15727,7 @@
       </p:grpSpPr>
       <p:sp>
         <p:nvSpPr>
-          <p:cNvPr id="155" name="git and GitHub"/>
+          <p:cNvPr id="160" name="Why version control (and git)"/>
           <p:cNvSpPr txBox="1">
             <a:spLocks noGrp="1"/>
           </p:cNvSpPr>
@@ -16292,14 +15745,14 @@
           <a:lstStyle/>
           <a:p>
             <a:r>
-              <a:t>git and GitHub</a:t>
-            </a:r>
-          </a:p>
-        </p:txBody>
-      </p:sp>
-      <p:sp>
-        <p:nvSpPr>
-          <p:cNvPr id="156" name="git…"/>
+              <a:t>Why version control (and git)</a:t>
+            </a:r>
+          </a:p>
+        </p:txBody>
+      </p:sp>
+      <p:sp>
+        <p:nvSpPr>
+          <p:cNvPr id="161" name="simplicity…"/>
           <p:cNvSpPr txBox="1">
             <a:spLocks noGrp="1"/>
           </p:cNvSpPr>
@@ -16308,110 +15761,273 @@
           </p:nvPr>
         </p:nvSpPr>
         <p:spPr>
+          <a:xfrm>
+            <a:off x="376896" y="1394312"/>
+            <a:ext cx="8340328" cy="5063134"/>
+          </a:xfrm>
           <a:prstGeom prst="rect">
             <a:avLst/>
           </a:prstGeom>
         </p:spPr>
         <p:txBody>
+          <a:bodyPr>
+            <a:noAutofit/>
+          </a:bodyPr>
+          <a:lstStyle/>
+          <a:p>
+            <a:pPr>
+              <a:spcBef>
+                <a:spcPts val="0"/>
+              </a:spcBef>
+              <a:spcAft>
+                <a:spcPts val="703"/>
+              </a:spcAft>
+              <a:defRPr>
+                <a:solidFill>
+                  <a:srgbClr val="000000"/>
+                </a:solidFill>
+              </a:defRPr>
+            </a:pPr>
+            <a:r>
+              <a:rPr sz="2200" dirty="0"/>
+              <a:t>simplicity</a:t>
+            </a:r>
+          </a:p>
+          <a:p>
+            <a:pPr lvl="1">
+              <a:spcBef>
+                <a:spcPts val="0"/>
+              </a:spcBef>
+              <a:spcAft>
+                <a:spcPts val="703"/>
+              </a:spcAft>
+              <a:defRPr sz="2800"/>
+            </a:pPr>
+            <a:r>
+              <a:rPr sz="1800" dirty="0"/>
+              <a:t>only need one copy</a:t>
+            </a:r>
+          </a:p>
+          <a:p>
+            <a:pPr lvl="1">
+              <a:spcBef>
+                <a:spcPts val="0"/>
+              </a:spcBef>
+              <a:spcAft>
+                <a:spcPts val="703"/>
+              </a:spcAft>
+              <a:defRPr sz="2800"/>
+            </a:pPr>
+            <a:r>
+              <a:rPr sz="1800" dirty="0"/>
+              <a:t>always clear what the current version is</a:t>
+            </a:r>
+          </a:p>
+          <a:p>
+            <a:pPr lvl="1">
+              <a:spcBef>
+                <a:spcPts val="0"/>
+              </a:spcBef>
+              <a:spcAft>
+                <a:spcPts val="703"/>
+              </a:spcAft>
+              <a:defRPr sz="2800"/>
+            </a:pPr>
+            <a:r>
+              <a:rPr sz="1800" dirty="0"/>
+              <a:t>git just tracks changes</a:t>
+            </a:r>
+          </a:p>
+          <a:p>
+            <a:pPr lvl="1">
+              <a:spcBef>
+                <a:spcPts val="0"/>
+              </a:spcBef>
+              <a:spcAft>
+                <a:spcPts val="703"/>
+              </a:spcAft>
+              <a:defRPr sz="2800"/>
+            </a:pPr>
+            <a:r>
+              <a:rPr sz="1800" dirty="0"/>
+              <a:t>backup!</a:t>
+            </a:r>
+          </a:p>
+          <a:p>
+            <a:pPr>
+              <a:spcBef>
+                <a:spcPts val="0"/>
+              </a:spcBef>
+              <a:spcAft>
+                <a:spcPts val="703"/>
+              </a:spcAft>
+              <a:defRPr>
+                <a:solidFill>
+                  <a:srgbClr val="000000"/>
+                </a:solidFill>
+              </a:defRPr>
+            </a:pPr>
+            <a:r>
+              <a:rPr sz="2200" dirty="0"/>
+              <a:t>freedom to delete code</a:t>
+            </a:r>
+          </a:p>
+          <a:p>
+            <a:pPr lvl="1">
+              <a:spcBef>
+                <a:spcPts val="0"/>
+              </a:spcBef>
+              <a:spcAft>
+                <a:spcPts val="703"/>
+              </a:spcAft>
+              <a:defRPr sz="2800"/>
+            </a:pPr>
+            <a:r>
+              <a:rPr sz="1800" dirty="0"/>
+              <a:t>git keeps the full history, you can always resurrect old code</a:t>
+            </a:r>
+          </a:p>
+          <a:p>
+            <a:pPr lvl="1">
+              <a:spcBef>
+                <a:spcPts val="0"/>
+              </a:spcBef>
+              <a:spcAft>
+                <a:spcPts val="703"/>
+              </a:spcAft>
+              <a:defRPr sz="2800"/>
+            </a:pPr>
+            <a:r>
+              <a:rPr sz="1800" dirty="0"/>
+              <a:t>don’t need to keep commented code around ‘just in case’</a:t>
+            </a:r>
+          </a:p>
+          <a:p>
+            <a:pPr>
+              <a:spcBef>
+                <a:spcPts val="0"/>
+              </a:spcBef>
+              <a:spcAft>
+                <a:spcPts val="703"/>
+              </a:spcAft>
+              <a:defRPr>
+                <a:solidFill>
+                  <a:srgbClr val="000000"/>
+                </a:solidFill>
+              </a:defRPr>
+            </a:pPr>
+            <a:r>
+              <a:rPr sz="2200" dirty="0"/>
+              <a:t>provenance and reproducibility</a:t>
+            </a:r>
+          </a:p>
+          <a:p>
+            <a:pPr lvl="1">
+              <a:spcBef>
+                <a:spcPts val="0"/>
+              </a:spcBef>
+              <a:spcAft>
+                <a:spcPts val="703"/>
+              </a:spcAft>
+              <a:defRPr sz="2800"/>
+            </a:pPr>
+            <a:r>
+              <a:rPr sz="1800" dirty="0"/>
+              <a:t>makes it possible to track exactly what code was run for any analysis</a:t>
+            </a:r>
+          </a:p>
+          <a:p>
+            <a:pPr lvl="1">
+              <a:spcBef>
+                <a:spcPts val="0"/>
+              </a:spcBef>
+              <a:spcAft>
+                <a:spcPts val="703"/>
+              </a:spcAft>
+              <a:defRPr sz="2800"/>
+            </a:pPr>
+            <a:r>
+              <a:rPr sz="1800" dirty="0"/>
+              <a:t>fine-grained history</a:t>
+            </a:r>
+          </a:p>
+          <a:p>
+            <a:pPr>
+              <a:spcBef>
+                <a:spcPts val="0"/>
+              </a:spcBef>
+              <a:spcAft>
+                <a:spcPts val="703"/>
+              </a:spcAft>
+              <a:defRPr>
+                <a:solidFill>
+                  <a:srgbClr val="000000"/>
+                </a:solidFill>
+              </a:defRPr>
+            </a:pPr>
+            <a:r>
+              <a:rPr sz="2200" dirty="0"/>
+              <a:t>good support for branching and merging</a:t>
+            </a:r>
+          </a:p>
+          <a:p>
+            <a:pPr lvl="1">
+              <a:spcBef>
+                <a:spcPts val="0"/>
+              </a:spcBef>
+              <a:spcAft>
+                <a:spcPts val="703"/>
+              </a:spcAft>
+              <a:defRPr sz="2800"/>
+            </a:pPr>
+            <a:r>
+              <a:rPr sz="1800" dirty="0"/>
+              <a:t>supports development separate from a stable ‘main’ branch</a:t>
+            </a:r>
+          </a:p>
+          <a:p>
+            <a:pPr lvl="1">
+              <a:spcBef>
+                <a:spcPts val="0"/>
+              </a:spcBef>
+              <a:spcAft>
+                <a:spcPts val="703"/>
+              </a:spcAft>
+              <a:defRPr sz="2800"/>
+            </a:pPr>
+            <a:r>
+              <a:rPr sz="1800" dirty="0"/>
+              <a:t>aids parallel development</a:t>
+            </a:r>
+          </a:p>
+        </p:txBody>
+      </p:sp>
+      <p:sp>
+        <p:nvSpPr>
+          <p:cNvPr id="2" name="Slide Number Placeholder 1">
+            <a:extLst>
+              <a:ext uri="{FF2B5EF4-FFF2-40B4-BE49-F238E27FC236}">
+                <a16:creationId xmlns:a16="http://schemas.microsoft.com/office/drawing/2014/main" id="{8B527B64-235D-877E-0BA0-D43EB31DEC9D}"/>
+              </a:ext>
+            </a:extLst>
+          </p:cNvPr>
+          <p:cNvSpPr>
+            <a:spLocks noGrp="1"/>
+          </p:cNvSpPr>
+          <p:nvPr>
+            <p:ph type="sldNum" sz="quarter" idx="2"/>
+          </p:nvPr>
+        </p:nvSpPr>
+        <p:spPr/>
+        <p:txBody>
           <a:bodyPr/>
           <a:lstStyle/>
           <a:p>
-            <a:pPr>
-              <a:spcBef>
-                <a:spcPts val="0"/>
-              </a:spcBef>
-              <a:defRPr>
-                <a:solidFill>
-                  <a:srgbClr val="000000"/>
-                </a:solidFill>
-              </a:defRPr>
-            </a:pPr>
-            <a:r>
-              <a:t>git</a:t>
-            </a:r>
-          </a:p>
-          <a:p>
-            <a:pPr lvl="1">
-              <a:spcBef>
-                <a:spcPts val="0"/>
-              </a:spcBef>
-              <a:defRPr sz="2800"/>
-            </a:pPr>
-            <a:r>
-              <a:t>version control</a:t>
-            </a:r>
-          </a:p>
-          <a:p>
-            <a:pPr lvl="1">
-              <a:spcBef>
-                <a:spcPts val="0"/>
-              </a:spcBef>
-              <a:defRPr sz="2800"/>
-            </a:pPr>
-            <a:r>
-              <a:t>local + remote</a:t>
-            </a:r>
-          </a:p>
-          <a:p>
-            <a:pPr>
-              <a:spcBef>
-                <a:spcPts val="0"/>
-              </a:spcBef>
-              <a:defRPr>
-                <a:solidFill>
-                  <a:srgbClr val="000000"/>
-                </a:solidFill>
-              </a:defRPr>
-            </a:pPr>
-            <a:endParaRPr/>
-          </a:p>
-          <a:p>
-            <a:pPr>
-              <a:spcBef>
-                <a:spcPts val="0"/>
-              </a:spcBef>
-              <a:defRPr>
-                <a:solidFill>
-                  <a:srgbClr val="000000"/>
-                </a:solidFill>
-              </a:defRPr>
-            </a:pPr>
-            <a:r>
-              <a:t>GitHub</a:t>
-            </a:r>
-          </a:p>
-          <a:p>
-            <a:pPr lvl="1">
-              <a:spcBef>
-                <a:spcPts val="0"/>
-              </a:spcBef>
-              <a:defRPr sz="2800"/>
-            </a:pPr>
-            <a:r>
-              <a:t>Tools for collaboration</a:t>
-            </a:r>
-          </a:p>
-          <a:p>
-            <a:pPr lvl="2">
-              <a:spcBef>
-                <a:spcPts val="0"/>
-              </a:spcBef>
-              <a:defRPr sz="2800"/>
-            </a:pPr>
-            <a:r>
-              <a:t>Issue tracking, pull requests with code review, forking</a:t>
-            </a:r>
-          </a:p>
-          <a:p>
-            <a:pPr lvl="1">
-              <a:spcBef>
-                <a:spcPts val="0"/>
-              </a:spcBef>
-              <a:defRPr sz="2800"/>
-            </a:pPr>
-            <a:r>
-              <a:t>hosting &amp; public access</a:t>
-            </a:r>
+            <a:fld id="{86CB4B4D-7CA3-9044-876B-883B54F8677D}" type="slidenum">
+              <a:rPr lang="en-US" smtClean="0"/>
+              <a:t>4</a:t>
+            </a:fld>
+            <a:endParaRPr lang="en-US"/>
           </a:p>
         </p:txBody>
       </p:sp>
@@ -16443,7 +16059,7 @@
       </p:grpSpPr>
       <p:sp>
         <p:nvSpPr>
-          <p:cNvPr id="160" name="Why version control (and git)"/>
+          <p:cNvPr id="165" name="GitHub collaboration tools"/>
           <p:cNvSpPr txBox="1">
             <a:spLocks noGrp="1"/>
           </p:cNvSpPr>
@@ -16461,14 +16077,14 @@
           <a:lstStyle/>
           <a:p>
             <a:r>
-              <a:t>Why version control (and git)</a:t>
-            </a:r>
-          </a:p>
-        </p:txBody>
-      </p:sp>
-      <p:sp>
-        <p:nvSpPr>
-          <p:cNvPr id="161" name="simplicity…"/>
+              <a:t>GitHub collaboration tools</a:t>
+            </a:r>
+          </a:p>
+        </p:txBody>
+      </p:sp>
+      <p:sp>
+        <p:nvSpPr>
+          <p:cNvPr id="166" name="Issue tracking…"/>
           <p:cNvSpPr txBox="1">
             <a:spLocks noGrp="1"/>
           </p:cNvSpPr>
@@ -16477,240 +16093,266 @@
           </p:nvPr>
         </p:nvSpPr>
         <p:spPr>
+          <a:xfrm>
+            <a:off x="401836" y="1562694"/>
+            <a:ext cx="8340328" cy="4862667"/>
+          </a:xfrm>
           <a:prstGeom prst="rect">
             <a:avLst/>
           </a:prstGeom>
         </p:spPr>
         <p:txBody>
           <a:bodyPr>
-            <a:normAutofit fontScale="70000" lnSpcReduction="20000"/>
+            <a:normAutofit fontScale="77500" lnSpcReduction="20000"/>
           </a:bodyPr>
           <a:lstStyle/>
           <a:p>
-            <a:pPr>
-              <a:spcBef>
-                <a:spcPts val="0"/>
-              </a:spcBef>
-              <a:spcAft>
-                <a:spcPts val="703"/>
-              </a:spcAft>
-              <a:defRPr>
+            <a:pPr marL="311814" indent="-311814" defTabSz="398428">
+              <a:lnSpc>
+                <a:spcPct val="120000"/>
+              </a:lnSpc>
+              <a:spcBef>
+                <a:spcPts val="0"/>
+              </a:spcBef>
+              <a:defRPr sz="3492">
                 <a:solidFill>
                   <a:srgbClr val="000000"/>
                 </a:solidFill>
               </a:defRPr>
             </a:pPr>
             <a:r>
+              <a:rPr lang="en-US" dirty="0"/>
+              <a:t>i</a:t>
+            </a:r>
+            <a:r>
               <a:rPr dirty="0"/>
-              <a:t>simplicity</a:t>
-            </a:r>
-          </a:p>
-          <a:p>
-            <a:pPr lvl="1">
-              <a:spcBef>
-                <a:spcPts val="0"/>
-              </a:spcBef>
-              <a:spcAft>
-                <a:spcPts val="703"/>
-              </a:spcAft>
-              <a:defRPr sz="2800"/>
-            </a:pPr>
+              <a:t>ssue tracking</a:t>
+            </a:r>
+          </a:p>
+          <a:p>
+            <a:pPr marL="623627" lvl="1" indent="-311814" defTabSz="398428">
+              <a:lnSpc>
+                <a:spcPct val="120000"/>
+              </a:lnSpc>
+              <a:spcBef>
+                <a:spcPts val="0"/>
+              </a:spcBef>
+              <a:defRPr sz="2716"/>
+            </a:pPr>
+            <a:r>
+              <a:rPr sz="2600" dirty="0"/>
+              <a:t>with labelling, assignments and links between issues and PRs</a:t>
+            </a:r>
+          </a:p>
+          <a:p>
+            <a:pPr marL="311814" indent="-311814" defTabSz="398428">
+              <a:lnSpc>
+                <a:spcPct val="120000"/>
+              </a:lnSpc>
+              <a:spcBef>
+                <a:spcPts val="0"/>
+              </a:spcBef>
+              <a:defRPr sz="3492">
+                <a:solidFill>
+                  <a:srgbClr val="000000"/>
+                </a:solidFill>
+              </a:defRPr>
+            </a:pPr>
+            <a:endParaRPr sz="2600" dirty="0"/>
+          </a:p>
+          <a:p>
+            <a:pPr marL="311814" indent="-311814" defTabSz="398428">
+              <a:lnSpc>
+                <a:spcPct val="120000"/>
+              </a:lnSpc>
+              <a:spcBef>
+                <a:spcPts val="0"/>
+              </a:spcBef>
+              <a:defRPr sz="3492">
+                <a:solidFill>
+                  <a:srgbClr val="000000"/>
+                </a:solidFill>
+              </a:defRPr>
+            </a:pPr>
+            <a:r>
+              <a:rPr lang="en-US" dirty="0"/>
+              <a:t>p</a:t>
+            </a:r>
             <a:r>
               <a:rPr dirty="0"/>
-              <a:t>only need one copy</a:t>
-            </a:r>
-          </a:p>
-          <a:p>
-            <a:pPr lvl="1">
-              <a:spcBef>
-                <a:spcPts val="0"/>
-              </a:spcBef>
-              <a:spcAft>
-                <a:spcPts val="703"/>
-              </a:spcAft>
-              <a:defRPr sz="2800"/>
-            </a:pPr>
+              <a:t>ull </a:t>
+            </a:r>
+            <a:r>
+              <a:rPr lang="en-US" dirty="0"/>
+              <a:t>r</a:t>
+            </a:r>
             <a:r>
               <a:rPr dirty="0"/>
-              <a:t>always clear what the current version is</a:t>
-            </a:r>
-          </a:p>
-          <a:p>
-            <a:pPr lvl="1">
-              <a:spcBef>
-                <a:spcPts val="0"/>
-              </a:spcBef>
-              <a:spcAft>
-                <a:spcPts val="703"/>
-              </a:spcAft>
-              <a:defRPr sz="2800"/>
-            </a:pPr>
+              <a:t>equests (PRs)</a:t>
+            </a:r>
+          </a:p>
+          <a:p>
+            <a:pPr marL="623627" lvl="1" indent="-311814" defTabSz="398428">
+              <a:lnSpc>
+                <a:spcPct val="120000"/>
+              </a:lnSpc>
+              <a:spcBef>
+                <a:spcPts val="0"/>
+              </a:spcBef>
+              <a:defRPr sz="2716"/>
+            </a:pPr>
+            <a:r>
+              <a:rPr sz="2600" dirty="0"/>
+              <a:t>build code reviews into the process of merging in new functionality</a:t>
+            </a:r>
+          </a:p>
+          <a:p>
+            <a:pPr marL="311814" indent="-311814" defTabSz="398428">
+              <a:lnSpc>
+                <a:spcPct val="120000"/>
+              </a:lnSpc>
+              <a:spcBef>
+                <a:spcPts val="0"/>
+              </a:spcBef>
+              <a:defRPr sz="3492">
+                <a:solidFill>
+                  <a:srgbClr val="000000"/>
+                </a:solidFill>
+              </a:defRPr>
+            </a:pPr>
+            <a:endParaRPr sz="2600" dirty="0"/>
+          </a:p>
+          <a:p>
+            <a:pPr marL="311814" indent="-311814" defTabSz="398428">
+              <a:lnSpc>
+                <a:spcPct val="120000"/>
+              </a:lnSpc>
+              <a:spcBef>
+                <a:spcPts val="0"/>
+              </a:spcBef>
+              <a:defRPr sz="3492">
+                <a:solidFill>
+                  <a:srgbClr val="000000"/>
+                </a:solidFill>
+              </a:defRPr>
+            </a:pPr>
+            <a:r>
+              <a:rPr lang="en-US" dirty="0"/>
+              <a:t>i</a:t>
+            </a:r>
             <a:r>
               <a:rPr dirty="0"/>
-              <a:t>git just tracks changes</a:t>
-            </a:r>
-          </a:p>
-          <a:p>
-            <a:pPr lvl="1">
-              <a:spcBef>
-                <a:spcPts val="0"/>
-              </a:spcBef>
-              <a:spcAft>
-                <a:spcPts val="703"/>
-              </a:spcAft>
-              <a:defRPr sz="2800"/>
-            </a:pPr>
+              <a:t>ntegrations with other services</a:t>
+            </a:r>
+          </a:p>
+          <a:p>
+            <a:pPr marL="623627" lvl="1" indent="-311814" defTabSz="398428">
+              <a:lnSpc>
+                <a:spcPct val="120000"/>
+              </a:lnSpc>
+              <a:spcBef>
+                <a:spcPts val="0"/>
+              </a:spcBef>
+              <a:defRPr sz="2716"/>
+            </a:pPr>
+            <a:r>
+              <a:rPr sz="2600" dirty="0"/>
+              <a:t>Continuous integration: tests and other checks run every time the repo is updated</a:t>
+            </a:r>
+          </a:p>
+          <a:p>
+            <a:pPr marL="623627" lvl="1" indent="-311814" defTabSz="398428">
+              <a:lnSpc>
+                <a:spcPct val="120000"/>
+              </a:lnSpc>
+              <a:spcBef>
+                <a:spcPts val="0"/>
+              </a:spcBef>
+              <a:defRPr sz="2716"/>
+            </a:pPr>
+            <a:r>
+              <a:rPr sz="2600" dirty="0"/>
+              <a:t>Documentation hosting: rebuild the documentation every time the repo is updated</a:t>
+            </a:r>
+          </a:p>
+          <a:p>
+            <a:pPr marL="623627" lvl="1" indent="-311814" defTabSz="398428">
+              <a:lnSpc>
+                <a:spcPct val="120000"/>
+              </a:lnSpc>
+              <a:spcBef>
+                <a:spcPts val="0"/>
+              </a:spcBef>
+              <a:defRPr sz="2716"/>
+            </a:pPr>
+            <a:endParaRPr sz="2600" dirty="0"/>
+          </a:p>
+          <a:p>
+            <a:pPr marL="311814" indent="-311814" defTabSz="398428">
+              <a:lnSpc>
+                <a:spcPct val="120000"/>
+              </a:lnSpc>
+              <a:spcBef>
+                <a:spcPts val="0"/>
+              </a:spcBef>
+              <a:defRPr sz="3492">
+                <a:solidFill>
+                  <a:srgbClr val="000000"/>
+                </a:solidFill>
+              </a:defRPr>
+            </a:pPr>
+            <a:r>
+              <a:rPr lang="en-US" dirty="0"/>
+              <a:t>u</a:t>
+            </a:r>
             <a:r>
               <a:rPr dirty="0"/>
-              <a:t>backup!</a:t>
-            </a:r>
-          </a:p>
-          <a:p>
-            <a:pPr>
-              <a:spcBef>
-                <a:spcPts val="0"/>
-              </a:spcBef>
-              <a:spcAft>
-                <a:spcPts val="703"/>
-              </a:spcAft>
-              <a:defRPr>
-                <a:solidFill>
-                  <a:srgbClr val="000000"/>
-                </a:solidFill>
-              </a:defRPr>
-            </a:pPr>
-            <a:r>
-              <a:rPr dirty="0"/>
-              <a:t>freedom to delete code</a:t>
-            </a:r>
-          </a:p>
-          <a:p>
-            <a:pPr lvl="1">
-              <a:spcBef>
-                <a:spcPts val="0"/>
-              </a:spcBef>
-              <a:spcAft>
-                <a:spcPts val="703"/>
-              </a:spcAft>
-              <a:defRPr sz="2800"/>
-            </a:pPr>
-            <a:r>
-              <a:rPr dirty="0"/>
-              <a:t>git keeps the full history, you can always resurrect old code</a:t>
-            </a:r>
-          </a:p>
-          <a:p>
-            <a:pPr lvl="1">
-              <a:spcBef>
-                <a:spcPts val="0"/>
-              </a:spcBef>
-              <a:spcAft>
-                <a:spcPts val="703"/>
-              </a:spcAft>
-              <a:defRPr sz="2800"/>
-            </a:pPr>
-            <a:r>
-              <a:rPr dirty="0"/>
-              <a:t>don’t need to keep commented code around ‘just in case’</a:t>
-            </a:r>
-          </a:p>
-          <a:p>
-            <a:pPr>
-              <a:spcBef>
-                <a:spcPts val="0"/>
-              </a:spcBef>
-              <a:spcAft>
-                <a:spcPts val="703"/>
-              </a:spcAft>
-              <a:defRPr>
-                <a:solidFill>
-                  <a:srgbClr val="000000"/>
-                </a:solidFill>
-              </a:defRPr>
-            </a:pPr>
-            <a:r>
-              <a:rPr dirty="0"/>
-              <a:t>provenance and reproducibility</a:t>
-            </a:r>
-          </a:p>
-          <a:p>
-            <a:pPr lvl="1">
-              <a:spcBef>
-                <a:spcPts val="0"/>
-              </a:spcBef>
-              <a:spcAft>
-                <a:spcPts val="703"/>
-              </a:spcAft>
-              <a:defRPr sz="2800"/>
-            </a:pPr>
-            <a:r>
-              <a:rPr dirty="0"/>
-              <a:t>makes it possible to track exactly what code was run for any analysis</a:t>
-            </a:r>
-          </a:p>
-          <a:p>
-            <a:pPr lvl="1">
-              <a:spcBef>
-                <a:spcPts val="0"/>
-              </a:spcBef>
-              <a:spcAft>
-                <a:spcPts val="703"/>
-              </a:spcAft>
-              <a:defRPr sz="2800"/>
-            </a:pPr>
-            <a:r>
-              <a:rPr dirty="0"/>
-              <a:t>fine-grained history</a:t>
-            </a:r>
-          </a:p>
-          <a:p>
-            <a:pPr>
-              <a:spcBef>
-                <a:spcPts val="0"/>
-              </a:spcBef>
-              <a:spcAft>
-                <a:spcPts val="703"/>
-              </a:spcAft>
-              <a:defRPr>
-                <a:solidFill>
-                  <a:srgbClr val="000000"/>
-                </a:solidFill>
-              </a:defRPr>
-            </a:pPr>
-            <a:r>
-              <a:rPr dirty="0"/>
-              <a:t>good support for branching and merging</a:t>
-            </a:r>
-          </a:p>
-          <a:p>
-            <a:pPr lvl="1">
-              <a:spcBef>
-                <a:spcPts val="0"/>
-              </a:spcBef>
-              <a:spcAft>
-                <a:spcPts val="703"/>
-              </a:spcAft>
-              <a:defRPr sz="2800"/>
-            </a:pPr>
-            <a:r>
-              <a:rPr dirty="0"/>
-              <a:t>supports development separate from a stable ‘main’ branch</a:t>
-            </a:r>
-          </a:p>
-          <a:p>
-            <a:pPr lvl="1">
-              <a:spcBef>
-                <a:spcPts val="0"/>
-              </a:spcBef>
-              <a:spcAft>
-                <a:spcPts val="703"/>
-              </a:spcAft>
-              <a:defRPr sz="2800"/>
-            </a:pPr>
-            <a:r>
-              <a:rPr dirty="0"/>
-              <a:t>aids parallel development</a:t>
-            </a:r>
+              <a:t>ser interface for exploring code changes</a:t>
+            </a:r>
+          </a:p>
+          <a:p>
+            <a:pPr marL="623627" lvl="1" indent="-311814" defTabSz="398428">
+              <a:lnSpc>
+                <a:spcPct val="120000"/>
+              </a:lnSpc>
+              <a:spcBef>
+                <a:spcPts val="0"/>
+              </a:spcBef>
+              <a:defRPr sz="2716"/>
+            </a:pPr>
+            <a:r>
+              <a:rPr sz="2600" dirty="0"/>
+              <a:t>graphical diffs between any commits or branches </a:t>
+            </a:r>
+          </a:p>
+        </p:txBody>
+      </p:sp>
+      <p:sp>
+        <p:nvSpPr>
+          <p:cNvPr id="2" name="Slide Number Placeholder 1">
+            <a:extLst>
+              <a:ext uri="{FF2B5EF4-FFF2-40B4-BE49-F238E27FC236}">
+                <a16:creationId xmlns:a16="http://schemas.microsoft.com/office/drawing/2014/main" id="{896C69C2-5AEA-1D77-3924-D25705B38080}"/>
+              </a:ext>
+            </a:extLst>
+          </p:cNvPr>
+          <p:cNvSpPr>
+            <a:spLocks noGrp="1"/>
+          </p:cNvSpPr>
+          <p:nvPr>
+            <p:ph type="sldNum" sz="quarter" idx="2"/>
+          </p:nvPr>
+        </p:nvSpPr>
+        <p:spPr/>
+        <p:txBody>
+          <a:bodyPr/>
+          <a:lstStyle/>
+          <a:p>
+            <a:fld id="{86CB4B4D-7CA3-9044-876B-883B54F8677D}" type="slidenum">
+              <a:rPr lang="en-US" smtClean="0"/>
+              <a:t>5</a:t>
+            </a:fld>
+            <a:endParaRPr lang="en-US"/>
           </a:p>
         </p:txBody>
       </p:sp>
@@ -16742,7 +16384,7 @@
       </p:grpSpPr>
       <p:sp>
         <p:nvSpPr>
-          <p:cNvPr id="165" name="GitHub collaboration tools"/>
+          <p:cNvPr id="264" name="Reproducibility &amp; Open Science"/>
           <p:cNvSpPr txBox="1">
             <a:spLocks noGrp="1"/>
           </p:cNvSpPr>
@@ -16760,14 +16402,20 @@
           <a:lstStyle/>
           <a:p>
             <a:r>
-              <a:t>GitHub collaboration tools</a:t>
-            </a:r>
-          </a:p>
-        </p:txBody>
-      </p:sp>
-      <p:sp>
-        <p:nvSpPr>
-          <p:cNvPr id="166" name="Issue tracking…"/>
+              <a:rPr dirty="0"/>
+              <a:t>Reproducibility &amp; Open </a:t>
+            </a:r>
+            <a:r>
+              <a:rPr lang="en-US" dirty="0"/>
+              <a:t>Scholarship Hierarchy</a:t>
+            </a:r>
+            <a:endParaRPr dirty="0"/>
+          </a:p>
+        </p:txBody>
+      </p:sp>
+      <p:sp>
+        <p:nvSpPr>
+          <p:cNvPr id="265" name="public code…"/>
           <p:cNvSpPr txBox="1">
             <a:spLocks noGrp="1"/>
           </p:cNvSpPr>
@@ -16776,164 +16424,374 @@
           </p:nvPr>
         </p:nvSpPr>
         <p:spPr>
+          <a:xfrm>
+            <a:off x="401836" y="1371600"/>
+            <a:ext cx="8340328" cy="4688086"/>
+          </a:xfrm>
           <a:prstGeom prst="rect">
             <a:avLst/>
           </a:prstGeom>
         </p:spPr>
         <p:txBody>
           <a:bodyPr>
-            <a:normAutofit fontScale="77500" lnSpcReduction="20000"/>
+            <a:noAutofit/>
           </a:bodyPr>
           <a:lstStyle/>
           <a:p>
-            <a:pPr marL="311814" indent="-311814" defTabSz="398428">
-              <a:spcBef>
-                <a:spcPts val="0"/>
-              </a:spcBef>
-              <a:defRPr sz="3492">
+            <a:pPr marL="295740" indent="-295740" defTabSz="377890">
+              <a:lnSpc>
+                <a:spcPct val="120000"/>
+              </a:lnSpc>
+              <a:spcBef>
+                <a:spcPts val="0"/>
+              </a:spcBef>
+              <a:defRPr sz="3312">
                 <a:solidFill>
                   <a:srgbClr val="000000"/>
                 </a:solidFill>
               </a:defRPr>
             </a:pPr>
             <a:r>
-              <a:t>Issue tracking</a:t>
-            </a:r>
-          </a:p>
-          <a:p>
-            <a:pPr marL="623627" lvl="1" indent="-311814" defTabSz="398428">
-              <a:spcBef>
-                <a:spcPts val="0"/>
-              </a:spcBef>
-              <a:defRPr sz="2716"/>
-            </a:pPr>
-            <a:r>
-              <a:t>with labelling, assignments and links between issues and PRs</a:t>
-            </a:r>
-          </a:p>
-          <a:p>
-            <a:pPr marL="311814" indent="-311814" defTabSz="398428">
-              <a:spcBef>
-                <a:spcPts val="0"/>
-              </a:spcBef>
-              <a:defRPr sz="3492">
+              <a:rPr sz="2400" dirty="0"/>
+              <a:t>public code</a:t>
+            </a:r>
+          </a:p>
+          <a:p>
+            <a:pPr marL="591481" lvl="1" indent="-295740" defTabSz="377890">
+              <a:lnSpc>
+                <a:spcPct val="120000"/>
+              </a:lnSpc>
+              <a:spcBef>
+                <a:spcPts val="0"/>
+              </a:spcBef>
+              <a:defRPr sz="2576">
+                <a:solidFill>
+                  <a:schemeClr val="accent6">
+                    <a:hueOff val="-10521704"/>
+                    <a:satOff val="-11099"/>
+                    <a:lumOff val="-7127"/>
+                  </a:schemeClr>
+                </a:solidFill>
+              </a:defRPr>
+            </a:pPr>
+            <a:r>
+              <a:rPr sz="1800" dirty="0"/>
+              <a:t>complementary (some</a:t>
+            </a:r>
+            <a:r>
+              <a:rPr lang="en-US" sz="1800" dirty="0"/>
+              <a:t> </a:t>
+            </a:r>
+            <a:r>
+              <a:rPr sz="1800" dirty="0"/>
+              <a:t>times required) to publishing</a:t>
+            </a:r>
+          </a:p>
+          <a:p>
+            <a:pPr marL="591481" lvl="1" indent="-295740" defTabSz="377890">
+              <a:lnSpc>
+                <a:spcPct val="120000"/>
+              </a:lnSpc>
+              <a:spcBef>
+                <a:spcPts val="0"/>
+              </a:spcBef>
+              <a:defRPr sz="2576">
+                <a:solidFill>
+                  <a:schemeClr val="accent6">
+                    <a:hueOff val="-10521704"/>
+                    <a:satOff val="-11099"/>
+                    <a:lumOff val="-7127"/>
+                  </a:schemeClr>
+                </a:solidFill>
+              </a:defRPr>
+            </a:pPr>
+            <a:r>
+              <a:rPr sz="1800" dirty="0"/>
+              <a:t>documentation and readability are key</a:t>
+            </a:r>
+          </a:p>
+          <a:p>
+            <a:pPr marL="591481" lvl="1" indent="-295740" defTabSz="377890">
+              <a:lnSpc>
+                <a:spcPct val="120000"/>
+              </a:lnSpc>
+              <a:spcBef>
+                <a:spcPts val="0"/>
+              </a:spcBef>
+              <a:defRPr sz="2576">
+                <a:solidFill>
+                  <a:schemeClr val="accent6">
+                    <a:hueOff val="-10521704"/>
+                    <a:satOff val="-11099"/>
+                    <a:lumOff val="-7127"/>
+                  </a:schemeClr>
+                </a:solidFill>
+              </a:defRPr>
+            </a:pPr>
+            <a:r>
+              <a:rPr sz="1800" dirty="0"/>
+              <a:t>the analysis is the code — allows others to see what you did</a:t>
+            </a:r>
+          </a:p>
+          <a:p>
+            <a:pPr marL="295740" indent="-295740" defTabSz="377890">
+              <a:lnSpc>
+                <a:spcPct val="120000"/>
+              </a:lnSpc>
+              <a:spcBef>
+                <a:spcPts val="0"/>
+              </a:spcBef>
+              <a:defRPr sz="3312">
                 <a:solidFill>
                   <a:srgbClr val="000000"/>
                 </a:solidFill>
               </a:defRPr>
             </a:pPr>
-            <a:endParaRPr/>
-          </a:p>
-          <a:p>
-            <a:pPr marL="311814" indent="-311814" defTabSz="398428">
-              <a:spcBef>
-                <a:spcPts val="0"/>
-              </a:spcBef>
-              <a:defRPr sz="3492">
+            <a:endParaRPr sz="1800" dirty="0"/>
+          </a:p>
+          <a:p>
+            <a:pPr marL="295740" indent="-295740" defTabSz="377890">
+              <a:lnSpc>
+                <a:spcPct val="120000"/>
+              </a:lnSpc>
+              <a:spcBef>
+                <a:spcPts val="0"/>
+              </a:spcBef>
+              <a:defRPr sz="3312">
                 <a:solidFill>
                   <a:srgbClr val="000000"/>
                 </a:solidFill>
               </a:defRPr>
             </a:pPr>
             <a:r>
-              <a:t>Pull Requests (PRs)</a:t>
-            </a:r>
-          </a:p>
-          <a:p>
-            <a:pPr marL="623627" lvl="1" indent="-311814" defTabSz="398428">
-              <a:spcBef>
-                <a:spcPts val="0"/>
-              </a:spcBef>
-              <a:defRPr sz="2716"/>
-            </a:pPr>
-            <a:r>
-              <a:t>build code reviews into the process of merging in new functionality</a:t>
-            </a:r>
-          </a:p>
-          <a:p>
-            <a:pPr marL="311814" indent="-311814" defTabSz="398428">
-              <a:spcBef>
-                <a:spcPts val="0"/>
-              </a:spcBef>
-              <a:defRPr sz="3492">
+              <a:rPr sz="2400" dirty="0"/>
+              <a:t>open source code</a:t>
+            </a:r>
+          </a:p>
+          <a:p>
+            <a:pPr marL="591481" lvl="1" indent="-295740" defTabSz="377890">
+              <a:lnSpc>
+                <a:spcPct val="120000"/>
+              </a:lnSpc>
+              <a:spcBef>
+                <a:spcPts val="0"/>
+              </a:spcBef>
+              <a:defRPr sz="2576">
+                <a:solidFill>
+                  <a:schemeClr val="accent6">
+                    <a:hueOff val="-10521704"/>
+                    <a:satOff val="-11099"/>
+                    <a:lumOff val="-7127"/>
+                  </a:schemeClr>
+                </a:solidFill>
+              </a:defRPr>
+            </a:pPr>
+            <a:r>
+              <a:rPr sz="1800" dirty="0"/>
+              <a:t>requires an open source license</a:t>
+            </a:r>
+          </a:p>
+          <a:p>
+            <a:pPr marL="591481" lvl="1" indent="-295740" defTabSz="377890">
+              <a:lnSpc>
+                <a:spcPct val="120000"/>
+              </a:lnSpc>
+              <a:spcBef>
+                <a:spcPts val="0"/>
+              </a:spcBef>
+              <a:defRPr sz="2576">
+                <a:solidFill>
+                  <a:schemeClr val="accent6">
+                    <a:hueOff val="-10521704"/>
+                    <a:satOff val="-11099"/>
+                    <a:lumOff val="-7127"/>
+                  </a:schemeClr>
+                </a:solidFill>
+              </a:defRPr>
+            </a:pPr>
+            <a:r>
+              <a:rPr sz="1800" dirty="0"/>
+              <a:t>API documentation</a:t>
+            </a:r>
+          </a:p>
+          <a:p>
+            <a:pPr marL="591481" lvl="1" indent="-295740" defTabSz="377890">
+              <a:lnSpc>
+                <a:spcPct val="120000"/>
+              </a:lnSpc>
+              <a:spcBef>
+                <a:spcPts val="0"/>
+              </a:spcBef>
+              <a:defRPr sz="2576">
+                <a:solidFill>
+                  <a:schemeClr val="accent6">
+                    <a:hueOff val="-10521704"/>
+                    <a:satOff val="-11099"/>
+                    <a:lumOff val="-7127"/>
+                  </a:schemeClr>
+                </a:solidFill>
+              </a:defRPr>
+            </a:pPr>
+            <a:r>
+              <a:rPr sz="1800" dirty="0"/>
+              <a:t>unit testing and continuous integration</a:t>
+            </a:r>
+          </a:p>
+          <a:p>
+            <a:pPr marL="591481" lvl="1" indent="-295740" defTabSz="377890">
+              <a:lnSpc>
+                <a:spcPct val="120000"/>
+              </a:lnSpc>
+              <a:spcBef>
+                <a:spcPts val="0"/>
+              </a:spcBef>
+              <a:defRPr sz="2576">
+                <a:solidFill>
+                  <a:schemeClr val="accent6">
+                    <a:hueOff val="-10521704"/>
+                    <a:satOff val="-11099"/>
+                    <a:lumOff val="-7127"/>
+                  </a:schemeClr>
+                </a:solidFill>
+              </a:defRPr>
+            </a:pPr>
+            <a:r>
+              <a:rPr sz="1800" dirty="0"/>
+              <a:t>building a user community</a:t>
+            </a:r>
+          </a:p>
+          <a:p>
+            <a:pPr marL="295740" indent="-295740" defTabSz="377890">
+              <a:lnSpc>
+                <a:spcPct val="120000"/>
+              </a:lnSpc>
+              <a:spcBef>
+                <a:spcPts val="0"/>
+              </a:spcBef>
+              <a:defRPr sz="3312">
                 <a:solidFill>
                   <a:srgbClr val="000000"/>
                 </a:solidFill>
               </a:defRPr>
             </a:pPr>
-            <a:endParaRPr/>
-          </a:p>
-          <a:p>
-            <a:pPr marL="311814" indent="-311814" defTabSz="398428">
-              <a:spcBef>
-                <a:spcPts val="0"/>
-              </a:spcBef>
-              <a:defRPr sz="3492">
+            <a:endParaRPr sz="1800" dirty="0"/>
+          </a:p>
+          <a:p>
+            <a:pPr marL="295740" indent="-295740" defTabSz="377890">
+              <a:lnSpc>
+                <a:spcPct val="120000"/>
+              </a:lnSpc>
+              <a:spcBef>
+                <a:spcPts val="0"/>
+              </a:spcBef>
+              <a:defRPr sz="3312">
                 <a:solidFill>
                   <a:srgbClr val="000000"/>
                 </a:solidFill>
               </a:defRPr>
             </a:pPr>
             <a:r>
-              <a:t>integrations with other services</a:t>
-            </a:r>
-          </a:p>
-          <a:p>
-            <a:pPr marL="623627" lvl="1" indent="-311814" defTabSz="398428">
-              <a:spcBef>
-                <a:spcPts val="0"/>
-              </a:spcBef>
-              <a:defRPr sz="2716"/>
-            </a:pPr>
-            <a:r>
-              <a:t>Continuous integration: tests and other checks run every time the repo is updated</a:t>
-            </a:r>
-          </a:p>
-          <a:p>
-            <a:pPr marL="623627" lvl="1" indent="-311814" defTabSz="398428">
-              <a:spcBef>
-                <a:spcPts val="0"/>
-              </a:spcBef>
-              <a:defRPr sz="2716"/>
-            </a:pPr>
-            <a:r>
-              <a:t>Documentation hosting: rebuild the documentation every time the repo is updated</a:t>
-            </a:r>
-          </a:p>
-          <a:p>
-            <a:pPr marL="623627" lvl="1" indent="-311814" defTabSz="398428">
-              <a:spcBef>
-                <a:spcPts val="0"/>
-              </a:spcBef>
-              <a:defRPr sz="2716"/>
-            </a:pPr>
-            <a:endParaRPr/>
-          </a:p>
-          <a:p>
-            <a:pPr marL="311814" indent="-311814" defTabSz="398428">
-              <a:spcBef>
-                <a:spcPts val="0"/>
-              </a:spcBef>
-              <a:defRPr sz="3492">
-                <a:solidFill>
-                  <a:srgbClr val="000000"/>
-                </a:solidFill>
-              </a:defRPr>
-            </a:pPr>
-            <a:r>
-              <a:t>user interface for exploring code changes</a:t>
-            </a:r>
-          </a:p>
-          <a:p>
-            <a:pPr marL="623627" lvl="1" indent="-311814" defTabSz="398428">
-              <a:spcBef>
-                <a:spcPts val="0"/>
-              </a:spcBef>
-              <a:defRPr sz="2716"/>
-            </a:pPr>
-            <a:r>
-              <a:t>graphical diffs between any commits or branches </a:t>
-            </a:r>
+              <a:rPr sz="2400" dirty="0"/>
+              <a:t>reproducibility</a:t>
+            </a:r>
+          </a:p>
+          <a:p>
+            <a:pPr marL="591481" lvl="1" indent="-295740" defTabSz="377890">
+              <a:lnSpc>
+                <a:spcPct val="120000"/>
+              </a:lnSpc>
+              <a:spcBef>
+                <a:spcPts val="0"/>
+              </a:spcBef>
+              <a:defRPr sz="2576">
+                <a:solidFill>
+                  <a:schemeClr val="accent6">
+                    <a:hueOff val="-10521704"/>
+                    <a:satOff val="-11099"/>
+                    <a:lumOff val="-7127"/>
+                  </a:schemeClr>
+                </a:solidFill>
+              </a:defRPr>
+            </a:pPr>
+            <a:r>
+              <a:rPr sz="1800" dirty="0"/>
+              <a:t>capture of versions &amp; settings</a:t>
+            </a:r>
+          </a:p>
+          <a:p>
+            <a:pPr marL="591481" lvl="1" indent="-295740" defTabSz="377890">
+              <a:lnSpc>
+                <a:spcPct val="120000"/>
+              </a:lnSpc>
+              <a:spcBef>
+                <a:spcPts val="0"/>
+              </a:spcBef>
+              <a:defRPr sz="2576">
+                <a:solidFill>
+                  <a:schemeClr val="accent6">
+                    <a:hueOff val="-10521704"/>
+                    <a:satOff val="-11099"/>
+                    <a:lumOff val="-7127"/>
+                  </a:schemeClr>
+                </a:solidFill>
+              </a:defRPr>
+            </a:pPr>
+            <a:r>
+              <a:rPr sz="1800" dirty="0"/>
+              <a:t>open data</a:t>
+            </a:r>
+          </a:p>
+          <a:p>
+            <a:pPr marL="591481" lvl="1" indent="-295740" defTabSz="377890">
+              <a:lnSpc>
+                <a:spcPct val="120000"/>
+              </a:lnSpc>
+              <a:spcBef>
+                <a:spcPts val="0"/>
+              </a:spcBef>
+              <a:defRPr sz="2576">
+                <a:solidFill>
+                  <a:schemeClr val="accent6">
+                    <a:hueOff val="-10521704"/>
+                    <a:satOff val="-11099"/>
+                    <a:lumOff val="-7127"/>
+                  </a:schemeClr>
+                </a:solidFill>
+              </a:defRPr>
+            </a:pPr>
+            <a:r>
+              <a:rPr sz="1800" dirty="0"/>
+              <a:t>full stack capture, containers (docker)</a:t>
+            </a:r>
+          </a:p>
+        </p:txBody>
+      </p:sp>
+      <p:sp>
+        <p:nvSpPr>
+          <p:cNvPr id="2" name="Slide Number Placeholder 1">
+            <a:extLst>
+              <a:ext uri="{FF2B5EF4-FFF2-40B4-BE49-F238E27FC236}">
+                <a16:creationId xmlns:a16="http://schemas.microsoft.com/office/drawing/2014/main" id="{6D510B08-6BA3-D625-3541-5A9F8A1EDC8E}"/>
+              </a:ext>
+            </a:extLst>
+          </p:cNvPr>
+          <p:cNvSpPr>
+            <a:spLocks noGrp="1"/>
+          </p:cNvSpPr>
+          <p:nvPr>
+            <p:ph type="sldNum" sz="quarter" idx="2"/>
+          </p:nvPr>
+        </p:nvSpPr>
+        <p:spPr/>
+        <p:txBody>
+          <a:bodyPr/>
+          <a:lstStyle/>
+          <a:p>
+            <a:fld id="{86CB4B4D-7CA3-9044-876B-883B54F8677D}" type="slidenum">
+              <a:rPr lang="en-US" smtClean="0"/>
+              <a:t>6</a:t>
+            </a:fld>
+            <a:endParaRPr lang="en-US"/>
           </a:p>
         </p:txBody>
       </p:sp>
@@ -16965,7 +16823,7 @@
       </p:grpSpPr>
       <p:sp>
         <p:nvSpPr>
-          <p:cNvPr id="264" name="Reproducibility &amp; Open Science"/>
+          <p:cNvPr id="170" name="git basics"/>
           <p:cNvSpPr txBox="1">
             <a:spLocks noGrp="1"/>
           </p:cNvSpPr>
@@ -16983,20 +16841,14 @@
           <a:lstStyle/>
           <a:p>
             <a:r>
-              <a:rPr dirty="0"/>
-              <a:t>Reproducibility &amp; Open </a:t>
-            </a:r>
-            <a:r>
-              <a:rPr lang="en-US" dirty="0"/>
-              <a:t>Scholarship Hierarchy</a:t>
-            </a:r>
-            <a:endParaRPr dirty="0"/>
-          </a:p>
-        </p:txBody>
-      </p:sp>
-      <p:sp>
-        <p:nvSpPr>
-          <p:cNvPr id="265" name="public code…"/>
+              <a:t>git basics</a:t>
+            </a:r>
+          </a:p>
+        </p:txBody>
+      </p:sp>
+      <p:sp>
+        <p:nvSpPr>
+          <p:cNvPr id="171" name="local repository…"/>
           <p:cNvSpPr txBox="1">
             <a:spLocks noGrp="1"/>
           </p:cNvSpPr>
@@ -17005,41 +16857,43 @@
           </p:nvPr>
         </p:nvSpPr>
         <p:spPr>
-          <a:xfrm>
-            <a:off x="401836" y="1567160"/>
-            <a:ext cx="8340328" cy="4688086"/>
-          </a:xfrm>
           <a:prstGeom prst="rect">
             <a:avLst/>
           </a:prstGeom>
         </p:spPr>
         <p:txBody>
           <a:bodyPr>
-            <a:normAutofit fontScale="85000" lnSpcReduction="20000"/>
+            <a:noAutofit/>
           </a:bodyPr>
           <a:lstStyle/>
           <a:p>
-            <a:pPr marL="295740" indent="-295740" defTabSz="377890">
-              <a:spcBef>
-                <a:spcPts val="0"/>
-              </a:spcBef>
-              <a:defRPr sz="3312">
+            <a:pPr marL="318242" indent="-318242" defTabSz="406644">
+              <a:lnSpc>
+                <a:spcPct val="120000"/>
+              </a:lnSpc>
+              <a:spcBef>
+                <a:spcPts val="0"/>
+              </a:spcBef>
+              <a:defRPr sz="3564">
                 <a:solidFill>
                   <a:srgbClr val="000000"/>
                 </a:solidFill>
               </a:defRPr>
             </a:pPr>
             <a:r>
-              <a:rPr dirty="0"/>
-              <a:t>public code</a:t>
-            </a:r>
-          </a:p>
-          <a:p>
-            <a:pPr marL="591481" lvl="1" indent="-295740" defTabSz="377890">
-              <a:spcBef>
-                <a:spcPts val="0"/>
-              </a:spcBef>
-              <a:defRPr sz="2576">
+              <a:rPr sz="2400" dirty="0"/>
+              <a:t>local repository</a:t>
+            </a:r>
+          </a:p>
+          <a:p>
+            <a:pPr marL="636485" lvl="1" indent="-318242" defTabSz="406644">
+              <a:lnSpc>
+                <a:spcPct val="120000"/>
+              </a:lnSpc>
+              <a:spcBef>
+                <a:spcPts val="0"/>
+              </a:spcBef>
+              <a:defRPr sz="2772">
                 <a:solidFill>
                   <a:schemeClr val="accent6">
                     <a:hueOff val="-10521704"/>
@@ -17050,16 +16904,19 @@
               </a:defRPr>
             </a:pPr>
             <a:r>
-              <a:rPr dirty="0"/>
-              <a:t>complementary (some times required) to publishing</a:t>
-            </a:r>
-          </a:p>
-          <a:p>
-            <a:pPr marL="591481" lvl="1" indent="-295740" defTabSz="377890">
-              <a:spcBef>
-                <a:spcPts val="0"/>
-              </a:spcBef>
-              <a:defRPr sz="2576">
+              <a:rPr sz="1800" dirty="0"/>
+              <a:t>a complete copy (with the full history) on your local machine</a:t>
+            </a:r>
+          </a:p>
+          <a:p>
+            <a:pPr marL="636485" lvl="1" indent="-318242" defTabSz="406644">
+              <a:lnSpc>
+                <a:spcPct val="120000"/>
+              </a:lnSpc>
+              <a:spcBef>
+                <a:spcPts val="0"/>
+              </a:spcBef>
+              <a:defRPr sz="2772">
                 <a:solidFill>
                   <a:schemeClr val="accent6">
                     <a:hueOff val="-10521704"/>
@@ -17070,16 +16927,54 @@
               </a:defRPr>
             </a:pPr>
             <a:r>
-              <a:rPr dirty="0"/>
-              <a:t>documentation and readability are key</a:t>
-            </a:r>
-          </a:p>
-          <a:p>
-            <a:pPr marL="591481" lvl="1" indent="-295740" defTabSz="377890">
-              <a:spcBef>
-                <a:spcPts val="0"/>
-              </a:spcBef>
-              <a:defRPr sz="2576">
+              <a:rPr sz="1800" dirty="0"/>
+              <a:t>self-contained and self-sufficient</a:t>
+            </a:r>
+          </a:p>
+          <a:p>
+            <a:pPr marL="318242" indent="-318242" defTabSz="406644">
+              <a:lnSpc>
+                <a:spcPct val="120000"/>
+              </a:lnSpc>
+              <a:spcBef>
+                <a:spcPts val="0"/>
+              </a:spcBef>
+              <a:defRPr sz="3564">
+                <a:solidFill>
+                  <a:srgbClr val="000000"/>
+                </a:solidFill>
+              </a:defRPr>
+            </a:pPr>
+            <a:endParaRPr sz="1800" dirty="0"/>
+          </a:p>
+          <a:p>
+            <a:pPr marL="318242" indent="-318242" defTabSz="406644">
+              <a:lnSpc>
+                <a:spcPct val="120000"/>
+              </a:lnSpc>
+              <a:spcBef>
+                <a:spcPts val="0"/>
+              </a:spcBef>
+              <a:defRPr sz="3564">
+                <a:solidFill>
+                  <a:srgbClr val="000000"/>
+                </a:solidFill>
+              </a:defRPr>
+            </a:pPr>
+            <a:r>
+              <a:rPr sz="2400" dirty="0"/>
+              <a:t>remote repository</a:t>
+            </a:r>
+          </a:p>
+          <a:p>
+            <a:pPr marL="636485" lvl="1" indent="-318242" defTabSz="406644">
+              <a:lnSpc>
+                <a:spcPct val="120000"/>
+              </a:lnSpc>
+              <a:spcBef>
+                <a:spcPts val="0"/>
+              </a:spcBef>
+              <a:defRPr sz="2772">
                 <a:solidFill>
                   <a:schemeClr val="accent6">
                     <a:hueOff val="-10521704"/>
@@ -17090,45 +16985,54 @@
               </a:defRPr>
             </a:pPr>
             <a:r>
-              <a:rPr dirty="0"/>
-              <a:t>the analysis is the code — allows others to see what you did</a:t>
-            </a:r>
-          </a:p>
-          <a:p>
-            <a:pPr marL="295740" indent="-295740" defTabSz="377890">
-              <a:spcBef>
-                <a:spcPts val="0"/>
-              </a:spcBef>
-              <a:defRPr sz="3312">
+              <a:rPr sz="1800" dirty="0"/>
+              <a:t>a complete copy hosted remotely (e.g. on GitHub) — the repository all collaborators have access to</a:t>
+            </a:r>
+          </a:p>
+          <a:p>
+            <a:pPr marL="318242" indent="-318242" defTabSz="406644">
+              <a:lnSpc>
+                <a:spcPct val="120000"/>
+              </a:lnSpc>
+              <a:spcBef>
+                <a:spcPts val="0"/>
+              </a:spcBef>
+              <a:defRPr sz="3564">
                 <a:solidFill>
                   <a:srgbClr val="000000"/>
                 </a:solidFill>
               </a:defRPr>
             </a:pPr>
-            <a:endParaRPr dirty="0"/>
-          </a:p>
-          <a:p>
-            <a:pPr marL="295740" indent="-295740" defTabSz="377890">
-              <a:spcBef>
-                <a:spcPts val="0"/>
-              </a:spcBef>
-              <a:defRPr sz="3312">
+            <a:endParaRPr sz="1800" dirty="0"/>
+          </a:p>
+          <a:p>
+            <a:pPr marL="318242" indent="-318242" defTabSz="406644">
+              <a:lnSpc>
+                <a:spcPct val="120000"/>
+              </a:lnSpc>
+              <a:spcBef>
+                <a:spcPts val="0"/>
+              </a:spcBef>
+              <a:defRPr sz="3564">
                 <a:solidFill>
                   <a:srgbClr val="000000"/>
                 </a:solidFill>
               </a:defRPr>
             </a:pPr>
             <a:r>
-              <a:rPr dirty="0"/>
-              <a:t>open source code</a:t>
-            </a:r>
-          </a:p>
-          <a:p>
-            <a:pPr marL="591481" lvl="1" indent="-295740" defTabSz="377890">
-              <a:spcBef>
-                <a:spcPts val="0"/>
-              </a:spcBef>
-              <a:defRPr sz="2576">
+              <a:rPr sz="2400" dirty="0"/>
+              <a:t>snapshots (commits)</a:t>
+            </a:r>
+          </a:p>
+          <a:p>
+            <a:pPr marL="636485" lvl="1" indent="-318242" defTabSz="406644">
+              <a:lnSpc>
+                <a:spcPct val="120000"/>
+              </a:lnSpc>
+              <a:spcBef>
+                <a:spcPts val="0"/>
+              </a:spcBef>
+              <a:defRPr sz="2772">
                 <a:solidFill>
                   <a:schemeClr val="accent6">
                     <a:hueOff val="-10521704"/>
@@ -17139,16 +17043,19 @@
               </a:defRPr>
             </a:pPr>
             <a:r>
-              <a:rPr dirty="0"/>
-              <a:t>requires an open source license</a:t>
-            </a:r>
-          </a:p>
-          <a:p>
-            <a:pPr marL="591481" lvl="1" indent="-295740" defTabSz="377890">
-              <a:spcBef>
-                <a:spcPts val="0"/>
-              </a:spcBef>
-              <a:defRPr sz="2576">
+              <a:rPr sz="1800" dirty="0"/>
+              <a:t>the unit of tracking within git — can be multiple changes to multiple files</a:t>
+            </a:r>
+          </a:p>
+          <a:p>
+            <a:pPr marL="636485" lvl="1" indent="-318242" defTabSz="406644">
+              <a:lnSpc>
+                <a:spcPct val="120000"/>
+              </a:lnSpc>
+              <a:spcBef>
+                <a:spcPts val="0"/>
+              </a:spcBef>
+              <a:defRPr sz="2772">
                 <a:solidFill>
                   <a:schemeClr val="accent6">
                     <a:hueOff val="-10521704"/>
@@ -17159,16 +17066,19 @@
               </a:defRPr>
             </a:pPr>
             <a:r>
-              <a:rPr dirty="0"/>
-              <a:t>API documentation</a:t>
-            </a:r>
-          </a:p>
-          <a:p>
-            <a:pPr marL="591481" lvl="1" indent="-295740" defTabSz="377890">
-              <a:spcBef>
-                <a:spcPts val="0"/>
-              </a:spcBef>
-              <a:defRPr sz="2576">
+              <a:rPr sz="1800" dirty="0"/>
+              <a:t>should be used to identify ‘atomic’ changes — things that go together</a:t>
+            </a:r>
+          </a:p>
+          <a:p>
+            <a:pPr marL="636485" lvl="1" indent="-318242" defTabSz="406644">
+              <a:lnSpc>
+                <a:spcPct val="120000"/>
+              </a:lnSpc>
+              <a:spcBef>
+                <a:spcPts val="0"/>
+              </a:spcBef>
+              <a:defRPr sz="2772">
                 <a:solidFill>
                   <a:schemeClr val="accent6">
                     <a:hueOff val="-10521704"/>
@@ -17179,118 +17089,38 @@
               </a:defRPr>
             </a:pPr>
             <a:r>
-              <a:rPr dirty="0"/>
-              <a:t>unit testing and continuous integration</a:t>
-            </a:r>
-          </a:p>
-          <a:p>
-            <a:pPr marL="591481" lvl="1" indent="-295740" defTabSz="377890">
-              <a:spcBef>
-                <a:spcPts val="0"/>
-              </a:spcBef>
-              <a:defRPr sz="2576">
-                <a:solidFill>
-                  <a:schemeClr val="accent6">
-                    <a:hueOff val="-10521704"/>
-                    <a:satOff val="-11099"/>
-                    <a:lumOff val="-7127"/>
-                  </a:schemeClr>
-                </a:solidFill>
-              </a:defRPr>
-            </a:pPr>
-            <a:r>
-              <a:rPr dirty="0"/>
-              <a:t>building a user community</a:t>
-            </a:r>
-          </a:p>
-          <a:p>
-            <a:pPr marL="295740" indent="-295740" defTabSz="377890">
-              <a:spcBef>
-                <a:spcPts val="0"/>
-              </a:spcBef>
-              <a:defRPr sz="3312">
-                <a:solidFill>
-                  <a:srgbClr val="000000"/>
-                </a:solidFill>
-              </a:defRPr>
-            </a:pPr>
-            <a:endParaRPr dirty="0"/>
-          </a:p>
-          <a:p>
-            <a:pPr marL="295740" indent="-295740" defTabSz="377890">
-              <a:spcBef>
-                <a:spcPts val="0"/>
-              </a:spcBef>
-              <a:defRPr sz="3312">
-                <a:solidFill>
-                  <a:srgbClr val="000000"/>
-                </a:solidFill>
-              </a:defRPr>
-            </a:pPr>
-            <a:r>
-              <a:rPr dirty="0"/>
-              <a:t>reproducibility</a:t>
-            </a:r>
-          </a:p>
-          <a:p>
-            <a:pPr marL="591481" lvl="1" indent="-295740" defTabSz="377890">
-              <a:spcBef>
-                <a:spcPts val="0"/>
-              </a:spcBef>
-              <a:defRPr sz="2576">
-                <a:solidFill>
-                  <a:schemeClr val="accent6">
-                    <a:hueOff val="-10521704"/>
-                    <a:satOff val="-11099"/>
-                    <a:lumOff val="-7127"/>
-                  </a:schemeClr>
-                </a:solidFill>
-              </a:defRPr>
-            </a:pPr>
-            <a:r>
-              <a:rPr dirty="0"/>
-              <a:t>capture of versions &amp; settings</a:t>
-            </a:r>
-          </a:p>
-          <a:p>
-            <a:pPr marL="591481" lvl="1" indent="-295740" defTabSz="377890">
-              <a:spcBef>
-                <a:spcPts val="0"/>
-              </a:spcBef>
-              <a:defRPr sz="2576">
-                <a:solidFill>
-                  <a:schemeClr val="accent6">
-                    <a:hueOff val="-10521704"/>
-                    <a:satOff val="-11099"/>
-                    <a:lumOff val="-7127"/>
-                  </a:schemeClr>
-                </a:solidFill>
-              </a:defRPr>
-            </a:pPr>
-            <a:r>
-              <a:rPr dirty="0"/>
-              <a:t>open data</a:t>
-            </a:r>
-          </a:p>
-          <a:p>
-            <a:pPr marL="591481" lvl="1" indent="-295740" defTabSz="377890">
-              <a:spcBef>
-                <a:spcPts val="0"/>
-              </a:spcBef>
-              <a:defRPr sz="2576">
-                <a:solidFill>
-                  <a:schemeClr val="accent6">
-                    <a:hueOff val="-10521704"/>
-                    <a:satOff val="-11099"/>
-                    <a:lumOff val="-7127"/>
-                  </a:schemeClr>
-                </a:solidFill>
-              </a:defRPr>
-            </a:pPr>
-            <a:r>
-              <a:rPr dirty="0"/>
-              <a:t>full stack capture, containers (docker)</a:t>
-            </a:r>
+              <a:rPr sz="1800" dirty="0"/>
+              <a:t>commit early &amp; often — fine-grained commits make the history more useful</a:t>
+            </a:r>
+          </a:p>
+        </p:txBody>
+      </p:sp>
+      <p:sp>
+        <p:nvSpPr>
+          <p:cNvPr id="2" name="Slide Number Placeholder 1">
+            <a:extLst>
+              <a:ext uri="{FF2B5EF4-FFF2-40B4-BE49-F238E27FC236}">
+                <a16:creationId xmlns:a16="http://schemas.microsoft.com/office/drawing/2014/main" id="{D3989971-27EB-E916-1511-51C3F5E3B7D0}"/>
+              </a:ext>
+            </a:extLst>
+          </p:cNvPr>
+          <p:cNvSpPr>
+            <a:spLocks noGrp="1"/>
+          </p:cNvSpPr>
+          <p:nvPr>
+            <p:ph type="sldNum" sz="quarter" idx="2"/>
+          </p:nvPr>
+        </p:nvSpPr>
+        <p:spPr/>
+        <p:txBody>
+          <a:bodyPr/>
+          <a:lstStyle/>
+          <a:p>
+            <a:fld id="{86CB4B4D-7CA3-9044-876B-883B54F8677D}" type="slidenum">
+              <a:rPr lang="en-US" smtClean="0"/>
+              <a:t>7</a:t>
+            </a:fld>
+            <a:endParaRPr lang="en-US"/>
           </a:p>
         </p:txBody>
       </p:sp>
@@ -17322,70 +17152,37 @@
       </p:grpSpPr>
       <p:sp>
         <p:nvSpPr>
-          <p:cNvPr id="170" name="git basics"/>
-          <p:cNvSpPr txBox="1">
-            <a:spLocks noGrp="1"/>
-          </p:cNvSpPr>
-          <p:nvPr>
-            <p:ph type="title"/>
-          </p:nvPr>
+          <p:cNvPr id="173" name="Working directory"/>
+          <p:cNvSpPr/>
+          <p:nvPr/>
         </p:nvSpPr>
         <p:spPr>
-          <a:prstGeom prst="rect">
-            <a:avLst/>
+          <a:xfrm>
+            <a:off x="207020" y="1569431"/>
+            <a:ext cx="1942655" cy="1509016"/>
+          </a:xfrm>
+          <a:prstGeom prst="roundRect">
+            <a:avLst>
+              <a:gd name="adj" fmla="val 8876"/>
+            </a:avLst>
           </a:prstGeom>
+          <a:solidFill>
+            <a:srgbClr val="FF7E79"/>
+          </a:solidFill>
+          <a:ln w="12700">
+            <a:miter lim="400000"/>
+          </a:ln>
+          <a:extLst>
+            <a:ext uri="{C572A759-6A51-4108-AA02-DFA0A04FC94B}">
+              <ma14:wrappingTextBoxFlag xmlns:ma14="http://schemas.microsoft.com/office/mac/drawingml/2011/main" xmlns:a14="http://schemas.microsoft.com/office/drawing/2010/main" xmlns:m="http://schemas.openxmlformats.org/officeDocument/2006/math" xmlns="" val="1"/>
+            </a:ext>
+          </a:extLst>
         </p:spPr>
         <p:txBody>
-          <a:bodyPr/>
-          <a:lstStyle/>
-          <a:p>
-            <a:r>
-              <a:t>git basics</a:t>
-            </a:r>
-          </a:p>
-        </p:txBody>
-      </p:sp>
-      <p:sp>
-        <p:nvSpPr>
-          <p:cNvPr id="171" name="local repository…"/>
-          <p:cNvSpPr txBox="1">
-            <a:spLocks noGrp="1"/>
-          </p:cNvSpPr>
-          <p:nvPr>
-            <p:ph type="body" idx="1"/>
-          </p:nvPr>
-        </p:nvSpPr>
-        <p:spPr>
-          <a:prstGeom prst="rect">
-            <a:avLst/>
-          </a:prstGeom>
-        </p:spPr>
-        <p:txBody>
-          <a:bodyPr>
-            <a:normAutofit fontScale="77500" lnSpcReduction="20000"/>
-          </a:bodyPr>
-          <a:lstStyle/>
-          <a:p>
-            <a:pPr marL="318242" indent="-318242" defTabSz="406644">
-              <a:spcBef>
-                <a:spcPts val="0"/>
-              </a:spcBef>
-              <a:defRPr sz="3564">
-                <a:solidFill>
-                  <a:srgbClr val="000000"/>
-                </a:solidFill>
-              </a:defRPr>
-            </a:pPr>
-            <a:r>
-              <a:t>local repository</a:t>
-            </a:r>
-          </a:p>
-          <a:p>
-            <a:pPr marL="636485" lvl="1" indent="-318242" defTabSz="406644">
-              <a:spcBef>
-                <a:spcPts val="0"/>
-              </a:spcBef>
-              <a:defRPr sz="2772">
+          <a:bodyPr lIns="35719" tIns="35719" rIns="35719" bIns="35719" anchor="ctr"/>
+          <a:lstStyle>
+            <a:lvl1pPr>
+              <a:defRPr sz="2800">
                 <a:solidFill>
                   <a:schemeClr val="accent6">
                     <a:hueOff val="-10521704"/>
@@ -17394,17 +17191,67 @@
                   </a:schemeClr>
                 </a:solidFill>
               </a:defRPr>
-            </a:pPr>
-            <a:r>
-              <a:t>a complete copy (with the full history) on your local machine</a:t>
-            </a:r>
-          </a:p>
-          <a:p>
-            <a:pPr marL="636485" lvl="1" indent="-318242" defTabSz="406644">
-              <a:spcBef>
-                <a:spcPts val="0"/>
-              </a:spcBef>
-              <a:defRPr sz="2772">
+            </a:lvl1pPr>
+          </a:lstStyle>
+          <a:p>
+            <a:pPr algn="ctr" defTabSz="410751" eaLnBrk="1" fontAlgn="auto">
+              <a:spcBef>
+                <a:spcPts val="0"/>
+              </a:spcBef>
+              <a:spcAft>
+                <a:spcPts val="0"/>
+              </a:spcAft>
+            </a:pPr>
+            <a:r>
+              <a:rPr sz="1969" kern="0">
+                <a:solidFill>
+                  <a:srgbClr val="62647B">
+                    <a:hueOff val="-10521704"/>
+                    <a:satOff val="-11099"/>
+                    <a:lumOff val="-7127"/>
+                  </a:srgbClr>
+                </a:solidFill>
+                <a:latin typeface="Helvetica Neue Light"/>
+                <a:sym typeface="Helvetica Neue Light"/>
+              </a:rPr>
+              <a:t>Working directory</a:t>
+            </a:r>
+          </a:p>
+        </p:txBody>
+      </p:sp>
+      <p:sp>
+        <p:nvSpPr>
+          <p:cNvPr id="174" name="staging area (index)"/>
+          <p:cNvSpPr/>
+          <p:nvPr/>
+        </p:nvSpPr>
+        <p:spPr>
+          <a:xfrm>
+            <a:off x="2469455" y="1537172"/>
+            <a:ext cx="1942655" cy="1573533"/>
+          </a:xfrm>
+          <a:prstGeom prst="roundRect">
+            <a:avLst>
+              <a:gd name="adj" fmla="val 8512"/>
+            </a:avLst>
+          </a:prstGeom>
+          <a:solidFill>
+            <a:srgbClr val="D783FF"/>
+          </a:solidFill>
+          <a:ln w="12700">
+            <a:miter lim="400000"/>
+          </a:ln>
+          <a:extLst>
+            <a:ext uri="{C572A759-6A51-4108-AA02-DFA0A04FC94B}">
+              <ma14:wrappingTextBoxFlag xmlns:ma14="http://schemas.microsoft.com/office/mac/drawingml/2011/main" xmlns:a14="http://schemas.microsoft.com/office/drawing/2010/main" xmlns:m="http://schemas.openxmlformats.org/officeDocument/2006/math" xmlns="" val="1"/>
+            </a:ext>
+          </a:extLst>
+        </p:spPr>
+        <p:txBody>
+          <a:bodyPr lIns="35719" tIns="35719" rIns="35719" bIns="35719" anchor="ctr"/>
+          <a:lstStyle>
+            <a:lvl1pPr>
+              <a:defRPr sz="2800">
                 <a:solidFill>
                   <a:schemeClr val="accent6">
                     <a:hueOff val="-10521704"/>
@@ -17413,142 +17260,258 @@
                   </a:schemeClr>
                 </a:solidFill>
               </a:defRPr>
-            </a:pPr>
-            <a:r>
-              <a:t>self-contained and self-sufficient</a:t>
-            </a:r>
-          </a:p>
-          <a:p>
-            <a:pPr marL="318242" indent="-318242" defTabSz="406644">
-              <a:spcBef>
-                <a:spcPts val="0"/>
-              </a:spcBef>
-              <a:defRPr sz="3564">
-                <a:solidFill>
-                  <a:srgbClr val="000000"/>
-                </a:solidFill>
-              </a:defRPr>
-            </a:pPr>
-            <a:endParaRPr/>
-          </a:p>
-          <a:p>
-            <a:pPr marL="318242" indent="-318242" defTabSz="406644">
-              <a:spcBef>
-                <a:spcPts val="0"/>
-              </a:spcBef>
-              <a:defRPr sz="3564">
-                <a:solidFill>
-                  <a:srgbClr val="000000"/>
-                </a:solidFill>
-              </a:defRPr>
-            </a:pPr>
-            <a:r>
-              <a:t>remote repository</a:t>
-            </a:r>
-          </a:p>
-          <a:p>
-            <a:pPr marL="636485" lvl="1" indent="-318242" defTabSz="406644">
-              <a:spcBef>
-                <a:spcPts val="0"/>
-              </a:spcBef>
-              <a:defRPr sz="2772">
-                <a:solidFill>
-                  <a:schemeClr val="accent6">
+            </a:lvl1pPr>
+          </a:lstStyle>
+          <a:p>
+            <a:pPr algn="ctr" defTabSz="410751" eaLnBrk="1" fontAlgn="auto">
+              <a:spcBef>
+                <a:spcPts val="0"/>
+              </a:spcBef>
+              <a:spcAft>
+                <a:spcPts val="0"/>
+              </a:spcAft>
+            </a:pPr>
+            <a:r>
+              <a:rPr sz="1969" kern="0">
+                <a:solidFill>
+                  <a:srgbClr val="62647B">
                     <a:hueOff val="-10521704"/>
                     <a:satOff val="-11099"/>
                     <a:lumOff val="-7127"/>
-                  </a:schemeClr>
-                </a:solidFill>
-              </a:defRPr>
-            </a:pPr>
-            <a:r>
-              <a:t>a complete copy hosted remotely (e.g. on GitHub) — the repository all collaborators have access to</a:t>
-            </a:r>
-          </a:p>
-          <a:p>
-            <a:pPr marL="318242" indent="-318242" defTabSz="406644">
-              <a:spcBef>
-                <a:spcPts val="0"/>
-              </a:spcBef>
-              <a:defRPr sz="3564">
-                <a:solidFill>
-                  <a:srgbClr val="000000"/>
-                </a:solidFill>
-              </a:defRPr>
-            </a:pPr>
-            <a:endParaRPr/>
-          </a:p>
-          <a:p>
-            <a:pPr marL="318242" indent="-318242" defTabSz="406644">
-              <a:spcBef>
-                <a:spcPts val="0"/>
-              </a:spcBef>
-              <a:defRPr sz="3564">
-                <a:solidFill>
-                  <a:srgbClr val="000000"/>
-                </a:solidFill>
-              </a:defRPr>
-            </a:pPr>
-            <a:r>
-              <a:t>snapshots (commits)</a:t>
-            </a:r>
-          </a:p>
-          <a:p>
-            <a:pPr marL="636485" lvl="1" indent="-318242" defTabSz="406644">
-              <a:spcBef>
-                <a:spcPts val="0"/>
-              </a:spcBef>
-              <a:defRPr sz="2772">
-                <a:solidFill>
-                  <a:schemeClr val="accent6">
+                  </a:srgbClr>
+                </a:solidFill>
+                <a:latin typeface="Helvetica Neue Light"/>
+                <a:sym typeface="Helvetica Neue Light"/>
+              </a:rPr>
+              <a:t>staging area (index)</a:t>
+            </a:r>
+          </a:p>
+        </p:txBody>
+      </p:sp>
+      <p:sp>
+        <p:nvSpPr>
+          <p:cNvPr id="175" name="local repository:…"/>
+          <p:cNvSpPr/>
+          <p:nvPr/>
+        </p:nvSpPr>
+        <p:spPr>
+          <a:xfrm>
+            <a:off x="4731890" y="1569431"/>
+            <a:ext cx="1942655" cy="1509016"/>
+          </a:xfrm>
+          <a:prstGeom prst="roundRect">
+            <a:avLst>
+              <a:gd name="adj" fmla="val 8876"/>
+            </a:avLst>
+          </a:prstGeom>
+          <a:solidFill>
+            <a:srgbClr val="7A81FF"/>
+          </a:solidFill>
+          <a:ln w="12700">
+            <a:miter lim="400000"/>
+          </a:ln>
+          <a:extLst>
+            <a:ext uri="{C572A759-6A51-4108-AA02-DFA0A04FC94B}">
+              <ma14:wrappingTextBoxFlag xmlns:ma14="http://schemas.microsoft.com/office/mac/drawingml/2011/main" xmlns:a14="http://schemas.microsoft.com/office/drawing/2010/main" xmlns:m="http://schemas.openxmlformats.org/officeDocument/2006/math" xmlns="" val="1"/>
+            </a:ext>
+          </a:extLst>
+        </p:spPr>
+        <p:txBody>
+          <a:bodyPr lIns="35719" tIns="35719" rIns="35719" bIns="35719" anchor="ctr"/>
+          <a:lstStyle/>
+          <a:p>
+            <a:pPr algn="ctr" defTabSz="410751" eaLnBrk="1" fontAlgn="auto">
+              <a:spcBef>
+                <a:spcPts val="0"/>
+              </a:spcBef>
+              <a:spcAft>
+                <a:spcPts val="0"/>
+              </a:spcAft>
+              <a:defRPr sz="2800">
+                <a:solidFill>
+                  <a:srgbClr val="62647B">
                     <a:hueOff val="-10521704"/>
                     <a:satOff val="-11099"/>
                     <a:lumOff val="-7127"/>
-                  </a:schemeClr>
-                </a:solidFill>
-              </a:defRPr>
-            </a:pPr>
-            <a:r>
-              <a:t>the unit of tracking within git — can be multiple changes to multiple files</a:t>
-            </a:r>
-          </a:p>
-          <a:p>
-            <a:pPr marL="636485" lvl="1" indent="-318242" defTabSz="406644">
-              <a:spcBef>
-                <a:spcPts val="0"/>
-              </a:spcBef>
-              <a:defRPr sz="2772">
-                <a:solidFill>
-                  <a:schemeClr val="accent6">
+                  </a:srgbClr>
+                </a:solidFill>
+              </a:defRPr>
+            </a:pPr>
+            <a:r>
+              <a:rPr sz="1969" kern="0">
+                <a:solidFill>
+                  <a:srgbClr val="62647B">
                     <a:hueOff val="-10521704"/>
                     <a:satOff val="-11099"/>
                     <a:lumOff val="-7127"/>
-                  </a:schemeClr>
-                </a:solidFill>
-              </a:defRPr>
-            </a:pPr>
-            <a:r>
-              <a:t>should be used to identify ‘atomic’ changes — things that go together</a:t>
-            </a:r>
-          </a:p>
-          <a:p>
-            <a:pPr marL="636485" lvl="1" indent="-318242" defTabSz="406644">
-              <a:spcBef>
-                <a:spcPts val="0"/>
-              </a:spcBef>
-              <a:defRPr sz="2772">
-                <a:solidFill>
-                  <a:schemeClr val="accent6">
+                  </a:srgbClr>
+                </a:solidFill>
+                <a:latin typeface="Helvetica Neue Light"/>
+                <a:sym typeface="Helvetica Neue Light"/>
+              </a:rPr>
+              <a:t>local repository:</a:t>
+            </a:r>
+          </a:p>
+          <a:p>
+            <a:pPr algn="ctr" defTabSz="410751" eaLnBrk="1" fontAlgn="auto">
+              <a:spcBef>
+                <a:spcPts val="0"/>
+              </a:spcBef>
+              <a:spcAft>
+                <a:spcPts val="0"/>
+              </a:spcAft>
+              <a:defRPr sz="2800">
+                <a:solidFill>
+                  <a:srgbClr val="62647B">
                     <a:hueOff val="-10521704"/>
                     <a:satOff val="-11099"/>
                     <a:lumOff val="-7127"/>
-                  </a:schemeClr>
-                </a:solidFill>
-              </a:defRPr>
-            </a:pPr>
-            <a:r>
-              <a:t>commit early &amp; often — fine-grained commits make the history more useful</a:t>
-            </a:r>
+                  </a:srgbClr>
+                </a:solidFill>
+              </a:defRPr>
+            </a:pPr>
+            <a:r>
+              <a:rPr sz="1969" kern="0">
+                <a:solidFill>
+                  <a:srgbClr val="62647B">
+                    <a:hueOff val="-10521704"/>
+                    <a:satOff val="-11099"/>
+                    <a:lumOff val="-7127"/>
+                  </a:srgbClr>
+                </a:solidFill>
+                <a:latin typeface="Helvetica Neue Light"/>
+                <a:sym typeface="Helvetica Neue Light"/>
+              </a:rPr>
+              <a:t>snapshots</a:t>
+            </a:r>
+          </a:p>
+        </p:txBody>
+      </p:sp>
+      <p:sp>
+        <p:nvSpPr>
+          <p:cNvPr id="176" name="remote repository:…"/>
+          <p:cNvSpPr/>
+          <p:nvPr/>
+        </p:nvSpPr>
+        <p:spPr>
+          <a:xfrm>
+            <a:off x="6994326" y="1537172"/>
+            <a:ext cx="1942655" cy="1573533"/>
+          </a:xfrm>
+          <a:prstGeom prst="roundRect">
+            <a:avLst>
+              <a:gd name="adj" fmla="val 8512"/>
+            </a:avLst>
+          </a:prstGeom>
+          <a:solidFill>
+            <a:srgbClr val="C0C0C0"/>
+          </a:solidFill>
+          <a:ln w="12700">
+            <a:miter lim="400000"/>
+          </a:ln>
+          <a:extLst>
+            <a:ext uri="{C572A759-6A51-4108-AA02-DFA0A04FC94B}">
+              <ma14:wrappingTextBoxFlag xmlns:ma14="http://schemas.microsoft.com/office/mac/drawingml/2011/main" xmlns:a14="http://schemas.microsoft.com/office/drawing/2010/main" xmlns:m="http://schemas.openxmlformats.org/officeDocument/2006/math" xmlns="" val="1"/>
+            </a:ext>
+          </a:extLst>
+        </p:spPr>
+        <p:txBody>
+          <a:bodyPr lIns="35719" tIns="35719" rIns="35719" bIns="35719" anchor="ctr"/>
+          <a:lstStyle/>
+          <a:p>
+            <a:pPr algn="ctr" defTabSz="410751" eaLnBrk="1" fontAlgn="auto">
+              <a:spcBef>
+                <a:spcPts val="0"/>
+              </a:spcBef>
+              <a:spcAft>
+                <a:spcPts val="0"/>
+              </a:spcAft>
+              <a:defRPr sz="2800">
+                <a:solidFill>
+                  <a:srgbClr val="62647B">
+                    <a:hueOff val="-10521704"/>
+                    <a:satOff val="-11099"/>
+                    <a:lumOff val="-7127"/>
+                  </a:srgbClr>
+                </a:solidFill>
+              </a:defRPr>
+            </a:pPr>
+            <a:r>
+              <a:rPr sz="1969" kern="0">
+                <a:solidFill>
+                  <a:srgbClr val="62647B">
+                    <a:hueOff val="-10521704"/>
+                    <a:satOff val="-11099"/>
+                    <a:lumOff val="-7127"/>
+                  </a:srgbClr>
+                </a:solidFill>
+                <a:latin typeface="Helvetica Neue Light"/>
+                <a:sym typeface="Helvetica Neue Light"/>
+              </a:rPr>
+              <a:t>remote repository:</a:t>
+            </a:r>
+          </a:p>
+          <a:p>
+            <a:pPr algn="ctr" defTabSz="410751" eaLnBrk="1" fontAlgn="auto">
+              <a:spcBef>
+                <a:spcPts val="0"/>
+              </a:spcBef>
+              <a:spcAft>
+                <a:spcPts val="0"/>
+              </a:spcAft>
+              <a:defRPr sz="2800">
+                <a:solidFill>
+                  <a:srgbClr val="62647B">
+                    <a:hueOff val="-10521704"/>
+                    <a:satOff val="-11099"/>
+                    <a:lumOff val="-7127"/>
+                  </a:srgbClr>
+                </a:solidFill>
+              </a:defRPr>
+            </a:pPr>
+            <a:r>
+              <a:rPr sz="1969" kern="0">
+                <a:solidFill>
+                  <a:srgbClr val="62647B">
+                    <a:hueOff val="-10521704"/>
+                    <a:satOff val="-11099"/>
+                    <a:lumOff val="-7127"/>
+                  </a:srgbClr>
+                </a:solidFill>
+                <a:latin typeface="Helvetica Neue Light"/>
+                <a:sym typeface="Helvetica Neue Light"/>
+              </a:rPr>
+              <a:t>snapshots</a:t>
+            </a:r>
+          </a:p>
+        </p:txBody>
+      </p:sp>
+      <p:sp>
+        <p:nvSpPr>
+          <p:cNvPr id="2" name="Slide Number Placeholder 1">
+            <a:extLst>
+              <a:ext uri="{FF2B5EF4-FFF2-40B4-BE49-F238E27FC236}">
+                <a16:creationId xmlns:a16="http://schemas.microsoft.com/office/drawing/2014/main" id="{C470DF46-2195-EA18-151C-97489CFC0CDE}"/>
+              </a:ext>
+            </a:extLst>
+          </p:cNvPr>
+          <p:cNvSpPr>
+            <a:spLocks noGrp="1"/>
+          </p:cNvSpPr>
+          <p:nvPr>
+            <p:ph type="sldNum" sz="quarter" idx="2"/>
+          </p:nvPr>
+        </p:nvSpPr>
+        <p:spPr/>
+        <p:txBody>
+          <a:bodyPr/>
+          <a:lstStyle/>
+          <a:p>
+            <a:fld id="{86CB4B4D-7CA3-9044-876B-883B54F8677D}" type="slidenum">
+              <a:rPr lang="en-US" smtClean="0"/>
+              <a:t>8</a:t>
+            </a:fld>
+            <a:endParaRPr lang="en-US"/>
           </a:p>
         </p:txBody>
       </p:sp>
@@ -17580,7 +17543,7 @@
       </p:grpSpPr>
       <p:sp>
         <p:nvSpPr>
-          <p:cNvPr id="173" name="Working directory"/>
+          <p:cNvPr id="180" name="Working directory"/>
           <p:cNvSpPr/>
           <p:nvPr/>
         </p:nvSpPr>
@@ -17602,7 +17565,7 @@
           </a:ln>
           <a:extLst>
             <a:ext uri="{C572A759-6A51-4108-AA02-DFA0A04FC94B}">
-              <ma14:wrappingTextBoxFlag xmlns="" xmlns:m="http://schemas.openxmlformats.org/officeDocument/2006/math" xmlns:a14="http://schemas.microsoft.com/office/drawing/2010/main" xmlns:ma14="http://schemas.microsoft.com/office/mac/drawingml/2011/main" val="1"/>
+              <ma14:wrappingTextBoxFlag xmlns:ma14="http://schemas.microsoft.com/office/mac/drawingml/2011/main" xmlns:a14="http://schemas.microsoft.com/office/drawing/2010/main" xmlns:m="http://schemas.openxmlformats.org/officeDocument/2006/math" xmlns="" val="1"/>
             </a:ext>
           </a:extLst>
         </p:spPr>
@@ -17649,7 +17612,7 @@
       </p:sp>
       <p:sp>
         <p:nvSpPr>
-          <p:cNvPr id="174" name="staging area (index)"/>
+          <p:cNvPr id="181" name="staging area (index)"/>
           <p:cNvSpPr/>
           <p:nvPr/>
         </p:nvSpPr>
@@ -17671,7 +17634,7 @@
           </a:ln>
           <a:extLst>
             <a:ext uri="{C572A759-6A51-4108-AA02-DFA0A04FC94B}">
-              <ma14:wrappingTextBoxFlag xmlns="" xmlns:m="http://schemas.openxmlformats.org/officeDocument/2006/math" xmlns:a14="http://schemas.microsoft.com/office/drawing/2010/main" xmlns:ma14="http://schemas.microsoft.com/office/mac/drawingml/2011/main" val="1"/>
+              <ma14:wrappingTextBoxFlag xmlns:ma14="http://schemas.microsoft.com/office/mac/drawingml/2011/main" xmlns:a14="http://schemas.microsoft.com/office/drawing/2010/main" xmlns:m="http://schemas.openxmlformats.org/officeDocument/2006/math" xmlns="" val="1"/>
             </a:ext>
           </a:extLst>
         </p:spPr>
@@ -17718,7 +17681,7 @@
       </p:sp>
       <p:sp>
         <p:nvSpPr>
-          <p:cNvPr id="175" name="local repository:…"/>
+          <p:cNvPr id="182" name="local repository:…"/>
           <p:cNvSpPr/>
           <p:nvPr/>
         </p:nvSpPr>
@@ -17740,7 +17703,7 @@
           </a:ln>
           <a:extLst>
             <a:ext uri="{C572A759-6A51-4108-AA02-DFA0A04FC94B}">
-              <ma14:wrappingTextBoxFlag xmlns="" xmlns:m="http://schemas.openxmlformats.org/officeDocument/2006/math" xmlns:a14="http://schemas.microsoft.com/office/drawing/2010/main" xmlns:ma14="http://schemas.microsoft.com/office/mac/drawingml/2011/main" val="1"/>
+              <ma14:wrappingTextBoxFlag xmlns:ma14="http://schemas.microsoft.com/office/mac/drawingml/2011/main" xmlns:a14="http://schemas.microsoft.com/office/drawing/2010/main" xmlns:m="http://schemas.openxmlformats.org/officeDocument/2006/math" xmlns="" val="1"/>
             </a:ext>
           </a:extLst>
         </p:spPr>
@@ -17817,7 +17780,7 @@
       </p:sp>
       <p:sp>
         <p:nvSpPr>
-          <p:cNvPr id="176" name="remote repository:…"/>
+          <p:cNvPr id="183" name="remote repository:…"/>
           <p:cNvSpPr/>
           <p:nvPr/>
         </p:nvSpPr>
@@ -17839,7 +17802,7 @@
           </a:ln>
           <a:extLst>
             <a:ext uri="{C572A759-6A51-4108-AA02-DFA0A04FC94B}">
-              <ma14:wrappingTextBoxFlag xmlns="" xmlns:m="http://schemas.openxmlformats.org/officeDocument/2006/math" xmlns:a14="http://schemas.microsoft.com/office/drawing/2010/main" xmlns:ma14="http://schemas.microsoft.com/office/mac/drawingml/2011/main" val="1"/>
+              <ma14:wrappingTextBoxFlag xmlns:ma14="http://schemas.microsoft.com/office/mac/drawingml/2011/main" xmlns:a14="http://schemas.microsoft.com/office/drawing/2010/main" xmlns:m="http://schemas.openxmlformats.org/officeDocument/2006/math" xmlns="" val="1"/>
             </a:ext>
           </a:extLst>
         </p:spPr>
@@ -17911,6 +17874,409 @@
               </a:rPr>
               <a:t>snapshots</a:t>
             </a:r>
+          </a:p>
+        </p:txBody>
+      </p:sp>
+      <p:sp>
+        <p:nvSpPr>
+          <p:cNvPr id="189" name="Connection Line"/>
+          <p:cNvSpPr/>
+          <p:nvPr/>
+        </p:nvSpPr>
+        <p:spPr>
+          <a:xfrm>
+            <a:off x="1128422" y="1139190"/>
+            <a:ext cx="2193480" cy="400076"/>
+          </a:xfrm>
+          <a:custGeom>
+            <a:avLst/>
+            <a:gdLst/>
+            <a:ahLst/>
+            <a:cxnLst>
+              <a:cxn ang="0">
+                <a:pos x="wd2" y="hd2"/>
+              </a:cxn>
+              <a:cxn ang="5400000">
+                <a:pos x="wd2" y="hd2"/>
+              </a:cxn>
+              <a:cxn ang="10800000">
+                <a:pos x="wd2" y="hd2"/>
+              </a:cxn>
+              <a:cxn ang="16200000">
+                <a:pos x="wd2" y="hd2"/>
+              </a:cxn>
+            </a:cxnLst>
+            <a:rect l="0" t="0" r="r" b="b"/>
+            <a:pathLst>
+              <a:path w="21600" h="16212" extrusionOk="0">
+                <a:moveTo>
+                  <a:pt x="0" y="16212"/>
+                </a:moveTo>
+                <a:cubicBezTo>
+                  <a:pt x="7105" y="-4821"/>
+                  <a:pt x="14305" y="-5388"/>
+                  <a:pt x="21600" y="14510"/>
+                </a:cubicBezTo>
+              </a:path>
+            </a:pathLst>
+          </a:custGeom>
+          <a:ln w="63500">
+            <a:solidFill>
+              <a:srgbClr val="ABABAB"/>
+            </a:solidFill>
+            <a:miter lim="400000"/>
+            <a:tailEnd type="triangle"/>
+          </a:ln>
+        </p:spPr>
+        <p:txBody>
+          <a:bodyPr/>
+          <a:lstStyle/>
+          <a:p>
+            <a:pPr algn="ctr" defTabSz="410751" eaLnBrk="1" fontAlgn="auto">
+              <a:spcBef>
+                <a:spcPts val="0"/>
+              </a:spcBef>
+              <a:spcAft>
+                <a:spcPts val="0"/>
+              </a:spcAft>
+            </a:pPr>
+            <a:endParaRPr sz="2531" kern="0">
+              <a:solidFill>
+                <a:srgbClr val="000000"/>
+              </a:solidFill>
+              <a:latin typeface="Helvetica Neue Light"/>
+              <a:sym typeface="Helvetica Neue Light"/>
+            </a:endParaRPr>
+          </a:p>
+        </p:txBody>
+      </p:sp>
+      <p:sp>
+        <p:nvSpPr>
+          <p:cNvPr id="185" name="git add"/>
+          <p:cNvSpPr txBox="1"/>
+          <p:nvPr/>
+        </p:nvSpPr>
+        <p:spPr>
+          <a:xfrm>
+            <a:off x="1895995" y="641119"/>
+            <a:ext cx="1048365" cy="461601"/>
+          </a:xfrm>
+          <a:prstGeom prst="rect">
+            <a:avLst/>
+          </a:prstGeom>
+          <a:ln w="12700">
+            <a:miter lim="400000"/>
+          </a:ln>
+          <a:extLst>
+            <a:ext uri="{C572A759-6A51-4108-AA02-DFA0A04FC94B}">
+              <ma14:wrappingTextBoxFlag xmlns:ma14="http://schemas.microsoft.com/office/mac/drawingml/2011/main" xmlns:a14="http://schemas.microsoft.com/office/drawing/2010/main" xmlns:m="http://schemas.openxmlformats.org/officeDocument/2006/math" xmlns="" val="1"/>
+            </a:ext>
+          </a:extLst>
+        </p:spPr>
+        <p:txBody>
+          <a:bodyPr wrap="none" lIns="35719" tIns="35719" rIns="35719" bIns="35719" anchor="ctr">
+            <a:spAutoFit/>
+          </a:bodyPr>
+          <a:lstStyle>
+            <a:lvl1pPr>
+              <a:defRPr>
+                <a:solidFill>
+                  <a:schemeClr val="accent6">
+                    <a:hueOff val="-10521704"/>
+                    <a:satOff val="-11099"/>
+                    <a:lumOff val="-7127"/>
+                  </a:schemeClr>
+                </a:solidFill>
+                <a:latin typeface="Helvetica Neue Medium"/>
+                <a:ea typeface="Helvetica Neue Medium"/>
+                <a:cs typeface="Helvetica Neue Medium"/>
+                <a:sym typeface="Helvetica Neue Medium"/>
+              </a:defRPr>
+            </a:lvl1pPr>
+          </a:lstStyle>
+          <a:p>
+            <a:pPr algn="ctr" defTabSz="410751" eaLnBrk="1" fontAlgn="auto">
+              <a:spcBef>
+                <a:spcPts val="0"/>
+              </a:spcBef>
+              <a:spcAft>
+                <a:spcPts val="0"/>
+              </a:spcAft>
+            </a:pPr>
+            <a:r>
+              <a:rPr sz="2531" kern="0">
+                <a:solidFill>
+                  <a:srgbClr val="62647B">
+                    <a:hueOff val="-10521704"/>
+                    <a:satOff val="-11099"/>
+                    <a:lumOff val="-7127"/>
+                  </a:srgbClr>
+                </a:solidFill>
+              </a:rPr>
+              <a:t>git add</a:t>
+            </a:r>
+          </a:p>
+        </p:txBody>
+      </p:sp>
+      <p:sp>
+        <p:nvSpPr>
+          <p:cNvPr id="186" name="git commit"/>
+          <p:cNvSpPr txBox="1"/>
+          <p:nvPr/>
+        </p:nvSpPr>
+        <p:spPr>
+          <a:xfrm>
+            <a:off x="3792804" y="641119"/>
+            <a:ext cx="1551708" cy="461601"/>
+          </a:xfrm>
+          <a:prstGeom prst="rect">
+            <a:avLst/>
+          </a:prstGeom>
+          <a:ln w="12700">
+            <a:miter lim="400000"/>
+          </a:ln>
+          <a:extLst>
+            <a:ext uri="{C572A759-6A51-4108-AA02-DFA0A04FC94B}">
+              <ma14:wrappingTextBoxFlag xmlns:ma14="http://schemas.microsoft.com/office/mac/drawingml/2011/main" xmlns:a14="http://schemas.microsoft.com/office/drawing/2010/main" xmlns:m="http://schemas.openxmlformats.org/officeDocument/2006/math" xmlns="" val="1"/>
+            </a:ext>
+          </a:extLst>
+        </p:spPr>
+        <p:txBody>
+          <a:bodyPr wrap="none" lIns="35719" tIns="35719" rIns="35719" bIns="35719" anchor="ctr">
+            <a:spAutoFit/>
+          </a:bodyPr>
+          <a:lstStyle>
+            <a:lvl1pPr>
+              <a:defRPr>
+                <a:solidFill>
+                  <a:schemeClr val="accent6">
+                    <a:hueOff val="-10521704"/>
+                    <a:satOff val="-11099"/>
+                    <a:lumOff val="-7127"/>
+                  </a:schemeClr>
+                </a:solidFill>
+                <a:latin typeface="Helvetica Neue Medium"/>
+                <a:ea typeface="Helvetica Neue Medium"/>
+                <a:cs typeface="Helvetica Neue Medium"/>
+                <a:sym typeface="Helvetica Neue Medium"/>
+              </a:defRPr>
+            </a:lvl1pPr>
+          </a:lstStyle>
+          <a:p>
+            <a:pPr algn="ctr" defTabSz="410751" eaLnBrk="1" fontAlgn="auto">
+              <a:spcBef>
+                <a:spcPts val="0"/>
+              </a:spcBef>
+              <a:spcAft>
+                <a:spcPts val="0"/>
+              </a:spcAft>
+            </a:pPr>
+            <a:r>
+              <a:rPr sz="2531" kern="0">
+                <a:solidFill>
+                  <a:srgbClr val="62647B">
+                    <a:hueOff val="-10521704"/>
+                    <a:satOff val="-11099"/>
+                    <a:lumOff val="-7127"/>
+                  </a:srgbClr>
+                </a:solidFill>
+              </a:rPr>
+              <a:t>git commit</a:t>
+            </a:r>
+          </a:p>
+        </p:txBody>
+      </p:sp>
+      <p:sp>
+        <p:nvSpPr>
+          <p:cNvPr id="190" name="Connection Line"/>
+          <p:cNvSpPr/>
+          <p:nvPr/>
+        </p:nvSpPr>
+        <p:spPr>
+          <a:xfrm>
+            <a:off x="3430157" y="1122033"/>
+            <a:ext cx="2208520" cy="380240"/>
+          </a:xfrm>
+          <a:custGeom>
+            <a:avLst/>
+            <a:gdLst/>
+            <a:ahLst/>
+            <a:cxnLst>
+              <a:cxn ang="0">
+                <a:pos x="wd2" y="hd2"/>
+              </a:cxn>
+              <a:cxn ang="5400000">
+                <a:pos x="wd2" y="hd2"/>
+              </a:cxn>
+              <a:cxn ang="10800000">
+                <a:pos x="wd2" y="hd2"/>
+              </a:cxn>
+              <a:cxn ang="16200000">
+                <a:pos x="wd2" y="hd2"/>
+              </a:cxn>
+            </a:cxnLst>
+            <a:rect l="0" t="0" r="r" b="b"/>
+            <a:pathLst>
+              <a:path w="21600" h="16200" extrusionOk="0">
+                <a:moveTo>
+                  <a:pt x="0" y="16082"/>
+                </a:moveTo>
+                <a:cubicBezTo>
+                  <a:pt x="7206" y="-5400"/>
+                  <a:pt x="14406" y="-5361"/>
+                  <a:pt x="21600" y="16200"/>
+                </a:cubicBezTo>
+              </a:path>
+            </a:pathLst>
+          </a:custGeom>
+          <a:ln w="63500">
+            <a:solidFill>
+              <a:srgbClr val="ABABAB"/>
+            </a:solidFill>
+            <a:miter lim="400000"/>
+            <a:tailEnd type="triangle"/>
+          </a:ln>
+        </p:spPr>
+        <p:txBody>
+          <a:bodyPr/>
+          <a:lstStyle/>
+          <a:p>
+            <a:pPr algn="ctr" defTabSz="410751" eaLnBrk="1" fontAlgn="auto">
+              <a:spcBef>
+                <a:spcPts val="0"/>
+              </a:spcBef>
+              <a:spcAft>
+                <a:spcPts val="0"/>
+              </a:spcAft>
+            </a:pPr>
+            <a:endParaRPr sz="2531" kern="0">
+              <a:solidFill>
+                <a:srgbClr val="000000"/>
+              </a:solidFill>
+              <a:latin typeface="Helvetica Neue Light"/>
+              <a:sym typeface="Helvetica Neue Light"/>
+            </a:endParaRPr>
+          </a:p>
+        </p:txBody>
+      </p:sp>
+      <p:sp>
+        <p:nvSpPr>
+          <p:cNvPr id="188" name="git status: use frequently to understand where files &amp; code changes are in this process"/>
+          <p:cNvSpPr txBox="1"/>
+          <p:nvPr/>
+        </p:nvSpPr>
+        <p:spPr>
+          <a:xfrm>
+            <a:off x="146494" y="5984403"/>
+            <a:ext cx="8805351" cy="851067"/>
+          </a:xfrm>
+          <a:prstGeom prst="rect">
+            <a:avLst/>
+          </a:prstGeom>
+          <a:ln w="12700">
+            <a:miter lim="400000"/>
+          </a:ln>
+          <a:extLst>
+            <a:ext uri="{C572A759-6A51-4108-AA02-DFA0A04FC94B}">
+              <ma14:wrappingTextBoxFlag xmlns:ma14="http://schemas.microsoft.com/office/mac/drawingml/2011/main" xmlns:a14="http://schemas.microsoft.com/office/drawing/2010/main" xmlns:m="http://schemas.openxmlformats.org/officeDocument/2006/math" xmlns="" val="1"/>
+            </a:ext>
+          </a:extLst>
+        </p:spPr>
+        <p:txBody>
+          <a:bodyPr wrap="square" lIns="35719" tIns="35719" rIns="35719" bIns="35719" anchor="ctr">
+            <a:spAutoFit/>
+          </a:bodyPr>
+          <a:lstStyle>
+            <a:lvl1pPr>
+              <a:defRPr>
+                <a:solidFill>
+                  <a:schemeClr val="accent6">
+                    <a:hueOff val="-10521704"/>
+                    <a:satOff val="-11099"/>
+                    <a:lumOff val="-7127"/>
+                  </a:schemeClr>
+                </a:solidFill>
+                <a:latin typeface="Helvetica Neue Medium"/>
+                <a:ea typeface="Helvetica Neue Medium"/>
+                <a:cs typeface="Helvetica Neue Medium"/>
+                <a:sym typeface="Helvetica Neue Medium"/>
+              </a:defRPr>
+            </a:lvl1pPr>
+          </a:lstStyle>
+          <a:p>
+            <a:pPr algn="ctr" defTabSz="410751" eaLnBrk="1" fontAlgn="auto">
+              <a:spcBef>
+                <a:spcPts val="0"/>
+              </a:spcBef>
+              <a:spcAft>
+                <a:spcPts val="0"/>
+              </a:spcAft>
+            </a:pPr>
+            <a:r>
+              <a:rPr sz="2531" kern="0" dirty="0">
+                <a:solidFill>
+                  <a:srgbClr val="62647B">
+                    <a:hueOff val="-10521704"/>
+                    <a:satOff val="-11099"/>
+                    <a:lumOff val="-7127"/>
+                  </a:srgbClr>
+                </a:solidFill>
+              </a:rPr>
+              <a:t>git status: use frequently to understand where files &amp; code changes</a:t>
+            </a:r>
+            <a:r>
+              <a:rPr lang="en-US" sz="2531" kern="0" dirty="0">
+                <a:solidFill>
+                  <a:srgbClr val="62647B">
+                    <a:hueOff val="-10521704"/>
+                    <a:satOff val="-11099"/>
+                    <a:lumOff val="-7127"/>
+                  </a:srgbClr>
+                </a:solidFill>
+              </a:rPr>
+              <a:t> </a:t>
+            </a:r>
+            <a:r>
+              <a:rPr sz="2531" kern="0" dirty="0">
+                <a:solidFill>
+                  <a:srgbClr val="62647B">
+                    <a:hueOff val="-10521704"/>
+                    <a:satOff val="-11099"/>
+                    <a:lumOff val="-7127"/>
+                  </a:srgbClr>
+                </a:solidFill>
+              </a:rPr>
+              <a:t>are in this process </a:t>
+            </a:r>
+          </a:p>
+        </p:txBody>
+      </p:sp>
+      <p:sp>
+        <p:nvSpPr>
+          <p:cNvPr id="2" name="Slide Number Placeholder 1">
+            <a:extLst>
+              <a:ext uri="{FF2B5EF4-FFF2-40B4-BE49-F238E27FC236}">
+                <a16:creationId xmlns:a16="http://schemas.microsoft.com/office/drawing/2014/main" id="{5A56D41F-C725-9DE6-A7DC-3E714CE2E6C2}"/>
+              </a:ext>
+            </a:extLst>
+          </p:cNvPr>
+          <p:cNvSpPr>
+            <a:spLocks noGrp="1"/>
+          </p:cNvSpPr>
+          <p:nvPr>
+            <p:ph type="sldNum" sz="quarter" idx="2"/>
+          </p:nvPr>
+        </p:nvSpPr>
+        <p:spPr/>
+        <p:txBody>
+          <a:bodyPr/>
+          <a:lstStyle/>
+          <a:p>
+            <a:fld id="{86CB4B4D-7CA3-9044-876B-883B54F8677D}" type="slidenum">
+              <a:rPr lang="en-US" smtClean="0"/>
+              <a:t>9</a:t>
+            </a:fld>
+            <a:endParaRPr lang="en-US"/>
           </a:p>
         </p:txBody>
       </p:sp>
@@ -18169,7 +18535,7 @@
         <a:effectLst/>
         <a:extLst>
           <a:ext uri="{AF507438-7753-43e0-B8FC-AC1667EBCBE1}">
-            <a14:hiddenEffects xmlns="" xmlns:a14="http://schemas.microsoft.com/office/drawing/2010/main">
+            <a14:hiddenEffects xmlns:a14="http://schemas.microsoft.com/office/drawing/2010/main" xmlns="">
               <a:effectLst>
                 <a:outerShdw blurRad="63500" dist="38099" dir="2700000" algn="ctr" rotWithShape="0">
                   <a:schemeClr val="bg2">
@@ -18248,7 +18614,7 @@
         <a:effectLst/>
         <a:extLst>
           <a:ext uri="{AF507438-7753-43e0-B8FC-AC1667EBCBE1}">
-            <a14:hiddenEffects xmlns="" xmlns:a14="http://schemas.microsoft.com/office/drawing/2010/main">
+            <a14:hiddenEffects xmlns:a14="http://schemas.microsoft.com/office/drawing/2010/main" xmlns="">
               <a:effectLst>
                 <a:outerShdw blurRad="63500" dist="38099" dir="2700000" algn="ctr" rotWithShape="0">
                   <a:schemeClr val="bg2">
